--- a/简图.pptx
+++ b/简图.pptx
@@ -5,13 +5,16 @@
     <p:sldMasterId id="2147483648" r:id="rId1"/>
   </p:sldMasterIdLst>
   <p:sldIdLst>
-    <p:sldId id="256" r:id="rId2"/>
-    <p:sldId id="258" r:id="rId3"/>
-    <p:sldId id="257" r:id="rId4"/>
-    <p:sldId id="260" r:id="rId5"/>
-    <p:sldId id="262" r:id="rId6"/>
-    <p:sldId id="261" r:id="rId7"/>
-    <p:sldId id="259" r:id="rId8"/>
+    <p:sldId id="264" r:id="rId2"/>
+    <p:sldId id="265" r:id="rId3"/>
+    <p:sldId id="256" r:id="rId4"/>
+    <p:sldId id="263" r:id="rId5"/>
+    <p:sldId id="258" r:id="rId6"/>
+    <p:sldId id="257" r:id="rId7"/>
+    <p:sldId id="260" r:id="rId8"/>
+    <p:sldId id="262" r:id="rId9"/>
+    <p:sldId id="261" r:id="rId10"/>
+    <p:sldId id="259" r:id="rId11"/>
   </p:sldIdLst>
   <p:sldSz cx="12192000" cy="6858000"/>
   <p:notesSz cx="6858000" cy="9144000"/>
@@ -269,7 +272,7 @@
           <a:p>
             <a:fld id="{C81A369A-2CCB-4DB1-B8EC-AAF81DA8174C}" type="datetimeFigureOut">
               <a:rPr lang="zh-CN" altLang="en-US" smtClean="0"/>
-              <a:t>2021/11/21</a:t>
+              <a:t>2021/12/20</a:t>
             </a:fld>
             <a:endParaRPr lang="zh-CN" altLang="en-US"/>
           </a:p>
@@ -467,7 +470,7 @@
           <a:p>
             <a:fld id="{C81A369A-2CCB-4DB1-B8EC-AAF81DA8174C}" type="datetimeFigureOut">
               <a:rPr lang="zh-CN" altLang="en-US" smtClean="0"/>
-              <a:t>2021/11/21</a:t>
+              <a:t>2021/12/20</a:t>
             </a:fld>
             <a:endParaRPr lang="zh-CN" altLang="en-US"/>
           </a:p>
@@ -675,7 +678,7 @@
           <a:p>
             <a:fld id="{C81A369A-2CCB-4DB1-B8EC-AAF81DA8174C}" type="datetimeFigureOut">
               <a:rPr lang="zh-CN" altLang="en-US" smtClean="0"/>
-              <a:t>2021/11/21</a:t>
+              <a:t>2021/12/20</a:t>
             </a:fld>
             <a:endParaRPr lang="zh-CN" altLang="en-US"/>
           </a:p>
@@ -873,7 +876,7 @@
           <a:p>
             <a:fld id="{C81A369A-2CCB-4DB1-B8EC-AAF81DA8174C}" type="datetimeFigureOut">
               <a:rPr lang="zh-CN" altLang="en-US" smtClean="0"/>
-              <a:t>2021/11/21</a:t>
+              <a:t>2021/12/20</a:t>
             </a:fld>
             <a:endParaRPr lang="zh-CN" altLang="en-US"/>
           </a:p>
@@ -1148,7 +1151,7 @@
           <a:p>
             <a:fld id="{C81A369A-2CCB-4DB1-B8EC-AAF81DA8174C}" type="datetimeFigureOut">
               <a:rPr lang="zh-CN" altLang="en-US" smtClean="0"/>
-              <a:t>2021/11/21</a:t>
+              <a:t>2021/12/20</a:t>
             </a:fld>
             <a:endParaRPr lang="zh-CN" altLang="en-US"/>
           </a:p>
@@ -1413,7 +1416,7 @@
           <a:p>
             <a:fld id="{C81A369A-2CCB-4DB1-B8EC-AAF81DA8174C}" type="datetimeFigureOut">
               <a:rPr lang="zh-CN" altLang="en-US" smtClean="0"/>
-              <a:t>2021/11/21</a:t>
+              <a:t>2021/12/20</a:t>
             </a:fld>
             <a:endParaRPr lang="zh-CN" altLang="en-US"/>
           </a:p>
@@ -1825,7 +1828,7 @@
           <a:p>
             <a:fld id="{C81A369A-2CCB-4DB1-B8EC-AAF81DA8174C}" type="datetimeFigureOut">
               <a:rPr lang="zh-CN" altLang="en-US" smtClean="0"/>
-              <a:t>2021/11/21</a:t>
+              <a:t>2021/12/20</a:t>
             </a:fld>
             <a:endParaRPr lang="zh-CN" altLang="en-US"/>
           </a:p>
@@ -1966,7 +1969,7 @@
           <a:p>
             <a:fld id="{C81A369A-2CCB-4DB1-B8EC-AAF81DA8174C}" type="datetimeFigureOut">
               <a:rPr lang="zh-CN" altLang="en-US" smtClean="0"/>
-              <a:t>2021/11/21</a:t>
+              <a:t>2021/12/20</a:t>
             </a:fld>
             <a:endParaRPr lang="zh-CN" altLang="en-US"/>
           </a:p>
@@ -2079,7 +2082,7 @@
           <a:p>
             <a:fld id="{C81A369A-2CCB-4DB1-B8EC-AAF81DA8174C}" type="datetimeFigureOut">
               <a:rPr lang="zh-CN" altLang="en-US" smtClean="0"/>
-              <a:t>2021/11/21</a:t>
+              <a:t>2021/12/20</a:t>
             </a:fld>
             <a:endParaRPr lang="zh-CN" altLang="en-US"/>
           </a:p>
@@ -2390,7 +2393,7 @@
           <a:p>
             <a:fld id="{C81A369A-2CCB-4DB1-B8EC-AAF81DA8174C}" type="datetimeFigureOut">
               <a:rPr lang="zh-CN" altLang="en-US" smtClean="0"/>
-              <a:t>2021/11/21</a:t>
+              <a:t>2021/12/20</a:t>
             </a:fld>
             <a:endParaRPr lang="zh-CN" altLang="en-US"/>
           </a:p>
@@ -2678,7 +2681,7 @@
           <a:p>
             <a:fld id="{C81A369A-2CCB-4DB1-B8EC-AAF81DA8174C}" type="datetimeFigureOut">
               <a:rPr lang="zh-CN" altLang="en-US" smtClean="0"/>
-              <a:t>2021/11/21</a:t>
+              <a:t>2021/12/20</a:t>
             </a:fld>
             <a:endParaRPr lang="zh-CN" altLang="en-US"/>
           </a:p>
@@ -2919,7 +2922,7 @@
           <a:p>
             <a:fld id="{C81A369A-2CCB-4DB1-B8EC-AAF81DA8174C}" type="datetimeFigureOut">
               <a:rPr lang="zh-CN" altLang="en-US" smtClean="0"/>
-              <a:t>2021/11/21</a:t>
+              <a:t>2021/12/20</a:t>
             </a:fld>
             <a:endParaRPr lang="zh-CN" altLang="en-US"/>
           </a:p>
@@ -3336,12 +3339,639 @@
           <a:chExt cx="0" cy="0"/>
         </a:xfrm>
       </p:grpSpPr>
-      <p:sp>
-        <p:nvSpPr>
-          <p:cNvPr id="4" name="文本框 3">
-            <a:extLst>
-              <a:ext uri="{FF2B5EF4-FFF2-40B4-BE49-F238E27FC236}">
-                <a16:creationId xmlns:a16="http://schemas.microsoft.com/office/drawing/2014/main" id="{855D0E63-25ED-48DD-B5EE-75BDB849D051}"/>
+      <p:grpSp>
+        <p:nvGrpSpPr>
+          <p:cNvPr id="10" name="组合 9">
+            <a:extLst>
+              <a:ext uri="{FF2B5EF4-FFF2-40B4-BE49-F238E27FC236}">
+                <a16:creationId xmlns:a16="http://schemas.microsoft.com/office/drawing/2014/main" id="{D90A1AB0-A992-49FA-87E1-333F4EF699E3}"/>
+              </a:ext>
+            </a:extLst>
+          </p:cNvPr>
+          <p:cNvGrpSpPr/>
+          <p:nvPr/>
+        </p:nvGrpSpPr>
+        <p:grpSpPr>
+          <a:xfrm>
+            <a:off x="0" y="0"/>
+            <a:ext cx="12192000" cy="369332"/>
+            <a:chOff x="0" y="0"/>
+            <a:chExt cx="12192000" cy="369332"/>
+          </a:xfrm>
+        </p:grpSpPr>
+        <p:grpSp>
+          <p:nvGrpSpPr>
+            <p:cNvPr id="3" name="组合 2">
+              <a:extLst>
+                <a:ext uri="{FF2B5EF4-FFF2-40B4-BE49-F238E27FC236}">
+                  <a16:creationId xmlns:a16="http://schemas.microsoft.com/office/drawing/2014/main" id="{52DE1FDD-0B23-4914-A123-725BF8143871}"/>
+                </a:ext>
+              </a:extLst>
+            </p:cNvPr>
+            <p:cNvGrpSpPr/>
+            <p:nvPr/>
+          </p:nvGrpSpPr>
+          <p:grpSpPr>
+            <a:xfrm>
+              <a:off x="0" y="0"/>
+              <a:ext cx="11673840" cy="369332"/>
+              <a:chOff x="213360" y="670560"/>
+              <a:chExt cx="11673840" cy="369332"/>
+            </a:xfrm>
+            <a:solidFill>
+              <a:schemeClr val="tx1"/>
+            </a:solidFill>
+          </p:grpSpPr>
+          <p:sp>
+            <p:nvSpPr>
+              <p:cNvPr id="4" name="文本框 3">
+                <a:extLst>
+                  <a:ext uri="{FF2B5EF4-FFF2-40B4-BE49-F238E27FC236}">
+                    <a16:creationId xmlns:a16="http://schemas.microsoft.com/office/drawing/2014/main" id="{97D83414-B007-4D11-87D3-1206F4CF640B}"/>
+                  </a:ext>
+                </a:extLst>
+              </p:cNvPr>
+              <p:cNvSpPr txBox="1"/>
+              <p:nvPr/>
+            </p:nvSpPr>
+            <p:spPr>
+              <a:xfrm>
+                <a:off x="213360" y="670560"/>
+                <a:ext cx="2336800" cy="369332"/>
+              </a:xfrm>
+              <a:prstGeom prst="rect">
+                <a:avLst/>
+              </a:prstGeom>
+              <a:grpFill/>
+            </p:spPr>
+            <p:txBody>
+              <a:bodyPr wrap="square" rtlCol="0">
+                <a:spAutoFit/>
+              </a:bodyPr>
+              <a:lstStyle/>
+              <a:p>
+                <a:r>
+                  <a:rPr lang="en-US" altLang="zh-CN" dirty="0">
+                    <a:solidFill>
+                      <a:schemeClr val="bg1"/>
+                    </a:solidFill>
+                  </a:rPr>
+                  <a:t>LOGO</a:t>
+                </a:r>
+                <a:endParaRPr lang="zh-CN" altLang="en-US" dirty="0">
+                  <a:solidFill>
+                    <a:schemeClr val="bg1"/>
+                  </a:solidFill>
+                </a:endParaRPr>
+              </a:p>
+            </p:txBody>
+          </p:sp>
+          <p:sp>
+            <p:nvSpPr>
+              <p:cNvPr id="5" name="文本框 4">
+                <a:extLst>
+                  <a:ext uri="{FF2B5EF4-FFF2-40B4-BE49-F238E27FC236}">
+                    <a16:creationId xmlns:a16="http://schemas.microsoft.com/office/drawing/2014/main" id="{FEECA768-FB57-400E-A547-784D6357B9EF}"/>
+                  </a:ext>
+                </a:extLst>
+              </p:cNvPr>
+              <p:cNvSpPr txBox="1"/>
+              <p:nvPr/>
+            </p:nvSpPr>
+            <p:spPr>
+              <a:xfrm>
+                <a:off x="1178560" y="670560"/>
+                <a:ext cx="9042400" cy="369332"/>
+              </a:xfrm>
+              <a:prstGeom prst="rect">
+                <a:avLst/>
+              </a:prstGeom>
+              <a:grpFill/>
+            </p:spPr>
+            <p:txBody>
+              <a:bodyPr wrap="square" rtlCol="0">
+                <a:spAutoFit/>
+              </a:bodyPr>
+              <a:lstStyle/>
+              <a:p>
+                <a:r>
+                  <a:rPr lang="zh-CN" altLang="en-US" dirty="0">
+                    <a:solidFill>
+                      <a:schemeClr val="bg1"/>
+                    </a:solidFill>
+                  </a:rPr>
+                  <a:t>     首页    动漫剧本     漫画     个人动漫     同人创作     </a:t>
+                </a:r>
+                <a:r>
+                  <a:rPr lang="en-US" altLang="zh-CN" dirty="0">
+                    <a:solidFill>
+                      <a:schemeClr val="bg1"/>
+                    </a:solidFill>
+                  </a:rPr>
+                  <a:t>IP</a:t>
+                </a:r>
+                <a:r>
+                  <a:rPr lang="zh-CN" altLang="en-US" dirty="0">
+                    <a:solidFill>
+                      <a:schemeClr val="bg1"/>
+                    </a:solidFill>
+                  </a:rPr>
+                  <a:t>开发     手办周边     作者小屋</a:t>
+                </a:r>
+              </a:p>
+            </p:txBody>
+          </p:sp>
+          <p:sp>
+            <p:nvSpPr>
+              <p:cNvPr id="6" name="文本框 5">
+                <a:extLst>
+                  <a:ext uri="{FF2B5EF4-FFF2-40B4-BE49-F238E27FC236}">
+                    <a16:creationId xmlns:a16="http://schemas.microsoft.com/office/drawing/2014/main" id="{0A9E0B62-69FB-4875-8533-86C7FCB602DB}"/>
+                  </a:ext>
+                </a:extLst>
+              </p:cNvPr>
+              <p:cNvSpPr txBox="1"/>
+              <p:nvPr/>
+            </p:nvSpPr>
+            <p:spPr>
+              <a:xfrm>
+                <a:off x="10220960" y="670560"/>
+                <a:ext cx="1666240" cy="369332"/>
+              </a:xfrm>
+              <a:prstGeom prst="rect">
+                <a:avLst/>
+              </a:prstGeom>
+              <a:grpFill/>
+            </p:spPr>
+            <p:txBody>
+              <a:bodyPr wrap="square" rtlCol="0">
+                <a:spAutoFit/>
+              </a:bodyPr>
+              <a:lstStyle/>
+              <a:p>
+                <a:r>
+                  <a:rPr lang="zh-CN" altLang="en-US" dirty="0">
+                    <a:solidFill>
+                      <a:schemeClr val="bg1"/>
+                    </a:solidFill>
+                  </a:rPr>
+                  <a:t>登录  </a:t>
+                </a:r>
+                <a:r>
+                  <a:rPr lang="en-US" altLang="zh-CN" dirty="0">
+                    <a:solidFill>
+                      <a:schemeClr val="bg1"/>
+                    </a:solidFill>
+                  </a:rPr>
+                  <a:t>|  </a:t>
+                </a:r>
+                <a:r>
+                  <a:rPr lang="zh-CN" altLang="en-US" dirty="0">
+                    <a:solidFill>
+                      <a:schemeClr val="bg1"/>
+                    </a:solidFill>
+                  </a:rPr>
+                  <a:t>注册</a:t>
+                </a:r>
+              </a:p>
+            </p:txBody>
+          </p:sp>
+        </p:grpSp>
+        <p:sp>
+          <p:nvSpPr>
+            <p:cNvPr id="9" name="矩形 8">
+              <a:extLst>
+                <a:ext uri="{FF2B5EF4-FFF2-40B4-BE49-F238E27FC236}">
+                  <a16:creationId xmlns:a16="http://schemas.microsoft.com/office/drawing/2014/main" id="{A64B4023-7494-4466-BF58-ABBF4D2C6184}"/>
+                </a:ext>
+              </a:extLst>
+            </p:cNvPr>
+            <p:cNvSpPr/>
+            <p:nvPr/>
+          </p:nvSpPr>
+          <p:spPr>
+            <a:xfrm>
+              <a:off x="11673840" y="0"/>
+              <a:ext cx="518160" cy="369332"/>
+            </a:xfrm>
+            <a:prstGeom prst="rect">
+              <a:avLst/>
+            </a:prstGeom>
+            <a:solidFill>
+              <a:schemeClr val="tx1"/>
+            </a:solidFill>
+          </p:spPr>
+          <p:style>
+            <a:lnRef idx="2">
+              <a:schemeClr val="accent1">
+                <a:shade val="50000"/>
+              </a:schemeClr>
+            </a:lnRef>
+            <a:fillRef idx="1">
+              <a:schemeClr val="accent1"/>
+            </a:fillRef>
+            <a:effectRef idx="0">
+              <a:schemeClr val="accent1"/>
+            </a:effectRef>
+            <a:fontRef idx="minor">
+              <a:schemeClr val="lt1"/>
+            </a:fontRef>
+          </p:style>
+          <p:txBody>
+            <a:bodyPr rtlCol="0" anchor="ctr"/>
+            <a:lstStyle/>
+            <a:p>
+              <a:pPr algn="ctr"/>
+              <a:r>
+                <a:rPr lang="zh-CN" altLang="en-US" sz="1000" dirty="0"/>
+                <a:t>星期六</a:t>
+              </a:r>
+            </a:p>
+          </p:txBody>
+        </p:sp>
+      </p:grpSp>
+      <p:pic>
+        <p:nvPicPr>
+          <p:cNvPr id="7" name="图片 6">
+            <a:extLst>
+              <a:ext uri="{FF2B5EF4-FFF2-40B4-BE49-F238E27FC236}">
+                <a16:creationId xmlns:a16="http://schemas.microsoft.com/office/drawing/2014/main" id="{21C53A35-FDD1-4E5E-9B85-4531C1E31272}"/>
+              </a:ext>
+            </a:extLst>
+          </p:cNvPr>
+          <p:cNvPicPr>
+            <a:picLocks noChangeAspect="1"/>
+          </p:cNvPicPr>
+          <p:nvPr/>
+        </p:nvPicPr>
+        <p:blipFill>
+          <a:blip r:embed="rId2">
+            <a:extLst>
+              <a:ext uri="{28A0092B-C50C-407E-A947-70E740481C1C}">
+                <a14:useLocalDpi xmlns:a14="http://schemas.microsoft.com/office/drawing/2010/main" val="0"/>
+              </a:ext>
+            </a:extLst>
+          </a:blip>
+          <a:stretch>
+            <a:fillRect/>
+          </a:stretch>
+        </p:blipFill>
+        <p:spPr>
+          <a:xfrm>
+            <a:off x="0" y="369332"/>
+            <a:ext cx="12192000" cy="2654300"/>
+          </a:xfrm>
+          <a:prstGeom prst="rect">
+            <a:avLst/>
+          </a:prstGeom>
+        </p:spPr>
+      </p:pic>
+      <p:cxnSp>
+        <p:nvCxnSpPr>
+          <p:cNvPr id="11" name="直接箭头连接符 10">
+            <a:extLst>
+              <a:ext uri="{FF2B5EF4-FFF2-40B4-BE49-F238E27FC236}">
+                <a16:creationId xmlns:a16="http://schemas.microsoft.com/office/drawing/2014/main" id="{7511ADD3-000D-4DFF-A13B-B71F60202CCA}"/>
+              </a:ext>
+            </a:extLst>
+          </p:cNvPr>
+          <p:cNvCxnSpPr/>
+          <p:nvPr/>
+        </p:nvCxnSpPr>
+        <p:spPr>
+          <a:xfrm>
+            <a:off x="1621411" y="3049508"/>
+            <a:ext cx="0" cy="575035"/>
+          </a:xfrm>
+          <a:prstGeom prst="straightConnector1">
+            <a:avLst/>
+          </a:prstGeom>
+          <a:ln w="25400">
+            <a:solidFill>
+              <a:srgbClr val="F1707D"/>
+            </a:solidFill>
+            <a:tailEnd type="triangle"/>
+          </a:ln>
+        </p:spPr>
+        <p:style>
+          <a:lnRef idx="1">
+            <a:schemeClr val="accent1"/>
+          </a:lnRef>
+          <a:fillRef idx="0">
+            <a:schemeClr val="accent1"/>
+          </a:fillRef>
+          <a:effectRef idx="0">
+            <a:schemeClr val="accent1"/>
+          </a:effectRef>
+          <a:fontRef idx="minor">
+            <a:schemeClr val="tx1"/>
+          </a:fontRef>
+        </p:style>
+      </p:cxnSp>
+      <p:cxnSp>
+        <p:nvCxnSpPr>
+          <p:cNvPr id="12" name="直接箭头连接符 11">
+            <a:extLst>
+              <a:ext uri="{FF2B5EF4-FFF2-40B4-BE49-F238E27FC236}">
+                <a16:creationId xmlns:a16="http://schemas.microsoft.com/office/drawing/2014/main" id="{FB8560ED-1EBD-440A-99DB-0E12702B4356}"/>
+              </a:ext>
+            </a:extLst>
+          </p:cNvPr>
+          <p:cNvCxnSpPr/>
+          <p:nvPr/>
+        </p:nvCxnSpPr>
+        <p:spPr>
+          <a:xfrm>
+            <a:off x="3366940" y="3047167"/>
+            <a:ext cx="0" cy="575035"/>
+          </a:xfrm>
+          <a:prstGeom prst="straightConnector1">
+            <a:avLst/>
+          </a:prstGeom>
+          <a:ln w="25400">
+            <a:solidFill>
+              <a:srgbClr val="F1707D"/>
+            </a:solidFill>
+            <a:tailEnd type="triangle"/>
+          </a:ln>
+        </p:spPr>
+        <p:style>
+          <a:lnRef idx="1">
+            <a:schemeClr val="accent1"/>
+          </a:lnRef>
+          <a:fillRef idx="0">
+            <a:schemeClr val="accent1"/>
+          </a:fillRef>
+          <a:effectRef idx="0">
+            <a:schemeClr val="accent1"/>
+          </a:effectRef>
+          <a:fontRef idx="minor">
+            <a:schemeClr val="tx1"/>
+          </a:fontRef>
+        </p:style>
+      </p:cxnSp>
+      <p:cxnSp>
+        <p:nvCxnSpPr>
+          <p:cNvPr id="13" name="直接箭头连接符 12">
+            <a:extLst>
+              <a:ext uri="{FF2B5EF4-FFF2-40B4-BE49-F238E27FC236}">
+                <a16:creationId xmlns:a16="http://schemas.microsoft.com/office/drawing/2014/main" id="{BDE540D5-3656-4420-BFF3-0D240472286A}"/>
+              </a:ext>
+            </a:extLst>
+          </p:cNvPr>
+          <p:cNvCxnSpPr/>
+          <p:nvPr/>
+        </p:nvCxnSpPr>
+        <p:spPr>
+          <a:xfrm>
+            <a:off x="4980496" y="3023630"/>
+            <a:ext cx="0" cy="575035"/>
+          </a:xfrm>
+          <a:prstGeom prst="straightConnector1">
+            <a:avLst/>
+          </a:prstGeom>
+          <a:ln w="25400">
+            <a:solidFill>
+              <a:srgbClr val="F1707D"/>
+            </a:solidFill>
+            <a:tailEnd type="triangle"/>
+          </a:ln>
+        </p:spPr>
+        <p:style>
+          <a:lnRef idx="1">
+            <a:schemeClr val="accent1"/>
+          </a:lnRef>
+          <a:fillRef idx="0">
+            <a:schemeClr val="accent1"/>
+          </a:fillRef>
+          <a:effectRef idx="0">
+            <a:schemeClr val="accent1"/>
+          </a:effectRef>
+          <a:fontRef idx="minor">
+            <a:schemeClr val="tx1"/>
+          </a:fontRef>
+        </p:style>
+      </p:cxnSp>
+      <p:cxnSp>
+        <p:nvCxnSpPr>
+          <p:cNvPr id="14" name="直接箭头连接符 13">
+            <a:extLst>
+              <a:ext uri="{FF2B5EF4-FFF2-40B4-BE49-F238E27FC236}">
+                <a16:creationId xmlns:a16="http://schemas.microsoft.com/office/drawing/2014/main" id="{E5D4AA69-9CAE-4D25-B595-8D101C3AB93F}"/>
+              </a:ext>
+            </a:extLst>
+          </p:cNvPr>
+          <p:cNvCxnSpPr/>
+          <p:nvPr/>
+        </p:nvCxnSpPr>
+        <p:spPr>
+          <a:xfrm>
+            <a:off x="6820293" y="3035399"/>
+            <a:ext cx="0" cy="575035"/>
+          </a:xfrm>
+          <a:prstGeom prst="straightConnector1">
+            <a:avLst/>
+          </a:prstGeom>
+          <a:ln w="25400">
+            <a:solidFill>
+              <a:srgbClr val="F1707D"/>
+            </a:solidFill>
+            <a:tailEnd type="triangle"/>
+          </a:ln>
+        </p:spPr>
+        <p:style>
+          <a:lnRef idx="1">
+            <a:schemeClr val="accent1"/>
+          </a:lnRef>
+          <a:fillRef idx="0">
+            <a:schemeClr val="accent1"/>
+          </a:fillRef>
+          <a:effectRef idx="0">
+            <a:schemeClr val="accent1"/>
+          </a:effectRef>
+          <a:fontRef idx="minor">
+            <a:schemeClr val="tx1"/>
+          </a:fontRef>
+        </p:style>
+      </p:cxnSp>
+      <p:cxnSp>
+        <p:nvCxnSpPr>
+          <p:cNvPr id="15" name="直接箭头连接符 14">
+            <a:extLst>
+              <a:ext uri="{FF2B5EF4-FFF2-40B4-BE49-F238E27FC236}">
+                <a16:creationId xmlns:a16="http://schemas.microsoft.com/office/drawing/2014/main" id="{822F75BF-6AB4-4862-B29D-0F4F73EE9EDE}"/>
+              </a:ext>
+            </a:extLst>
+          </p:cNvPr>
+          <p:cNvCxnSpPr/>
+          <p:nvPr/>
+        </p:nvCxnSpPr>
+        <p:spPr>
+          <a:xfrm>
+            <a:off x="8876908" y="3023631"/>
+            <a:ext cx="0" cy="575035"/>
+          </a:xfrm>
+          <a:prstGeom prst="straightConnector1">
+            <a:avLst/>
+          </a:prstGeom>
+          <a:ln w="25400">
+            <a:solidFill>
+              <a:srgbClr val="F1707D"/>
+            </a:solidFill>
+            <a:tailEnd type="triangle"/>
+          </a:ln>
+        </p:spPr>
+        <p:style>
+          <a:lnRef idx="1">
+            <a:schemeClr val="accent1"/>
+          </a:lnRef>
+          <a:fillRef idx="0">
+            <a:schemeClr val="accent1"/>
+          </a:fillRef>
+          <a:effectRef idx="0">
+            <a:schemeClr val="accent1"/>
+          </a:effectRef>
+          <a:fontRef idx="minor">
+            <a:schemeClr val="tx1"/>
+          </a:fontRef>
+        </p:style>
+      </p:cxnSp>
+      <p:cxnSp>
+        <p:nvCxnSpPr>
+          <p:cNvPr id="16" name="直接箭头连接符 15">
+            <a:extLst>
+              <a:ext uri="{FF2B5EF4-FFF2-40B4-BE49-F238E27FC236}">
+                <a16:creationId xmlns:a16="http://schemas.microsoft.com/office/drawing/2014/main" id="{6626F482-40A6-46C4-BFB9-A05B137EF498}"/>
+              </a:ext>
+            </a:extLst>
+          </p:cNvPr>
+          <p:cNvCxnSpPr>
+            <a:cxnSpLocks/>
+          </p:cNvCxnSpPr>
+          <p:nvPr/>
+        </p:nvCxnSpPr>
+        <p:spPr>
+          <a:xfrm>
+            <a:off x="10678998" y="2997689"/>
+            <a:ext cx="0" cy="575035"/>
+          </a:xfrm>
+          <a:prstGeom prst="straightConnector1">
+            <a:avLst/>
+          </a:prstGeom>
+          <a:ln w="25400">
+            <a:solidFill>
+              <a:srgbClr val="F1707D"/>
+            </a:solidFill>
+            <a:tailEnd type="triangle"/>
+          </a:ln>
+        </p:spPr>
+        <p:style>
+          <a:lnRef idx="1">
+            <a:schemeClr val="accent1"/>
+          </a:lnRef>
+          <a:fillRef idx="0">
+            <a:schemeClr val="accent1"/>
+          </a:fillRef>
+          <a:effectRef idx="0">
+            <a:schemeClr val="accent1"/>
+          </a:effectRef>
+          <a:fontRef idx="minor">
+            <a:schemeClr val="tx1"/>
+          </a:fontRef>
+        </p:style>
+      </p:cxnSp>
+      <p:pic>
+        <p:nvPicPr>
+          <p:cNvPr id="19" name="图片 18">
+            <a:extLst>
+              <a:ext uri="{FF2B5EF4-FFF2-40B4-BE49-F238E27FC236}">
+                <a16:creationId xmlns:a16="http://schemas.microsoft.com/office/drawing/2014/main" id="{0F7AF0FB-40AF-4B59-83A3-443E21BBD861}"/>
+              </a:ext>
+            </a:extLst>
+          </p:cNvPr>
+          <p:cNvPicPr>
+            <a:picLocks noChangeAspect="1"/>
+          </p:cNvPicPr>
+          <p:nvPr/>
+        </p:nvPicPr>
+        <p:blipFill>
+          <a:blip r:embed="rId3">
+            <a:extLst>
+              <a:ext uri="{28A0092B-C50C-407E-A947-70E740481C1C}">
+                <a14:useLocalDpi xmlns:a14="http://schemas.microsoft.com/office/drawing/2010/main" val="0"/>
+              </a:ext>
+            </a:extLst>
+          </a:blip>
+          <a:stretch>
+            <a:fillRect/>
+          </a:stretch>
+        </p:blipFill>
+        <p:spPr>
+          <a:xfrm>
+            <a:off x="8619635" y="3568600"/>
+            <a:ext cx="579159" cy="579159"/>
+          </a:xfrm>
+          <a:prstGeom prst="rect">
+            <a:avLst/>
+          </a:prstGeom>
+          <a:effectLst>
+            <a:outerShdw blurRad="50800" dist="50800" algn="ctr" rotWithShape="0">
+              <a:srgbClr val="000000">
+                <a:alpha val="43137"/>
+              </a:srgbClr>
+            </a:outerShdw>
+          </a:effectLst>
+        </p:spPr>
+      </p:pic>
+      <p:pic>
+        <p:nvPicPr>
+          <p:cNvPr id="21" name="图片 20">
+            <a:extLst>
+              <a:ext uri="{FF2B5EF4-FFF2-40B4-BE49-F238E27FC236}">
+                <a16:creationId xmlns:a16="http://schemas.microsoft.com/office/drawing/2014/main" id="{0CC66C67-4E2E-4590-BCC7-E0EBB306545A}"/>
+              </a:ext>
+            </a:extLst>
+          </p:cNvPr>
+          <p:cNvPicPr>
+            <a:picLocks noChangeAspect="1"/>
+          </p:cNvPicPr>
+          <p:nvPr/>
+        </p:nvPicPr>
+        <p:blipFill>
+          <a:blip r:embed="rId4">
+            <a:extLst>
+              <a:ext uri="{28A0092B-C50C-407E-A947-70E740481C1C}">
+                <a14:useLocalDpi xmlns:a14="http://schemas.microsoft.com/office/drawing/2010/main" val="0"/>
+              </a:ext>
+            </a:extLst>
+          </a:blip>
+          <a:stretch>
+            <a:fillRect/>
+          </a:stretch>
+        </p:blipFill>
+        <p:spPr>
+          <a:xfrm>
+            <a:off x="6527475" y="3568599"/>
+            <a:ext cx="579159" cy="579159"/>
+          </a:xfrm>
+          <a:prstGeom prst="rect">
+            <a:avLst/>
+          </a:prstGeom>
+          <a:effectLst>
+            <a:outerShdw blurRad="50800" dist="50800" algn="ctr" rotWithShape="0">
+              <a:srgbClr val="000000">
+                <a:alpha val="43137"/>
+              </a:srgbClr>
+            </a:outerShdw>
+          </a:effectLst>
+        </p:spPr>
+      </p:pic>
+      <p:sp>
+        <p:nvSpPr>
+          <p:cNvPr id="22" name="文本框 21">
+            <a:extLst>
+              <a:ext uri="{FF2B5EF4-FFF2-40B4-BE49-F238E27FC236}">
+                <a16:creationId xmlns:a16="http://schemas.microsoft.com/office/drawing/2014/main" id="{42ABB5DA-6758-42DD-9BA3-C783D8E17CEA}"/>
               </a:ext>
             </a:extLst>
           </p:cNvPr>
@@ -3350,8 +3980,8 @@
         </p:nvSpPr>
         <p:spPr>
           <a:xfrm>
-            <a:off x="1097280" y="924560"/>
-            <a:ext cx="2824480" cy="2308324"/>
+            <a:off x="10389418" y="4151883"/>
+            <a:ext cx="677650" cy="307777"/>
           </a:xfrm>
           <a:prstGeom prst="rect">
             <a:avLst/>
@@ -3365,99 +3995,18 @@
           <a:lstStyle/>
           <a:p>
             <a:r>
-              <a:rPr lang="en-US" altLang="zh-CN" dirty="0"/>
-              <a:t>1.</a:t>
-            </a:r>
-            <a:r>
-              <a:rPr lang="zh-CN" altLang="en-US" dirty="0"/>
-              <a:t>动漫原创剧本</a:t>
-            </a:r>
-            <a:endParaRPr lang="en-US" altLang="zh-CN" dirty="0"/>
-          </a:p>
-          <a:p>
-            <a:r>
-              <a:rPr lang="en-US" altLang="zh-CN" dirty="0"/>
-              <a:t>2. </a:t>
-            </a:r>
-            <a:r>
-              <a:rPr lang="zh-CN" altLang="en-US" dirty="0"/>
-              <a:t>漫画</a:t>
-            </a:r>
-            <a:endParaRPr lang="en-US" altLang="zh-CN" dirty="0"/>
-          </a:p>
-          <a:p>
-            <a:r>
-              <a:rPr lang="en-US" altLang="zh-CN" dirty="0"/>
-              <a:t>3.</a:t>
-            </a:r>
-            <a:r>
-              <a:rPr lang="zh-CN" altLang="en-US"/>
-              <a:t>个人制作</a:t>
-            </a:r>
-            <a:endParaRPr lang="en-US" altLang="zh-CN" dirty="0"/>
-          </a:p>
-          <a:p>
-            <a:r>
-              <a:rPr lang="en-US" altLang="zh-CN" dirty="0"/>
-              <a:t>4. </a:t>
-            </a:r>
-            <a:r>
-              <a:rPr lang="zh-CN" altLang="en-US" dirty="0"/>
-              <a:t>同人创作（歌曲）</a:t>
-            </a:r>
-            <a:endParaRPr lang="en-US" altLang="zh-CN" dirty="0"/>
-          </a:p>
-          <a:p>
-            <a:r>
-              <a:rPr lang="en-US" altLang="zh-CN" dirty="0"/>
-              <a:t>5.</a:t>
-            </a:r>
-            <a:r>
-              <a:rPr lang="zh-CN" altLang="en-US" dirty="0"/>
-              <a:t> 传统文化作品征集</a:t>
-            </a:r>
-            <a:endParaRPr lang="en-US" altLang="zh-CN" dirty="0"/>
-          </a:p>
-          <a:p>
-            <a:r>
-              <a:rPr lang="en-US" altLang="zh-CN" dirty="0"/>
-              <a:t>6. IP</a:t>
-            </a:r>
-            <a:r>
-              <a:rPr lang="zh-CN" altLang="en-US" dirty="0"/>
-              <a:t>开发</a:t>
-            </a:r>
-            <a:endParaRPr lang="en-US" altLang="zh-CN" dirty="0"/>
-          </a:p>
-          <a:p>
-            <a:r>
-              <a:rPr lang="en-US" altLang="zh-CN" dirty="0"/>
-              <a:t>7. </a:t>
-            </a:r>
-            <a:r>
-              <a:rPr lang="zh-CN" altLang="en-US" dirty="0"/>
-              <a:t>手办周边</a:t>
-            </a:r>
-            <a:endParaRPr lang="en-US" altLang="zh-CN" dirty="0"/>
-          </a:p>
-          <a:p>
-            <a:r>
-              <a:rPr lang="en-US" altLang="zh-CN" dirty="0"/>
-              <a:t>8. </a:t>
-            </a:r>
-            <a:r>
-              <a:rPr lang="zh-CN" altLang="en-US" dirty="0"/>
-              <a:t>作者小屋（线上论坛）</a:t>
-            </a:r>
-          </a:p>
-        </p:txBody>
-      </p:sp>
-      <p:sp>
-        <p:nvSpPr>
-          <p:cNvPr id="5" name="文本框 4">
-            <a:extLst>
-              <a:ext uri="{FF2B5EF4-FFF2-40B4-BE49-F238E27FC236}">
-                <a16:creationId xmlns:a16="http://schemas.microsoft.com/office/drawing/2014/main" id="{22C3E305-9AC6-40CE-91CC-AB98DEAA2F08}"/>
+              <a:rPr lang="zh-CN" altLang="en-US" sz="1400" dirty="0"/>
+              <a:t>签到</a:t>
+            </a:r>
+          </a:p>
+        </p:txBody>
+      </p:sp>
+      <p:sp>
+        <p:nvSpPr>
+          <p:cNvPr id="23" name="文本框 22">
+            <a:extLst>
+              <a:ext uri="{FF2B5EF4-FFF2-40B4-BE49-F238E27FC236}">
+                <a16:creationId xmlns:a16="http://schemas.microsoft.com/office/drawing/2014/main" id="{A68325F7-9D6D-45CA-A927-1860AE6C4C31}"/>
               </a:ext>
             </a:extLst>
           </p:cNvPr>
@@ -3466,8 +4015,8 @@
         </p:nvSpPr>
         <p:spPr>
           <a:xfrm>
-            <a:off x="1259840" y="3891280"/>
-            <a:ext cx="2723823" cy="1754326"/>
+            <a:off x="1319753" y="4147759"/>
+            <a:ext cx="1004969" cy="307777"/>
           </a:xfrm>
           <a:prstGeom prst="rect">
             <a:avLst/>
@@ -3475,74 +4024,67 @@
           <a:noFill/>
         </p:spPr>
         <p:txBody>
-          <a:bodyPr wrap="none" rtlCol="0">
+          <a:bodyPr wrap="square" rtlCol="0">
             <a:spAutoFit/>
           </a:bodyPr>
           <a:lstStyle/>
           <a:p>
             <a:r>
-              <a:rPr lang="zh-CN" altLang="en-US" dirty="0"/>
-              <a:t>目前开放的动漫类型有：</a:t>
-            </a:r>
-            <a:endParaRPr lang="en-US" altLang="zh-CN" dirty="0"/>
-          </a:p>
-          <a:p>
-            <a:pPr marL="342900" indent="-342900">
-              <a:buAutoNum type="arabicPeriod"/>
-            </a:pPr>
-            <a:r>
-              <a:rPr lang="zh-CN" altLang="en-US" dirty="0"/>
-              <a:t>奇幻</a:t>
-            </a:r>
-            <a:endParaRPr lang="en-US" altLang="zh-CN" dirty="0"/>
-          </a:p>
-          <a:p>
-            <a:pPr marL="342900" indent="-342900">
-              <a:buAutoNum type="arabicPeriod"/>
-            </a:pPr>
-            <a:r>
-              <a:rPr lang="zh-CN" altLang="en-US" dirty="0"/>
-              <a:t>悬疑</a:t>
-            </a:r>
-            <a:endParaRPr lang="en-US" altLang="zh-CN" dirty="0"/>
-          </a:p>
-          <a:p>
-            <a:pPr marL="342900" indent="-342900">
-              <a:buAutoNum type="arabicPeriod"/>
-            </a:pPr>
-            <a:r>
-              <a:rPr lang="zh-CN" altLang="en-US" dirty="0"/>
-              <a:t>热血</a:t>
-            </a:r>
-            <a:endParaRPr lang="en-US" altLang="zh-CN" dirty="0"/>
-          </a:p>
-          <a:p>
-            <a:pPr marL="342900" indent="-342900">
-              <a:buAutoNum type="arabicPeriod"/>
-            </a:pPr>
-            <a:r>
-              <a:rPr lang="zh-CN" altLang="en-US" dirty="0"/>
-              <a:t>日常</a:t>
-            </a:r>
-            <a:endParaRPr lang="en-US" altLang="zh-CN" dirty="0"/>
-          </a:p>
-          <a:p>
-            <a:pPr marL="342900" indent="-342900">
-              <a:buAutoNum type="arabicPeriod"/>
-            </a:pPr>
-            <a:r>
-              <a:rPr lang="zh-CN" altLang="en-US" dirty="0"/>
-              <a:t>搞笑</a:t>
-            </a:r>
-          </a:p>
-        </p:txBody>
-      </p:sp>
-      <p:sp>
-        <p:nvSpPr>
-          <p:cNvPr id="6" name="文本框 5">
-            <a:extLst>
-              <a:ext uri="{FF2B5EF4-FFF2-40B4-BE49-F238E27FC236}">
-                <a16:creationId xmlns:a16="http://schemas.microsoft.com/office/drawing/2014/main" id="{9B1906ED-0D06-43BE-983D-5A8FFA532E2B}"/>
+              <a:rPr lang="zh-CN" altLang="en-US" sz="1400" dirty="0"/>
+              <a:t>收藏</a:t>
+            </a:r>
+          </a:p>
+        </p:txBody>
+      </p:sp>
+      <p:pic>
+        <p:nvPicPr>
+          <p:cNvPr id="29" name="图片 28">
+            <a:extLst>
+              <a:ext uri="{FF2B5EF4-FFF2-40B4-BE49-F238E27FC236}">
+                <a16:creationId xmlns:a16="http://schemas.microsoft.com/office/drawing/2014/main" id="{A675246D-03A6-4642-9B2F-A7083D2D071A}"/>
+              </a:ext>
+            </a:extLst>
+          </p:cNvPr>
+          <p:cNvPicPr>
+            <a:picLocks noChangeAspect="1"/>
+          </p:cNvPicPr>
+          <p:nvPr/>
+        </p:nvPicPr>
+        <p:blipFill>
+          <a:blip r:embed="rId5">
+            <a:extLst>
+              <a:ext uri="{28A0092B-C50C-407E-A947-70E740481C1C}">
+                <a14:useLocalDpi xmlns:a14="http://schemas.microsoft.com/office/drawing/2010/main" val="0"/>
+              </a:ext>
+            </a:extLst>
+          </a:blip>
+          <a:stretch>
+            <a:fillRect/>
+          </a:stretch>
+        </p:blipFill>
+        <p:spPr>
+          <a:xfrm>
+            <a:off x="1221262" y="3650419"/>
+            <a:ext cx="794944" cy="499965"/>
+          </a:xfrm>
+          <a:prstGeom prst="rect">
+            <a:avLst/>
+          </a:prstGeom>
+          <a:effectLst>
+            <a:outerShdw blurRad="50800" dist="50800" algn="ctr" rotWithShape="0">
+              <a:srgbClr val="000000">
+                <a:alpha val="43137"/>
+              </a:srgbClr>
+            </a:outerShdw>
+          </a:effectLst>
+        </p:spPr>
+      </p:pic>
+      <p:sp>
+        <p:nvSpPr>
+          <p:cNvPr id="30" name="文本框 29">
+            <a:extLst>
+              <a:ext uri="{FF2B5EF4-FFF2-40B4-BE49-F238E27FC236}">
+                <a16:creationId xmlns:a16="http://schemas.microsoft.com/office/drawing/2014/main" id="{B0425370-E32B-41A4-84BE-3C0E97813AD2}"/>
               </a:ext>
             </a:extLst>
           </p:cNvPr>
@@ -3551,8 +4093,8 @@
         </p:nvSpPr>
         <p:spPr>
           <a:xfrm>
-            <a:off x="6329680" y="843280"/>
-            <a:ext cx="4206240" cy="923330"/>
+            <a:off x="6375762" y="4143634"/>
+            <a:ext cx="882584" cy="307777"/>
           </a:xfrm>
           <a:prstGeom prst="rect">
             <a:avLst/>
@@ -3566,18 +4108,61 @@
           <a:lstStyle/>
           <a:p>
             <a:r>
-              <a:rPr lang="zh-CN" altLang="en-US" dirty="0"/>
-              <a:t>二次元就作好二次元的事情就好，不做三次元，也不做游戏授权，梦想让每一部作品都是一部作品</a:t>
-            </a:r>
-          </a:p>
-        </p:txBody>
-      </p:sp>
-      <p:sp>
-        <p:nvSpPr>
-          <p:cNvPr id="2" name="文本框 1">
-            <a:extLst>
-              <a:ext uri="{FF2B5EF4-FFF2-40B4-BE49-F238E27FC236}">
-                <a16:creationId xmlns:a16="http://schemas.microsoft.com/office/drawing/2014/main" id="{3F5C2F39-A23C-43F1-9ABA-2CE06652A1E0}"/>
+              <a:rPr lang="zh-CN" altLang="en-US" sz="1400" dirty="0"/>
+              <a:t>叮当币</a:t>
+            </a:r>
+          </a:p>
+        </p:txBody>
+      </p:sp>
+      <p:pic>
+        <p:nvPicPr>
+          <p:cNvPr id="32" name="图片 31">
+            <a:extLst>
+              <a:ext uri="{FF2B5EF4-FFF2-40B4-BE49-F238E27FC236}">
+                <a16:creationId xmlns:a16="http://schemas.microsoft.com/office/drawing/2014/main" id="{766EAC07-CABD-46B8-8EBE-C919F0BA1FD3}"/>
+              </a:ext>
+            </a:extLst>
+          </p:cNvPr>
+          <p:cNvPicPr>
+            <a:picLocks noChangeAspect="1"/>
+          </p:cNvPicPr>
+          <p:nvPr/>
+        </p:nvPicPr>
+        <p:blipFill>
+          <a:blip r:embed="rId6">
+            <a:extLst>
+              <a:ext uri="{28A0092B-C50C-407E-A947-70E740481C1C}">
+                <a14:useLocalDpi xmlns:a14="http://schemas.microsoft.com/office/drawing/2010/main" val="0"/>
+              </a:ext>
+            </a:extLst>
+          </a:blip>
+          <a:stretch>
+            <a:fillRect/>
+          </a:stretch>
+        </p:blipFill>
+        <p:spPr>
+          <a:xfrm>
+            <a:off x="10394705" y="3568598"/>
+            <a:ext cx="634179" cy="579159"/>
+          </a:xfrm>
+          <a:prstGeom prst="rect">
+            <a:avLst/>
+          </a:prstGeom>
+          <a:effectLst>
+            <a:outerShdw blurRad="50800" dist="50800" algn="ctr" rotWithShape="0">
+              <a:srgbClr val="000000">
+                <a:alpha val="43137"/>
+              </a:srgbClr>
+            </a:outerShdw>
+          </a:effectLst>
+        </p:spPr>
+      </p:pic>
+      <p:sp>
+        <p:nvSpPr>
+          <p:cNvPr id="33" name="文本框 32">
+            <a:extLst>
+              <a:ext uri="{FF2B5EF4-FFF2-40B4-BE49-F238E27FC236}">
+                <a16:creationId xmlns:a16="http://schemas.microsoft.com/office/drawing/2014/main" id="{C36EDBEA-6A5E-4EF6-B38C-48325FB79EBB}"/>
               </a:ext>
             </a:extLst>
           </p:cNvPr>
@@ -3586,8 +4171,8 @@
         </p:nvSpPr>
         <p:spPr>
           <a:xfrm>
-            <a:off x="6451600" y="2458720"/>
-            <a:ext cx="4399280" cy="369332"/>
+            <a:off x="8350585" y="4151883"/>
+            <a:ext cx="1357460" cy="307777"/>
           </a:xfrm>
           <a:prstGeom prst="rect">
             <a:avLst/>
@@ -3601,16 +4186,1407 @@
           <a:lstStyle/>
           <a:p>
             <a:r>
-              <a:rPr lang="zh-CN" altLang="en-US" dirty="0"/>
-              <a:t>拒绝融梗等一系列抄袭事件</a:t>
-            </a:r>
-          </a:p>
-        </p:txBody>
-      </p:sp>
+              <a:rPr lang="zh-CN" altLang="en-US" sz="1400" dirty="0"/>
+              <a:t>成为小叮当</a:t>
+            </a:r>
+          </a:p>
+        </p:txBody>
+      </p:sp>
+      <p:pic>
+        <p:nvPicPr>
+          <p:cNvPr id="37" name="图片 36">
+            <a:extLst>
+              <a:ext uri="{FF2B5EF4-FFF2-40B4-BE49-F238E27FC236}">
+                <a16:creationId xmlns:a16="http://schemas.microsoft.com/office/drawing/2014/main" id="{EE81EA8D-EDE2-4A68-B502-F4EF77ED7CCA}"/>
+              </a:ext>
+            </a:extLst>
+          </p:cNvPr>
+          <p:cNvPicPr>
+            <a:picLocks noChangeAspect="1"/>
+          </p:cNvPicPr>
+          <p:nvPr/>
+        </p:nvPicPr>
+        <p:blipFill>
+          <a:blip r:embed="rId7">
+            <a:extLst>
+              <a:ext uri="{28A0092B-C50C-407E-A947-70E740481C1C}">
+                <a14:useLocalDpi xmlns:a14="http://schemas.microsoft.com/office/drawing/2010/main" val="0"/>
+              </a:ext>
+            </a:extLst>
+          </a:blip>
+          <a:stretch>
+            <a:fillRect/>
+          </a:stretch>
+        </p:blipFill>
+        <p:spPr>
+          <a:xfrm>
+            <a:off x="3050677" y="3489685"/>
+            <a:ext cx="660699" cy="660699"/>
+          </a:xfrm>
+          <a:prstGeom prst="rect">
+            <a:avLst/>
+          </a:prstGeom>
+          <a:effectLst>
+            <a:outerShdw blurRad="50800" dist="50800" dir="6000000" algn="ctr" rotWithShape="0">
+              <a:srgbClr val="000000">
+                <a:alpha val="43137"/>
+              </a:srgbClr>
+            </a:outerShdw>
+          </a:effectLst>
+        </p:spPr>
+      </p:pic>
+      <p:sp>
+        <p:nvSpPr>
+          <p:cNvPr id="38" name="文本框 37">
+            <a:extLst>
+              <a:ext uri="{FF2B5EF4-FFF2-40B4-BE49-F238E27FC236}">
+                <a16:creationId xmlns:a16="http://schemas.microsoft.com/office/drawing/2014/main" id="{2AD262E8-49D3-4C8E-9731-09EE9F9ADF18}"/>
+              </a:ext>
+            </a:extLst>
+          </p:cNvPr>
+          <p:cNvSpPr txBox="1"/>
+          <p:nvPr/>
+        </p:nvSpPr>
+        <p:spPr>
+          <a:xfrm>
+            <a:off x="3072072" y="4154473"/>
+            <a:ext cx="660699" cy="307777"/>
+          </a:xfrm>
+          <a:prstGeom prst="rect">
+            <a:avLst/>
+          </a:prstGeom>
+          <a:noFill/>
+        </p:spPr>
+        <p:txBody>
+          <a:bodyPr wrap="square" rtlCol="0">
+            <a:spAutoFit/>
+          </a:bodyPr>
+          <a:lstStyle/>
+          <a:p>
+            <a:r>
+              <a:rPr lang="zh-CN" altLang="en-US" sz="1400" dirty="0"/>
+              <a:t>消息</a:t>
+            </a:r>
+          </a:p>
+        </p:txBody>
+      </p:sp>
+      <p:pic>
+        <p:nvPicPr>
+          <p:cNvPr id="40" name="图片 39">
+            <a:extLst>
+              <a:ext uri="{FF2B5EF4-FFF2-40B4-BE49-F238E27FC236}">
+                <a16:creationId xmlns:a16="http://schemas.microsoft.com/office/drawing/2014/main" id="{E6C06D67-7BD0-43B0-903B-05E7899FBC2C}"/>
+              </a:ext>
+            </a:extLst>
+          </p:cNvPr>
+          <p:cNvPicPr>
+            <a:picLocks noChangeAspect="1"/>
+          </p:cNvPicPr>
+          <p:nvPr/>
+        </p:nvPicPr>
+        <p:blipFill>
+          <a:blip r:embed="rId8">
+            <a:extLst>
+              <a:ext uri="{28A0092B-C50C-407E-A947-70E740481C1C}">
+                <a14:useLocalDpi xmlns:a14="http://schemas.microsoft.com/office/drawing/2010/main" val="0"/>
+              </a:ext>
+            </a:extLst>
+          </a:blip>
+          <a:stretch>
+            <a:fillRect/>
+          </a:stretch>
+        </p:blipFill>
+        <p:spPr>
+          <a:xfrm>
+            <a:off x="4716624" y="3610435"/>
+            <a:ext cx="533200" cy="533200"/>
+          </a:xfrm>
+          <a:prstGeom prst="rect">
+            <a:avLst/>
+          </a:prstGeom>
+          <a:effectLst>
+            <a:outerShdw blurRad="50800" dist="50800" dir="6000000" algn="ctr" rotWithShape="0">
+              <a:srgbClr val="000000">
+                <a:alpha val="43137"/>
+              </a:srgbClr>
+            </a:outerShdw>
+          </a:effectLst>
+        </p:spPr>
+      </p:pic>
+      <p:sp>
+        <p:nvSpPr>
+          <p:cNvPr id="41" name="文本框 40">
+            <a:extLst>
+              <a:ext uri="{FF2B5EF4-FFF2-40B4-BE49-F238E27FC236}">
+                <a16:creationId xmlns:a16="http://schemas.microsoft.com/office/drawing/2014/main" id="{4A9C4106-FA15-4495-B9DE-8487A4E1DCFC}"/>
+              </a:ext>
+            </a:extLst>
+          </p:cNvPr>
+          <p:cNvSpPr txBox="1"/>
+          <p:nvPr/>
+        </p:nvSpPr>
+        <p:spPr>
+          <a:xfrm>
+            <a:off x="4719284" y="4140924"/>
+            <a:ext cx="1093509" cy="307777"/>
+          </a:xfrm>
+          <a:prstGeom prst="rect">
+            <a:avLst/>
+          </a:prstGeom>
+          <a:noFill/>
+        </p:spPr>
+        <p:txBody>
+          <a:bodyPr wrap="square" rtlCol="0">
+            <a:spAutoFit/>
+          </a:bodyPr>
+          <a:lstStyle/>
+          <a:p>
+            <a:r>
+              <a:rPr lang="zh-CN" altLang="en-US" sz="1400" dirty="0"/>
+              <a:t>周边</a:t>
+            </a:r>
+          </a:p>
+        </p:txBody>
+      </p:sp>
+      <p:grpSp>
+        <p:nvGrpSpPr>
+          <p:cNvPr id="31" name="组合 30">
+            <a:extLst>
+              <a:ext uri="{FF2B5EF4-FFF2-40B4-BE49-F238E27FC236}">
+                <a16:creationId xmlns:a16="http://schemas.microsoft.com/office/drawing/2014/main" id="{67259494-8EBA-4589-A55E-FA64F8AF3727}"/>
+              </a:ext>
+            </a:extLst>
+          </p:cNvPr>
+          <p:cNvGrpSpPr/>
+          <p:nvPr/>
+        </p:nvGrpSpPr>
+        <p:grpSpPr>
+          <a:xfrm>
+            <a:off x="832668" y="5111057"/>
+            <a:ext cx="10526664" cy="950639"/>
+            <a:chOff x="832668" y="5111057"/>
+            <a:chExt cx="10526664" cy="950639"/>
+          </a:xfrm>
+        </p:grpSpPr>
+        <p:pic>
+          <p:nvPicPr>
+            <p:cNvPr id="8" name="图片 7">
+              <a:extLst>
+                <a:ext uri="{FF2B5EF4-FFF2-40B4-BE49-F238E27FC236}">
+                  <a16:creationId xmlns:a16="http://schemas.microsoft.com/office/drawing/2014/main" id="{D23D3585-3B4F-454D-95AF-19FB1FB5FA95}"/>
+                </a:ext>
+              </a:extLst>
+            </p:cNvPr>
+            <p:cNvPicPr>
+              <a:picLocks noChangeAspect="1"/>
+            </p:cNvPicPr>
+            <p:nvPr/>
+          </p:nvPicPr>
+          <p:blipFill>
+            <a:blip r:embed="rId9">
+              <a:extLst>
+                <a:ext uri="{28A0092B-C50C-407E-A947-70E740481C1C}">
+                  <a14:useLocalDpi xmlns:a14="http://schemas.microsoft.com/office/drawing/2010/main" val="0"/>
+                </a:ext>
+              </a:extLst>
+            </a:blip>
+            <a:stretch>
+              <a:fillRect/>
+            </a:stretch>
+          </p:blipFill>
+          <p:spPr>
+            <a:xfrm>
+              <a:off x="832668" y="5111057"/>
+              <a:ext cx="2506812" cy="950639"/>
+            </a:xfrm>
+            <a:prstGeom prst="rect">
+              <a:avLst/>
+            </a:prstGeom>
+          </p:spPr>
+        </p:pic>
+        <p:pic>
+          <p:nvPicPr>
+            <p:cNvPr id="18" name="图片 17">
+              <a:extLst>
+                <a:ext uri="{FF2B5EF4-FFF2-40B4-BE49-F238E27FC236}">
+                  <a16:creationId xmlns:a16="http://schemas.microsoft.com/office/drawing/2014/main" id="{D38B65DC-870A-47C4-8A1F-073E503B4329}"/>
+                </a:ext>
+              </a:extLst>
+            </p:cNvPr>
+            <p:cNvPicPr>
+              <a:picLocks noChangeAspect="1"/>
+            </p:cNvPicPr>
+            <p:nvPr/>
+          </p:nvPicPr>
+          <p:blipFill>
+            <a:blip r:embed="rId10">
+              <a:extLst>
+                <a:ext uri="{28A0092B-C50C-407E-A947-70E740481C1C}">
+                  <a14:useLocalDpi xmlns:a14="http://schemas.microsoft.com/office/drawing/2010/main" val="0"/>
+                </a:ext>
+              </a:extLst>
+            </a:blip>
+            <a:stretch>
+              <a:fillRect/>
+            </a:stretch>
+          </p:blipFill>
+          <p:spPr>
+            <a:xfrm>
+              <a:off x="3505953" y="5123965"/>
+              <a:ext cx="2506812" cy="937731"/>
+            </a:xfrm>
+            <a:prstGeom prst="rect">
+              <a:avLst/>
+            </a:prstGeom>
+          </p:spPr>
+        </p:pic>
+        <p:pic>
+          <p:nvPicPr>
+            <p:cNvPr id="24" name="图片 23">
+              <a:extLst>
+                <a:ext uri="{FF2B5EF4-FFF2-40B4-BE49-F238E27FC236}">
+                  <a16:creationId xmlns:a16="http://schemas.microsoft.com/office/drawing/2014/main" id="{CEAD6C0A-26E2-44FB-81CF-47A4A6BC8BC3}"/>
+                </a:ext>
+              </a:extLst>
+            </p:cNvPr>
+            <p:cNvPicPr>
+              <a:picLocks noChangeAspect="1"/>
+            </p:cNvPicPr>
+            <p:nvPr/>
+          </p:nvPicPr>
+          <p:blipFill>
+            <a:blip r:embed="rId11">
+              <a:extLst>
+                <a:ext uri="{28A0092B-C50C-407E-A947-70E740481C1C}">
+                  <a14:useLocalDpi xmlns:a14="http://schemas.microsoft.com/office/drawing/2010/main" val="0"/>
+                </a:ext>
+              </a:extLst>
+            </a:blip>
+            <a:stretch>
+              <a:fillRect/>
+            </a:stretch>
+          </p:blipFill>
+          <p:spPr>
+            <a:xfrm>
+              <a:off x="6174317" y="5111057"/>
+              <a:ext cx="2511731" cy="950639"/>
+            </a:xfrm>
+            <a:prstGeom prst="rect">
+              <a:avLst/>
+            </a:prstGeom>
+          </p:spPr>
+        </p:pic>
+        <p:pic>
+          <p:nvPicPr>
+            <p:cNvPr id="26" name="图片 25">
+              <a:extLst>
+                <a:ext uri="{FF2B5EF4-FFF2-40B4-BE49-F238E27FC236}">
+                  <a16:creationId xmlns:a16="http://schemas.microsoft.com/office/drawing/2014/main" id="{2F7F360B-66BC-42F6-8928-22E20F9BD90E}"/>
+                </a:ext>
+              </a:extLst>
+            </p:cNvPr>
+            <p:cNvPicPr>
+              <a:picLocks noChangeAspect="1"/>
+            </p:cNvPicPr>
+            <p:nvPr/>
+          </p:nvPicPr>
+          <p:blipFill>
+            <a:blip r:embed="rId12">
+              <a:extLst>
+                <a:ext uri="{28A0092B-C50C-407E-A947-70E740481C1C}">
+                  <a14:useLocalDpi xmlns:a14="http://schemas.microsoft.com/office/drawing/2010/main" val="0"/>
+                </a:ext>
+              </a:extLst>
+            </a:blip>
+            <a:stretch>
+              <a:fillRect/>
+            </a:stretch>
+          </p:blipFill>
+          <p:spPr>
+            <a:xfrm>
+              <a:off x="8858250" y="5111057"/>
+              <a:ext cx="2501082" cy="950639"/>
+            </a:xfrm>
+            <a:prstGeom prst="rect">
+              <a:avLst/>
+            </a:prstGeom>
+          </p:spPr>
+        </p:pic>
+      </p:grpSp>
+      <p:grpSp>
+        <p:nvGrpSpPr>
+          <p:cNvPr id="28" name="组合 27">
+            <a:extLst>
+              <a:ext uri="{FF2B5EF4-FFF2-40B4-BE49-F238E27FC236}">
+                <a16:creationId xmlns:a16="http://schemas.microsoft.com/office/drawing/2014/main" id="{CACB0C9C-1DD1-4E13-B4B0-26E5EE5705EA}"/>
+              </a:ext>
+            </a:extLst>
+          </p:cNvPr>
+          <p:cNvGrpSpPr/>
+          <p:nvPr/>
+        </p:nvGrpSpPr>
+        <p:grpSpPr>
+          <a:xfrm>
+            <a:off x="832668" y="5111057"/>
+            <a:ext cx="10526664" cy="950639"/>
+            <a:chOff x="283523" y="5139076"/>
+            <a:chExt cx="10526664" cy="950639"/>
+          </a:xfrm>
+        </p:grpSpPr>
+        <p:sp>
+          <p:nvSpPr>
+            <p:cNvPr id="27" name="矩形 26">
+              <a:extLst>
+                <a:ext uri="{FF2B5EF4-FFF2-40B4-BE49-F238E27FC236}">
+                  <a16:creationId xmlns:a16="http://schemas.microsoft.com/office/drawing/2014/main" id="{2271B2C2-567C-487D-8DE4-6DF1615CAB64}"/>
+                </a:ext>
+              </a:extLst>
+            </p:cNvPr>
+            <p:cNvSpPr/>
+            <p:nvPr/>
+          </p:nvSpPr>
+          <p:spPr>
+            <a:xfrm>
+              <a:off x="283523" y="5143969"/>
+              <a:ext cx="2506812" cy="945746"/>
+            </a:xfrm>
+            <a:prstGeom prst="rect">
+              <a:avLst/>
+            </a:prstGeom>
+            <a:noFill/>
+          </p:spPr>
+          <p:style>
+            <a:lnRef idx="2">
+              <a:schemeClr val="accent1">
+                <a:shade val="50000"/>
+              </a:schemeClr>
+            </a:lnRef>
+            <a:fillRef idx="1">
+              <a:schemeClr val="accent1"/>
+            </a:fillRef>
+            <a:effectRef idx="0">
+              <a:schemeClr val="accent1"/>
+            </a:effectRef>
+            <a:fontRef idx="minor">
+              <a:schemeClr val="lt1"/>
+            </a:fontRef>
+          </p:style>
+          <p:txBody>
+            <a:bodyPr rtlCol="0" anchor="ctr"/>
+            <a:lstStyle/>
+            <a:p>
+              <a:pPr algn="ctr"/>
+              <a:endParaRPr lang="zh-CN" altLang="en-US"/>
+            </a:p>
+          </p:txBody>
+        </p:sp>
+        <p:sp>
+          <p:nvSpPr>
+            <p:cNvPr id="43" name="矩形 42">
+              <a:extLst>
+                <a:ext uri="{FF2B5EF4-FFF2-40B4-BE49-F238E27FC236}">
+                  <a16:creationId xmlns:a16="http://schemas.microsoft.com/office/drawing/2014/main" id="{AE8B9E2A-5F0E-430F-991F-61AA0964A71A}"/>
+                </a:ext>
+              </a:extLst>
+            </p:cNvPr>
+            <p:cNvSpPr/>
+            <p:nvPr/>
+          </p:nvSpPr>
+          <p:spPr>
+            <a:xfrm>
+              <a:off x="5630091" y="5139076"/>
+              <a:ext cx="2506812" cy="950639"/>
+            </a:xfrm>
+            <a:prstGeom prst="rect">
+              <a:avLst/>
+            </a:prstGeom>
+            <a:noFill/>
+          </p:spPr>
+          <p:style>
+            <a:lnRef idx="2">
+              <a:schemeClr val="accent1">
+                <a:shade val="50000"/>
+              </a:schemeClr>
+            </a:lnRef>
+            <a:fillRef idx="1">
+              <a:schemeClr val="accent1"/>
+            </a:fillRef>
+            <a:effectRef idx="0">
+              <a:schemeClr val="accent1"/>
+            </a:effectRef>
+            <a:fontRef idx="minor">
+              <a:schemeClr val="lt1"/>
+            </a:fontRef>
+          </p:style>
+          <p:txBody>
+            <a:bodyPr rtlCol="0" anchor="ctr"/>
+            <a:lstStyle/>
+            <a:p>
+              <a:pPr algn="ctr"/>
+              <a:endParaRPr lang="zh-CN" altLang="en-US"/>
+            </a:p>
+          </p:txBody>
+        </p:sp>
+        <p:sp>
+          <p:nvSpPr>
+            <p:cNvPr id="44" name="矩形 43">
+              <a:extLst>
+                <a:ext uri="{FF2B5EF4-FFF2-40B4-BE49-F238E27FC236}">
+                  <a16:creationId xmlns:a16="http://schemas.microsoft.com/office/drawing/2014/main" id="{BF168EC1-A313-4BEE-8945-17A742074884}"/>
+                </a:ext>
+              </a:extLst>
+            </p:cNvPr>
+            <p:cNvSpPr/>
+            <p:nvPr/>
+          </p:nvSpPr>
+          <p:spPr>
+            <a:xfrm>
+              <a:off x="2956807" y="5143969"/>
+              <a:ext cx="2506812" cy="945746"/>
+            </a:xfrm>
+            <a:prstGeom prst="rect">
+              <a:avLst/>
+            </a:prstGeom>
+            <a:noFill/>
+          </p:spPr>
+          <p:style>
+            <a:lnRef idx="2">
+              <a:schemeClr val="accent1">
+                <a:shade val="50000"/>
+              </a:schemeClr>
+            </a:lnRef>
+            <a:fillRef idx="1">
+              <a:schemeClr val="accent1"/>
+            </a:fillRef>
+            <a:effectRef idx="0">
+              <a:schemeClr val="accent1"/>
+            </a:effectRef>
+            <a:fontRef idx="minor">
+              <a:schemeClr val="lt1"/>
+            </a:fontRef>
+          </p:style>
+          <p:txBody>
+            <a:bodyPr rtlCol="0" anchor="ctr"/>
+            <a:lstStyle/>
+            <a:p>
+              <a:pPr algn="ctr"/>
+              <a:endParaRPr lang="zh-CN" altLang="en-US"/>
+            </a:p>
+          </p:txBody>
+        </p:sp>
+        <p:sp>
+          <p:nvSpPr>
+            <p:cNvPr id="45" name="矩形 44">
+              <a:extLst>
+                <a:ext uri="{FF2B5EF4-FFF2-40B4-BE49-F238E27FC236}">
+                  <a16:creationId xmlns:a16="http://schemas.microsoft.com/office/drawing/2014/main" id="{7E13E4B1-EDEB-4D78-BE12-F92BE609C506}"/>
+                </a:ext>
+              </a:extLst>
+            </p:cNvPr>
+            <p:cNvSpPr/>
+            <p:nvPr/>
+          </p:nvSpPr>
+          <p:spPr>
+            <a:xfrm>
+              <a:off x="8303375" y="5143969"/>
+              <a:ext cx="2506812" cy="945746"/>
+            </a:xfrm>
+            <a:prstGeom prst="rect">
+              <a:avLst/>
+            </a:prstGeom>
+            <a:noFill/>
+          </p:spPr>
+          <p:style>
+            <a:lnRef idx="2">
+              <a:schemeClr val="accent1">
+                <a:shade val="50000"/>
+              </a:schemeClr>
+            </a:lnRef>
+            <a:fillRef idx="1">
+              <a:schemeClr val="accent1"/>
+            </a:fillRef>
+            <a:effectRef idx="0">
+              <a:schemeClr val="accent1"/>
+            </a:effectRef>
+            <a:fontRef idx="minor">
+              <a:schemeClr val="lt1"/>
+            </a:fontRef>
+          </p:style>
+          <p:txBody>
+            <a:bodyPr rtlCol="0" anchor="ctr"/>
+            <a:lstStyle/>
+            <a:p>
+              <a:pPr algn="ctr"/>
+              <a:endParaRPr lang="zh-CN" altLang="en-US"/>
+            </a:p>
+          </p:txBody>
+        </p:sp>
+      </p:grpSp>
+      <p:sp>
+        <p:nvSpPr>
+          <p:cNvPr id="35" name="文本框 34">
+            <a:extLst>
+              <a:ext uri="{FF2B5EF4-FFF2-40B4-BE49-F238E27FC236}">
+                <a16:creationId xmlns:a16="http://schemas.microsoft.com/office/drawing/2014/main" id="{237CD4D5-F51D-4ABF-B7D7-71FD4FF784E8}"/>
+              </a:ext>
+            </a:extLst>
+          </p:cNvPr>
+          <p:cNvSpPr txBox="1"/>
+          <p:nvPr/>
+        </p:nvSpPr>
+        <p:spPr>
+          <a:xfrm>
+            <a:off x="1058779" y="5409398"/>
+            <a:ext cx="646331" cy="369332"/>
+          </a:xfrm>
+          <a:prstGeom prst="rect">
+            <a:avLst/>
+          </a:prstGeom>
+          <a:noFill/>
+        </p:spPr>
+        <p:txBody>
+          <a:bodyPr wrap="none" rtlCol="0">
+            <a:spAutoFit/>
+          </a:bodyPr>
+          <a:lstStyle/>
+          <a:p>
+            <a:r>
+              <a:rPr lang="zh-CN" altLang="en-US" dirty="0">
+                <a:solidFill>
+                  <a:schemeClr val="accent2">
+                    <a:lumMod val="50000"/>
+                  </a:schemeClr>
+                </a:solidFill>
+              </a:rPr>
+              <a:t>铭秋</a:t>
+            </a:r>
+          </a:p>
+        </p:txBody>
+      </p:sp>
+      <p:sp>
+        <p:nvSpPr>
+          <p:cNvPr id="46" name="文本框 45">
+            <a:extLst>
+              <a:ext uri="{FF2B5EF4-FFF2-40B4-BE49-F238E27FC236}">
+                <a16:creationId xmlns:a16="http://schemas.microsoft.com/office/drawing/2014/main" id="{C87D42F2-5E5E-4B8F-918B-F01F51B4AC98}"/>
+              </a:ext>
+            </a:extLst>
+          </p:cNvPr>
+          <p:cNvSpPr txBox="1"/>
+          <p:nvPr/>
+        </p:nvSpPr>
+        <p:spPr>
+          <a:xfrm flipH="1">
+            <a:off x="3771819" y="5396064"/>
+            <a:ext cx="807176" cy="369332"/>
+          </a:xfrm>
+          <a:prstGeom prst="rect">
+            <a:avLst/>
+          </a:prstGeom>
+          <a:noFill/>
+        </p:spPr>
+        <p:txBody>
+          <a:bodyPr wrap="square" rtlCol="0">
+            <a:spAutoFit/>
+          </a:bodyPr>
+          <a:lstStyle/>
+          <a:p>
+            <a:r>
+              <a:rPr lang="zh-CN" altLang="en-US" dirty="0">
+                <a:solidFill>
+                  <a:schemeClr val="accent2">
+                    <a:lumMod val="75000"/>
+                  </a:schemeClr>
+                </a:solidFill>
+              </a:rPr>
+              <a:t>静红</a:t>
+            </a:r>
+          </a:p>
+        </p:txBody>
+      </p:sp>
+      <p:sp>
+        <p:nvSpPr>
+          <p:cNvPr id="47" name="文本框 46">
+            <a:extLst>
+              <a:ext uri="{FF2B5EF4-FFF2-40B4-BE49-F238E27FC236}">
+                <a16:creationId xmlns:a16="http://schemas.microsoft.com/office/drawing/2014/main" id="{A242C09C-EAE5-4AA9-8D14-28E4C9F07AFB}"/>
+              </a:ext>
+            </a:extLst>
+          </p:cNvPr>
+          <p:cNvSpPr txBox="1"/>
+          <p:nvPr/>
+        </p:nvSpPr>
+        <p:spPr>
+          <a:xfrm>
+            <a:off x="9001919" y="5396064"/>
+            <a:ext cx="706126" cy="369332"/>
+          </a:xfrm>
+          <a:prstGeom prst="rect">
+            <a:avLst/>
+          </a:prstGeom>
+          <a:noFill/>
+        </p:spPr>
+        <p:txBody>
+          <a:bodyPr wrap="square" rtlCol="0">
+            <a:spAutoFit/>
+          </a:bodyPr>
+          <a:lstStyle/>
+          <a:p>
+            <a:r>
+              <a:rPr lang="zh-CN" altLang="en-US" dirty="0">
+                <a:solidFill>
+                  <a:schemeClr val="accent5">
+                    <a:lumMod val="75000"/>
+                  </a:schemeClr>
+                </a:solidFill>
+              </a:rPr>
+              <a:t>湛蓝</a:t>
+            </a:r>
+          </a:p>
+        </p:txBody>
+      </p:sp>
+      <p:sp>
+        <p:nvSpPr>
+          <p:cNvPr id="48" name="文本框 47">
+            <a:extLst>
+              <a:ext uri="{FF2B5EF4-FFF2-40B4-BE49-F238E27FC236}">
+                <a16:creationId xmlns:a16="http://schemas.microsoft.com/office/drawing/2014/main" id="{720726FD-FC9E-4327-AFE1-14842F5A6111}"/>
+              </a:ext>
+            </a:extLst>
+          </p:cNvPr>
+          <p:cNvSpPr txBox="1"/>
+          <p:nvPr/>
+        </p:nvSpPr>
+        <p:spPr>
+          <a:xfrm>
+            <a:off x="6329597" y="5409398"/>
+            <a:ext cx="800102" cy="369332"/>
+          </a:xfrm>
+          <a:prstGeom prst="rect">
+            <a:avLst/>
+          </a:prstGeom>
+          <a:noFill/>
+        </p:spPr>
+        <p:txBody>
+          <a:bodyPr wrap="square" rtlCol="0">
+            <a:spAutoFit/>
+          </a:bodyPr>
+          <a:lstStyle/>
+          <a:p>
+            <a:r>
+              <a:rPr lang="zh-CN" altLang="en-US" dirty="0">
+                <a:solidFill>
+                  <a:srgbClr val="971CB4"/>
+                </a:solidFill>
+              </a:rPr>
+              <a:t>曳紫</a:t>
+            </a:r>
+          </a:p>
+        </p:txBody>
+      </p:sp>
+      <p:grpSp>
+        <p:nvGrpSpPr>
+          <p:cNvPr id="51" name="组合 50">
+            <a:extLst>
+              <a:ext uri="{FF2B5EF4-FFF2-40B4-BE49-F238E27FC236}">
+                <a16:creationId xmlns:a16="http://schemas.microsoft.com/office/drawing/2014/main" id="{78115418-CC0B-45F0-9FC4-6828EA5963B9}"/>
+              </a:ext>
+            </a:extLst>
+          </p:cNvPr>
+          <p:cNvGrpSpPr/>
+          <p:nvPr/>
+        </p:nvGrpSpPr>
+        <p:grpSpPr>
+          <a:xfrm>
+            <a:off x="11079475" y="3145367"/>
+            <a:ext cx="1092135" cy="529662"/>
+            <a:chOff x="11079475" y="3145367"/>
+            <a:chExt cx="1092135" cy="529662"/>
+          </a:xfrm>
+        </p:grpSpPr>
+        <p:sp>
+          <p:nvSpPr>
+            <p:cNvPr id="49" name="椭圆 48">
+              <a:extLst>
+                <a:ext uri="{FF2B5EF4-FFF2-40B4-BE49-F238E27FC236}">
+                  <a16:creationId xmlns:a16="http://schemas.microsoft.com/office/drawing/2014/main" id="{3189D352-9488-4A2F-8569-491156B6457E}"/>
+                </a:ext>
+              </a:extLst>
+            </p:cNvPr>
+            <p:cNvSpPr/>
+            <p:nvPr/>
+          </p:nvSpPr>
+          <p:spPr>
+            <a:xfrm>
+              <a:off x="11079475" y="3157979"/>
+              <a:ext cx="1092135" cy="517050"/>
+            </a:xfrm>
+            <a:prstGeom prst="ellipse">
+              <a:avLst/>
+            </a:prstGeom>
+            <a:solidFill>
+              <a:srgbClr val="F1707D"/>
+            </a:solidFill>
+          </p:spPr>
+          <p:style>
+            <a:lnRef idx="2">
+              <a:schemeClr val="accent1">
+                <a:shade val="50000"/>
+              </a:schemeClr>
+            </a:lnRef>
+            <a:fillRef idx="1">
+              <a:schemeClr val="accent1"/>
+            </a:fillRef>
+            <a:effectRef idx="0">
+              <a:schemeClr val="accent1"/>
+            </a:effectRef>
+            <a:fontRef idx="minor">
+              <a:schemeClr val="lt1"/>
+            </a:fontRef>
+          </p:style>
+          <p:txBody>
+            <a:bodyPr rtlCol="0" anchor="ctr"/>
+            <a:lstStyle/>
+            <a:p>
+              <a:pPr algn="ctr"/>
+              <a:endParaRPr lang="zh-CN" altLang="en-US"/>
+            </a:p>
+          </p:txBody>
+        </p:sp>
+        <p:sp>
+          <p:nvSpPr>
+            <p:cNvPr id="50" name="文本框 49">
+              <a:extLst>
+                <a:ext uri="{FF2B5EF4-FFF2-40B4-BE49-F238E27FC236}">
+                  <a16:creationId xmlns:a16="http://schemas.microsoft.com/office/drawing/2014/main" id="{9B0A42D5-57D9-4874-B8E4-102AD169C850}"/>
+                </a:ext>
+              </a:extLst>
+            </p:cNvPr>
+            <p:cNvSpPr txBox="1"/>
+            <p:nvPr/>
+          </p:nvSpPr>
+          <p:spPr>
+            <a:xfrm>
+              <a:off x="11240326" y="3145367"/>
+              <a:ext cx="770431" cy="523220"/>
+            </a:xfrm>
+            <a:prstGeom prst="rect">
+              <a:avLst/>
+            </a:prstGeom>
+            <a:noFill/>
+          </p:spPr>
+          <p:txBody>
+            <a:bodyPr wrap="square" rtlCol="0">
+              <a:spAutoFit/>
+            </a:bodyPr>
+            <a:lstStyle/>
+            <a:p>
+              <a:r>
+                <a:rPr lang="zh-CN" altLang="en-US" sz="1400" dirty="0">
+                  <a:solidFill>
+                    <a:schemeClr val="bg1"/>
+                  </a:solidFill>
+                </a:rPr>
+                <a:t>个人版面申请</a:t>
+              </a:r>
+            </a:p>
+          </p:txBody>
+        </p:sp>
+      </p:grpSp>
     </p:spTree>
     <p:extLst>
       <p:ext uri="{BB962C8B-B14F-4D97-AF65-F5344CB8AC3E}">
-        <p14:creationId xmlns:p14="http://schemas.microsoft.com/office/powerpoint/2010/main" val="1836701395"/>
+        <p14:creationId xmlns:p14="http://schemas.microsoft.com/office/powerpoint/2010/main" val="3877478771"/>
+      </p:ext>
+    </p:extLst>
+  </p:cSld>
+  <p:clrMapOvr>
+    <a:masterClrMapping/>
+  </p:clrMapOvr>
+</p:sld>
+</file>
+
+<file path=ppt/slides/slide10.xml><?xml version="1.0" encoding="utf-8"?>
+<p:sld xmlns:a="http://schemas.openxmlformats.org/drawingml/2006/main" xmlns:r="http://schemas.openxmlformats.org/officeDocument/2006/relationships" xmlns:p="http://schemas.openxmlformats.org/presentationml/2006/main">
+  <p:cSld>
+    <p:spTree>
+      <p:nvGrpSpPr>
+        <p:cNvPr id="1" name=""/>
+        <p:cNvGrpSpPr/>
+        <p:nvPr/>
+      </p:nvGrpSpPr>
+      <p:grpSpPr>
+        <a:xfrm>
+          <a:off x="0" y="0"/>
+          <a:ext cx="0" cy="0"/>
+          <a:chOff x="0" y="0"/>
+          <a:chExt cx="0" cy="0"/>
+        </a:xfrm>
+      </p:grpSpPr>
+      <p:sp>
+        <p:nvSpPr>
+          <p:cNvPr id="13" name="矩形 12">
+            <a:extLst>
+              <a:ext uri="{FF2B5EF4-FFF2-40B4-BE49-F238E27FC236}">
+                <a16:creationId xmlns:a16="http://schemas.microsoft.com/office/drawing/2014/main" id="{323FE8D6-93A6-4929-869B-10BAA8DF2C95}"/>
+              </a:ext>
+            </a:extLst>
+          </p:cNvPr>
+          <p:cNvSpPr/>
+          <p:nvPr/>
+        </p:nvSpPr>
+        <p:spPr>
+          <a:xfrm>
+            <a:off x="0" y="0"/>
+            <a:ext cx="12192000" cy="6858000"/>
+          </a:xfrm>
+          <a:prstGeom prst="rect">
+            <a:avLst/>
+          </a:prstGeom>
+          <a:noFill/>
+        </p:spPr>
+        <p:style>
+          <a:lnRef idx="2">
+            <a:schemeClr val="accent1">
+              <a:shade val="50000"/>
+            </a:schemeClr>
+          </a:lnRef>
+          <a:fillRef idx="1">
+            <a:schemeClr val="accent1"/>
+          </a:fillRef>
+          <a:effectRef idx="0">
+            <a:schemeClr val="accent1"/>
+          </a:effectRef>
+          <a:fontRef idx="minor">
+            <a:schemeClr val="lt1"/>
+          </a:fontRef>
+        </p:style>
+        <p:txBody>
+          <a:bodyPr rtlCol="0" anchor="ctr"/>
+          <a:lstStyle/>
+          <a:p>
+            <a:pPr algn="ctr"/>
+            <a:endParaRPr lang="zh-CN" altLang="en-US"/>
+          </a:p>
+        </p:txBody>
+      </p:sp>
+      <p:sp>
+        <p:nvSpPr>
+          <p:cNvPr id="16" name="矩形 15">
+            <a:extLst>
+              <a:ext uri="{FF2B5EF4-FFF2-40B4-BE49-F238E27FC236}">
+                <a16:creationId xmlns:a16="http://schemas.microsoft.com/office/drawing/2014/main" id="{84325ACE-9D6D-4957-9E42-3BE24E31FA01}"/>
+              </a:ext>
+            </a:extLst>
+          </p:cNvPr>
+          <p:cNvSpPr/>
+          <p:nvPr/>
+        </p:nvSpPr>
+        <p:spPr>
+          <a:xfrm>
+            <a:off x="0" y="0"/>
+            <a:ext cx="12192000" cy="4074160"/>
+          </a:xfrm>
+          <a:prstGeom prst="rect">
+            <a:avLst/>
+          </a:prstGeom>
+          <a:noFill/>
+        </p:spPr>
+        <p:style>
+          <a:lnRef idx="2">
+            <a:schemeClr val="accent1">
+              <a:shade val="50000"/>
+            </a:schemeClr>
+          </a:lnRef>
+          <a:fillRef idx="1">
+            <a:schemeClr val="accent1"/>
+          </a:fillRef>
+          <a:effectRef idx="0">
+            <a:schemeClr val="accent1"/>
+          </a:effectRef>
+          <a:fontRef idx="minor">
+            <a:schemeClr val="lt1"/>
+          </a:fontRef>
+        </p:style>
+        <p:txBody>
+          <a:bodyPr rtlCol="0" anchor="ctr"/>
+          <a:lstStyle/>
+          <a:p>
+            <a:pPr algn="ctr"/>
+            <a:endParaRPr lang="zh-CN" altLang="en-US"/>
+          </a:p>
+        </p:txBody>
+      </p:sp>
+      <p:sp>
+        <p:nvSpPr>
+          <p:cNvPr id="18" name="矩形 17">
+            <a:extLst>
+              <a:ext uri="{FF2B5EF4-FFF2-40B4-BE49-F238E27FC236}">
+                <a16:creationId xmlns:a16="http://schemas.microsoft.com/office/drawing/2014/main" id="{BBA57083-50E8-43DE-AF1D-244758BAA749}"/>
+              </a:ext>
+            </a:extLst>
+          </p:cNvPr>
+          <p:cNvSpPr/>
+          <p:nvPr/>
+        </p:nvSpPr>
+        <p:spPr>
+          <a:xfrm>
+            <a:off x="0" y="0"/>
+            <a:ext cx="12192000" cy="7051040"/>
+          </a:xfrm>
+          <a:prstGeom prst="rect">
+            <a:avLst/>
+          </a:prstGeom>
+          <a:solidFill>
+            <a:srgbClr val="971CB4"/>
+          </a:solidFill>
+        </p:spPr>
+        <p:style>
+          <a:lnRef idx="2">
+            <a:schemeClr val="accent1">
+              <a:shade val="50000"/>
+            </a:schemeClr>
+          </a:lnRef>
+          <a:fillRef idx="1">
+            <a:schemeClr val="accent1"/>
+          </a:fillRef>
+          <a:effectRef idx="0">
+            <a:schemeClr val="accent1"/>
+          </a:effectRef>
+          <a:fontRef idx="minor">
+            <a:schemeClr val="lt1"/>
+          </a:fontRef>
+        </p:style>
+        <p:txBody>
+          <a:bodyPr rtlCol="0" anchor="ctr"/>
+          <a:lstStyle/>
+          <a:p>
+            <a:pPr algn="ctr"/>
+            <a:endParaRPr lang="zh-CN" altLang="en-US" dirty="0"/>
+          </a:p>
+        </p:txBody>
+      </p:sp>
+      <p:sp>
+        <p:nvSpPr>
+          <p:cNvPr id="19" name="矩形 18">
+            <a:extLst>
+              <a:ext uri="{FF2B5EF4-FFF2-40B4-BE49-F238E27FC236}">
+                <a16:creationId xmlns:a16="http://schemas.microsoft.com/office/drawing/2014/main" id="{A02B8B37-59FA-4E5A-B321-389F84C972C1}"/>
+              </a:ext>
+            </a:extLst>
+          </p:cNvPr>
+          <p:cNvSpPr/>
+          <p:nvPr/>
+        </p:nvSpPr>
+        <p:spPr>
+          <a:xfrm>
+            <a:off x="0" y="0"/>
+            <a:ext cx="3403600" cy="660400"/>
+          </a:xfrm>
+          <a:prstGeom prst="rect">
+            <a:avLst/>
+          </a:prstGeom>
+        </p:spPr>
+        <p:style>
+          <a:lnRef idx="2">
+            <a:schemeClr val="accent1">
+              <a:shade val="50000"/>
+            </a:schemeClr>
+          </a:lnRef>
+          <a:fillRef idx="1">
+            <a:schemeClr val="accent1"/>
+          </a:fillRef>
+          <a:effectRef idx="0">
+            <a:schemeClr val="accent1"/>
+          </a:effectRef>
+          <a:fontRef idx="minor">
+            <a:schemeClr val="lt1"/>
+          </a:fontRef>
+        </p:style>
+        <p:txBody>
+          <a:bodyPr rtlCol="0" anchor="ctr"/>
+          <a:lstStyle/>
+          <a:p>
+            <a:pPr algn="ctr"/>
+            <a:r>
+              <a:rPr lang="zh-CN" altLang="en-US" dirty="0"/>
+              <a:t>征集作品</a:t>
+            </a:r>
+          </a:p>
+        </p:txBody>
+      </p:sp>
+      <p:sp>
+        <p:nvSpPr>
+          <p:cNvPr id="20" name="矩形 19">
+            <a:extLst>
+              <a:ext uri="{FF2B5EF4-FFF2-40B4-BE49-F238E27FC236}">
+                <a16:creationId xmlns:a16="http://schemas.microsoft.com/office/drawing/2014/main" id="{B0C6F842-C02A-4A4C-9B9F-852E06FEA1B8}"/>
+              </a:ext>
+            </a:extLst>
+          </p:cNvPr>
+          <p:cNvSpPr/>
+          <p:nvPr/>
+        </p:nvSpPr>
+        <p:spPr>
+          <a:xfrm>
+            <a:off x="0" y="660400"/>
+            <a:ext cx="2804160" cy="3413760"/>
+          </a:xfrm>
+          <a:prstGeom prst="rect">
+            <a:avLst/>
+          </a:prstGeom>
+        </p:spPr>
+        <p:style>
+          <a:lnRef idx="2">
+            <a:schemeClr val="accent1">
+              <a:shade val="50000"/>
+            </a:schemeClr>
+          </a:lnRef>
+          <a:fillRef idx="1">
+            <a:schemeClr val="accent1"/>
+          </a:fillRef>
+          <a:effectRef idx="0">
+            <a:schemeClr val="accent1"/>
+          </a:effectRef>
+          <a:fontRef idx="minor">
+            <a:schemeClr val="lt1"/>
+          </a:fontRef>
+        </p:style>
+        <p:txBody>
+          <a:bodyPr rtlCol="0" anchor="ctr"/>
+          <a:lstStyle/>
+          <a:p>
+            <a:pPr algn="ctr"/>
+            <a:endParaRPr lang="zh-CN" altLang="en-US" dirty="0"/>
+          </a:p>
+        </p:txBody>
+      </p:sp>
+      <p:sp>
+        <p:nvSpPr>
+          <p:cNvPr id="24" name="矩形 23">
+            <a:extLst>
+              <a:ext uri="{FF2B5EF4-FFF2-40B4-BE49-F238E27FC236}">
+                <a16:creationId xmlns:a16="http://schemas.microsoft.com/office/drawing/2014/main" id="{7BC5F5CD-59FA-4C21-BFBF-9929FB0F7A49}"/>
+              </a:ext>
+            </a:extLst>
+          </p:cNvPr>
+          <p:cNvSpPr/>
+          <p:nvPr/>
+        </p:nvSpPr>
+        <p:spPr>
+          <a:xfrm>
+            <a:off x="2788920" y="660400"/>
+            <a:ext cx="2804160" cy="3413760"/>
+          </a:xfrm>
+          <a:prstGeom prst="rect">
+            <a:avLst/>
+          </a:prstGeom>
+        </p:spPr>
+        <p:style>
+          <a:lnRef idx="2">
+            <a:schemeClr val="accent1">
+              <a:shade val="50000"/>
+            </a:schemeClr>
+          </a:lnRef>
+          <a:fillRef idx="1">
+            <a:schemeClr val="accent1"/>
+          </a:fillRef>
+          <a:effectRef idx="0">
+            <a:schemeClr val="accent1"/>
+          </a:effectRef>
+          <a:fontRef idx="minor">
+            <a:schemeClr val="lt1"/>
+          </a:fontRef>
+        </p:style>
+        <p:txBody>
+          <a:bodyPr rtlCol="0" anchor="ctr"/>
+          <a:lstStyle/>
+          <a:p>
+            <a:pPr algn="ctr"/>
+            <a:endParaRPr lang="zh-CN" altLang="en-US"/>
+          </a:p>
+        </p:txBody>
+      </p:sp>
+      <p:sp>
+        <p:nvSpPr>
+          <p:cNvPr id="25" name="矩形 24">
+            <a:extLst>
+              <a:ext uri="{FF2B5EF4-FFF2-40B4-BE49-F238E27FC236}">
+                <a16:creationId xmlns:a16="http://schemas.microsoft.com/office/drawing/2014/main" id="{3426B1A4-BCCF-49C8-978B-F622AD0E3E53}"/>
+              </a:ext>
+            </a:extLst>
+          </p:cNvPr>
+          <p:cNvSpPr/>
+          <p:nvPr/>
+        </p:nvSpPr>
+        <p:spPr>
+          <a:xfrm>
+            <a:off x="5593080" y="660400"/>
+            <a:ext cx="2804160" cy="3413760"/>
+          </a:xfrm>
+          <a:prstGeom prst="rect">
+            <a:avLst/>
+          </a:prstGeom>
+        </p:spPr>
+        <p:style>
+          <a:lnRef idx="2">
+            <a:schemeClr val="accent1">
+              <a:shade val="50000"/>
+            </a:schemeClr>
+          </a:lnRef>
+          <a:fillRef idx="1">
+            <a:schemeClr val="accent1"/>
+          </a:fillRef>
+          <a:effectRef idx="0">
+            <a:schemeClr val="accent1"/>
+          </a:effectRef>
+          <a:fontRef idx="minor">
+            <a:schemeClr val="lt1"/>
+          </a:fontRef>
+        </p:style>
+        <p:txBody>
+          <a:bodyPr rtlCol="0" anchor="ctr"/>
+          <a:lstStyle/>
+          <a:p>
+            <a:pPr algn="ctr"/>
+            <a:endParaRPr lang="zh-CN" altLang="en-US"/>
+          </a:p>
+        </p:txBody>
+      </p:sp>
+      <p:sp>
+        <p:nvSpPr>
+          <p:cNvPr id="26" name="矩形 25">
+            <a:extLst>
+              <a:ext uri="{FF2B5EF4-FFF2-40B4-BE49-F238E27FC236}">
+                <a16:creationId xmlns:a16="http://schemas.microsoft.com/office/drawing/2014/main" id="{D611DCF8-4E3C-4E2C-8445-29221F446E34}"/>
+              </a:ext>
+            </a:extLst>
+          </p:cNvPr>
+          <p:cNvSpPr/>
+          <p:nvPr/>
+        </p:nvSpPr>
+        <p:spPr>
+          <a:xfrm>
+            <a:off x="8382000" y="660400"/>
+            <a:ext cx="2804160" cy="3413760"/>
+          </a:xfrm>
+          <a:prstGeom prst="rect">
+            <a:avLst/>
+          </a:prstGeom>
+        </p:spPr>
+        <p:style>
+          <a:lnRef idx="2">
+            <a:schemeClr val="accent1">
+              <a:shade val="50000"/>
+            </a:schemeClr>
+          </a:lnRef>
+          <a:fillRef idx="1">
+            <a:schemeClr val="accent1"/>
+          </a:fillRef>
+          <a:effectRef idx="0">
+            <a:schemeClr val="accent1"/>
+          </a:effectRef>
+          <a:fontRef idx="minor">
+            <a:schemeClr val="lt1"/>
+          </a:fontRef>
+        </p:style>
+        <p:txBody>
+          <a:bodyPr rtlCol="0" anchor="ctr"/>
+          <a:lstStyle/>
+          <a:p>
+            <a:pPr algn="ctr"/>
+            <a:endParaRPr lang="zh-CN" altLang="en-US"/>
+          </a:p>
+        </p:txBody>
+      </p:sp>
+      <p:sp>
+        <p:nvSpPr>
+          <p:cNvPr id="27" name="矩形 26">
+            <a:extLst>
+              <a:ext uri="{FF2B5EF4-FFF2-40B4-BE49-F238E27FC236}">
+                <a16:creationId xmlns:a16="http://schemas.microsoft.com/office/drawing/2014/main" id="{09859992-036A-45DD-8A14-C35D409FCB0A}"/>
+              </a:ext>
+            </a:extLst>
+          </p:cNvPr>
+          <p:cNvSpPr/>
+          <p:nvPr/>
+        </p:nvSpPr>
+        <p:spPr>
+          <a:xfrm>
+            <a:off x="0" y="4074160"/>
+            <a:ext cx="2788920" cy="2976880"/>
+          </a:xfrm>
+          <a:prstGeom prst="rect">
+            <a:avLst/>
+          </a:prstGeom>
+        </p:spPr>
+        <p:style>
+          <a:lnRef idx="2">
+            <a:schemeClr val="accent1">
+              <a:shade val="50000"/>
+            </a:schemeClr>
+          </a:lnRef>
+          <a:fillRef idx="1">
+            <a:schemeClr val="accent1"/>
+          </a:fillRef>
+          <a:effectRef idx="0">
+            <a:schemeClr val="accent1"/>
+          </a:effectRef>
+          <a:fontRef idx="minor">
+            <a:schemeClr val="lt1"/>
+          </a:fontRef>
+        </p:style>
+        <p:txBody>
+          <a:bodyPr rtlCol="0" anchor="ctr"/>
+          <a:lstStyle/>
+          <a:p>
+            <a:pPr algn="ctr"/>
+            <a:endParaRPr lang="zh-CN" altLang="en-US"/>
+          </a:p>
+        </p:txBody>
+      </p:sp>
+      <p:sp>
+        <p:nvSpPr>
+          <p:cNvPr id="28" name="矩形 27">
+            <a:extLst>
+              <a:ext uri="{FF2B5EF4-FFF2-40B4-BE49-F238E27FC236}">
+                <a16:creationId xmlns:a16="http://schemas.microsoft.com/office/drawing/2014/main" id="{C075B601-FA7F-4314-86F7-1BC143F0EC78}"/>
+              </a:ext>
+            </a:extLst>
+          </p:cNvPr>
+          <p:cNvSpPr/>
+          <p:nvPr/>
+        </p:nvSpPr>
+        <p:spPr>
+          <a:xfrm>
+            <a:off x="2792730" y="4074160"/>
+            <a:ext cx="2788920" cy="2976880"/>
+          </a:xfrm>
+          <a:prstGeom prst="rect">
+            <a:avLst/>
+          </a:prstGeom>
+        </p:spPr>
+        <p:style>
+          <a:lnRef idx="2">
+            <a:schemeClr val="accent1">
+              <a:shade val="50000"/>
+            </a:schemeClr>
+          </a:lnRef>
+          <a:fillRef idx="1">
+            <a:schemeClr val="accent1"/>
+          </a:fillRef>
+          <a:effectRef idx="0">
+            <a:schemeClr val="accent1"/>
+          </a:effectRef>
+          <a:fontRef idx="minor">
+            <a:schemeClr val="lt1"/>
+          </a:fontRef>
+        </p:style>
+        <p:txBody>
+          <a:bodyPr rtlCol="0" anchor="ctr"/>
+          <a:lstStyle/>
+          <a:p>
+            <a:pPr algn="ctr"/>
+            <a:endParaRPr lang="zh-CN" altLang="en-US"/>
+          </a:p>
+        </p:txBody>
+      </p:sp>
+      <p:sp>
+        <p:nvSpPr>
+          <p:cNvPr id="29" name="矩形 28">
+            <a:extLst>
+              <a:ext uri="{FF2B5EF4-FFF2-40B4-BE49-F238E27FC236}">
+                <a16:creationId xmlns:a16="http://schemas.microsoft.com/office/drawing/2014/main" id="{776D2868-D87F-4884-9DCE-0E2B68990DF0}"/>
+              </a:ext>
+            </a:extLst>
+          </p:cNvPr>
+          <p:cNvSpPr/>
+          <p:nvPr/>
+        </p:nvSpPr>
+        <p:spPr>
+          <a:xfrm>
+            <a:off x="5585460" y="4074160"/>
+            <a:ext cx="2788920" cy="2976880"/>
+          </a:xfrm>
+          <a:prstGeom prst="rect">
+            <a:avLst/>
+          </a:prstGeom>
+        </p:spPr>
+        <p:style>
+          <a:lnRef idx="2">
+            <a:schemeClr val="accent1">
+              <a:shade val="50000"/>
+            </a:schemeClr>
+          </a:lnRef>
+          <a:fillRef idx="1">
+            <a:schemeClr val="accent1"/>
+          </a:fillRef>
+          <a:effectRef idx="0">
+            <a:schemeClr val="accent1"/>
+          </a:effectRef>
+          <a:fontRef idx="minor">
+            <a:schemeClr val="lt1"/>
+          </a:fontRef>
+        </p:style>
+        <p:txBody>
+          <a:bodyPr rtlCol="0" anchor="ctr"/>
+          <a:lstStyle/>
+          <a:p>
+            <a:pPr algn="ctr"/>
+            <a:endParaRPr lang="zh-CN" altLang="en-US"/>
+          </a:p>
+        </p:txBody>
+      </p:sp>
+      <p:sp>
+        <p:nvSpPr>
+          <p:cNvPr id="30" name="矩形 29">
+            <a:extLst>
+              <a:ext uri="{FF2B5EF4-FFF2-40B4-BE49-F238E27FC236}">
+                <a16:creationId xmlns:a16="http://schemas.microsoft.com/office/drawing/2014/main" id="{83F35F63-F846-44DD-BF8F-7E9AB3492B60}"/>
+              </a:ext>
+            </a:extLst>
+          </p:cNvPr>
+          <p:cNvSpPr/>
+          <p:nvPr/>
+        </p:nvSpPr>
+        <p:spPr>
+          <a:xfrm>
+            <a:off x="8382000" y="4074160"/>
+            <a:ext cx="2788920" cy="2976880"/>
+          </a:xfrm>
+          <a:prstGeom prst="rect">
+            <a:avLst/>
+          </a:prstGeom>
+        </p:spPr>
+        <p:style>
+          <a:lnRef idx="2">
+            <a:schemeClr val="accent1">
+              <a:shade val="50000"/>
+            </a:schemeClr>
+          </a:lnRef>
+          <a:fillRef idx="1">
+            <a:schemeClr val="accent1"/>
+          </a:fillRef>
+          <a:effectRef idx="0">
+            <a:schemeClr val="accent1"/>
+          </a:effectRef>
+          <a:fontRef idx="minor">
+            <a:schemeClr val="lt1"/>
+          </a:fontRef>
+        </p:style>
+        <p:txBody>
+          <a:bodyPr rtlCol="0" anchor="ctr"/>
+          <a:lstStyle/>
+          <a:p>
+            <a:pPr algn="ctr"/>
+            <a:endParaRPr lang="zh-CN" altLang="en-US"/>
+          </a:p>
+        </p:txBody>
+      </p:sp>
+    </p:spTree>
+    <p:extLst>
+      <p:ext uri="{BB962C8B-B14F-4D97-AF65-F5344CB8AC3E}">
+        <p14:creationId xmlns:p14="http://schemas.microsoft.com/office/powerpoint/2010/main" val="1644475996"/>
       </p:ext>
     </p:extLst>
   </p:cSld>
@@ -3637,181 +5613,237 @@
           <a:chExt cx="0" cy="0"/>
         </a:xfrm>
       </p:grpSpPr>
-      <p:sp>
-        <p:nvSpPr>
-          <p:cNvPr id="4" name="文本框 3">
-            <a:extLst>
-              <a:ext uri="{FF2B5EF4-FFF2-40B4-BE49-F238E27FC236}">
-                <a16:creationId xmlns:a16="http://schemas.microsoft.com/office/drawing/2014/main" id="{EF39D725-C774-450F-92F5-D90F331E53F5}"/>
-              </a:ext>
-            </a:extLst>
-          </p:cNvPr>
-          <p:cNvSpPr txBox="1"/>
+      <p:grpSp>
+        <p:nvGrpSpPr>
+          <p:cNvPr id="2" name="组合 1">
+            <a:extLst>
+              <a:ext uri="{FF2B5EF4-FFF2-40B4-BE49-F238E27FC236}">
+                <a16:creationId xmlns:a16="http://schemas.microsoft.com/office/drawing/2014/main" id="{A43435BD-A9F5-4C3D-B4A2-2D2E9C68A09D}"/>
+              </a:ext>
+            </a:extLst>
+          </p:cNvPr>
+          <p:cNvGrpSpPr/>
           <p:nvPr/>
-        </p:nvSpPr>
-        <p:spPr>
-          <a:xfrm>
-            <a:off x="568960" y="731520"/>
-            <a:ext cx="11043920" cy="1754326"/>
-          </a:xfrm>
-          <a:prstGeom prst="rect">
-            <a:avLst/>
-          </a:prstGeom>
-          <a:noFill/>
-        </p:spPr>
-        <p:txBody>
-          <a:bodyPr wrap="square" rtlCol="0">
-            <a:spAutoFit/>
-          </a:bodyPr>
-          <a:lstStyle/>
-          <a:p>
-            <a:pPr marL="342900" indent="-342900">
-              <a:buAutoNum type="arabicPeriod"/>
-            </a:pPr>
-            <a:r>
-              <a:rPr lang="zh-CN" altLang="en-US" dirty="0"/>
-              <a:t>喜欢的作者</a:t>
-            </a:r>
-            <a:endParaRPr lang="en-US" altLang="zh-CN" dirty="0"/>
-          </a:p>
-          <a:p>
-            <a:pPr marL="342900" indent="-342900">
-              <a:buAutoNum type="arabicPeriod"/>
-            </a:pPr>
-            <a:r>
-              <a:rPr lang="zh-CN" altLang="en-US" dirty="0"/>
-              <a:t>最新动态</a:t>
-            </a:r>
-            <a:endParaRPr lang="en-US" altLang="zh-CN" dirty="0"/>
-          </a:p>
-          <a:p>
-            <a:pPr marL="342900" indent="-342900">
-              <a:buAutoNum type="arabicPeriod"/>
-            </a:pPr>
-            <a:r>
-              <a:rPr lang="zh-CN" altLang="en-US" dirty="0"/>
-              <a:t>同人创作</a:t>
-            </a:r>
-            <a:endParaRPr lang="en-US" altLang="zh-CN" dirty="0"/>
-          </a:p>
-          <a:p>
-            <a:pPr marL="342900" indent="-342900">
-              <a:buAutoNum type="arabicPeriod"/>
-            </a:pPr>
-            <a:r>
-              <a:rPr lang="zh-CN" altLang="en-US" dirty="0"/>
-              <a:t>成为小叮当</a:t>
-            </a:r>
-            <a:endParaRPr lang="en-US" altLang="zh-CN" dirty="0"/>
-          </a:p>
-          <a:p>
-            <a:pPr marL="342900" indent="-342900">
-              <a:buAutoNum type="arabicPeriod"/>
-            </a:pPr>
-            <a:r>
-              <a:rPr lang="zh-CN" altLang="en-US" dirty="0"/>
-              <a:t>叮当币（分为不同的颜色，不同的颜色代表不同的面值）</a:t>
-            </a:r>
-            <a:endParaRPr lang="en-US" altLang="zh-CN" dirty="0"/>
-          </a:p>
-          <a:p>
-            <a:pPr marL="342900" indent="-342900">
-              <a:buAutoNum type="arabicPeriod"/>
-            </a:pPr>
-            <a:r>
-              <a:rPr lang="zh-CN" altLang="en-US" dirty="0"/>
-              <a:t>最新作品</a:t>
-            </a:r>
-          </a:p>
-        </p:txBody>
-      </p:sp>
-      <p:sp>
-        <p:nvSpPr>
-          <p:cNvPr id="2" name="文本框 1">
-            <a:extLst>
-              <a:ext uri="{FF2B5EF4-FFF2-40B4-BE49-F238E27FC236}">
-                <a16:creationId xmlns:a16="http://schemas.microsoft.com/office/drawing/2014/main" id="{CCCC574B-1C1D-40C8-BC89-DBD952EC6E8D}"/>
-              </a:ext>
-            </a:extLst>
-          </p:cNvPr>
-          <p:cNvSpPr txBox="1"/>
-          <p:nvPr/>
-        </p:nvSpPr>
-        <p:spPr>
-          <a:xfrm>
-            <a:off x="589280" y="3007360"/>
-            <a:ext cx="11054080" cy="1754326"/>
-          </a:xfrm>
-          <a:prstGeom prst="rect">
-            <a:avLst/>
-          </a:prstGeom>
-          <a:noFill/>
-        </p:spPr>
-        <p:txBody>
-          <a:bodyPr wrap="square" rtlCol="0">
-            <a:spAutoFit/>
-          </a:bodyPr>
-          <a:lstStyle/>
-          <a:p>
-            <a:pPr marL="342900" indent="-342900">
-              <a:buAutoNum type="arabicPeriod"/>
-            </a:pPr>
-            <a:r>
-              <a:rPr lang="zh-CN" altLang="en-US" dirty="0"/>
-              <a:t>征集作品</a:t>
-            </a:r>
-            <a:endParaRPr lang="en-US" altLang="zh-CN" dirty="0"/>
-          </a:p>
-          <a:p>
-            <a:pPr marL="342900" indent="-342900">
-              <a:buAutoNum type="arabicPeriod"/>
-            </a:pPr>
-            <a:r>
-              <a:rPr lang="zh-CN" altLang="en-US" dirty="0"/>
-              <a:t>小作文</a:t>
-            </a:r>
-            <a:endParaRPr lang="en-US" altLang="zh-CN" dirty="0"/>
-          </a:p>
-          <a:p>
-            <a:pPr marL="342900" indent="-342900">
-              <a:buAutoNum type="arabicPeriod"/>
-            </a:pPr>
-            <a:r>
-              <a:rPr lang="zh-CN" altLang="en-US" dirty="0"/>
-              <a:t>最感兴趣</a:t>
-            </a:r>
-            <a:r>
-              <a:rPr lang="en-US" altLang="zh-CN" dirty="0"/>
-              <a:t>IP</a:t>
-            </a:r>
-            <a:r>
-              <a:rPr lang="zh-CN" altLang="en-US" dirty="0"/>
-              <a:t>改编（在叮当币中有一种币值可以为喜欢的作品打投，这种币是免费的，为的是让作品有极大的改编权）</a:t>
-            </a:r>
-            <a:endParaRPr lang="en-US" altLang="zh-CN" dirty="0"/>
-          </a:p>
-          <a:p>
-            <a:pPr marL="342900" indent="-342900">
-              <a:buAutoNum type="arabicPeriod"/>
-            </a:pPr>
-            <a:r>
-              <a:rPr lang="zh-CN" altLang="en-US"/>
-              <a:t>热门小叮当（展示热门作品）</a:t>
-            </a:r>
-            <a:endParaRPr lang="en-US" altLang="zh-CN" dirty="0"/>
-          </a:p>
-          <a:p>
-            <a:pPr marL="342900" indent="-342900">
-              <a:buAutoNum type="arabicPeriod"/>
-            </a:pPr>
-            <a:endParaRPr lang="zh-CN" altLang="en-US" dirty="0"/>
-          </a:p>
-        </p:txBody>
-      </p:sp>
+        </p:nvGrpSpPr>
+        <p:grpSpPr>
+          <a:xfrm>
+            <a:off x="3641890" y="0"/>
+            <a:ext cx="8550110" cy="2689594"/>
+            <a:chOff x="1319754" y="647495"/>
+            <a:chExt cx="8550110" cy="2689594"/>
+          </a:xfrm>
+        </p:grpSpPr>
+        <p:sp>
+          <p:nvSpPr>
+            <p:cNvPr id="9" name="矩形 8">
+              <a:extLst>
+                <a:ext uri="{FF2B5EF4-FFF2-40B4-BE49-F238E27FC236}">
+                  <a16:creationId xmlns:a16="http://schemas.microsoft.com/office/drawing/2014/main" id="{A9F8C173-039F-4F49-8B60-ECA12D8112BF}"/>
+                </a:ext>
+              </a:extLst>
+            </p:cNvPr>
+            <p:cNvSpPr/>
+            <p:nvPr/>
+          </p:nvSpPr>
+          <p:spPr>
+            <a:xfrm>
+              <a:off x="4553148" y="647495"/>
+              <a:ext cx="2045616" cy="2689594"/>
+            </a:xfrm>
+            <a:prstGeom prst="rect">
+              <a:avLst/>
+            </a:prstGeom>
+            <a:solidFill>
+              <a:schemeClr val="bg1"/>
+            </a:solidFill>
+          </p:spPr>
+          <p:style>
+            <a:lnRef idx="2">
+              <a:schemeClr val="accent1">
+                <a:shade val="50000"/>
+              </a:schemeClr>
+            </a:lnRef>
+            <a:fillRef idx="1">
+              <a:schemeClr val="accent1"/>
+            </a:fillRef>
+            <a:effectRef idx="0">
+              <a:schemeClr val="accent1"/>
+            </a:effectRef>
+            <a:fontRef idx="minor">
+              <a:schemeClr val="lt1"/>
+            </a:fontRef>
+          </p:style>
+          <p:txBody>
+            <a:bodyPr rtlCol="0" anchor="ctr"/>
+            <a:lstStyle/>
+            <a:p>
+              <a:pPr algn="ctr"/>
+              <a:endParaRPr lang="zh-CN" altLang="en-US"/>
+            </a:p>
+          </p:txBody>
+        </p:sp>
+        <p:sp>
+          <p:nvSpPr>
+            <p:cNvPr id="8" name="矩形 7">
+              <a:extLst>
+                <a:ext uri="{FF2B5EF4-FFF2-40B4-BE49-F238E27FC236}">
+                  <a16:creationId xmlns:a16="http://schemas.microsoft.com/office/drawing/2014/main" id="{2BEAA919-E2A2-4496-87CA-20EB7CAA24DC}"/>
+                </a:ext>
+              </a:extLst>
+            </p:cNvPr>
+            <p:cNvSpPr/>
+            <p:nvPr/>
+          </p:nvSpPr>
+          <p:spPr>
+            <a:xfrm>
+              <a:off x="1319754" y="647495"/>
+              <a:ext cx="2045616" cy="2689594"/>
+            </a:xfrm>
+            <a:prstGeom prst="rect">
+              <a:avLst/>
+            </a:prstGeom>
+            <a:solidFill>
+              <a:schemeClr val="bg1"/>
+            </a:solidFill>
+          </p:spPr>
+          <p:style>
+            <a:lnRef idx="2">
+              <a:schemeClr val="accent1">
+                <a:shade val="50000"/>
+              </a:schemeClr>
+            </a:lnRef>
+            <a:fillRef idx="1">
+              <a:schemeClr val="accent1"/>
+            </a:fillRef>
+            <a:effectRef idx="0">
+              <a:schemeClr val="accent1"/>
+            </a:effectRef>
+            <a:fontRef idx="minor">
+              <a:schemeClr val="lt1"/>
+            </a:fontRef>
+          </p:style>
+          <p:txBody>
+            <a:bodyPr rtlCol="0" anchor="ctr"/>
+            <a:lstStyle/>
+            <a:p>
+              <a:pPr algn="ctr"/>
+              <a:endParaRPr lang="zh-CN" altLang="en-US"/>
+            </a:p>
+          </p:txBody>
+        </p:sp>
+        <p:pic>
+          <p:nvPicPr>
+            <p:cNvPr id="3" name="图片 2">
+              <a:extLst>
+                <a:ext uri="{FF2B5EF4-FFF2-40B4-BE49-F238E27FC236}">
+                  <a16:creationId xmlns:a16="http://schemas.microsoft.com/office/drawing/2014/main" id="{B600EACA-1EB1-4BD7-BA15-73268C17BF1D}"/>
+                </a:ext>
+              </a:extLst>
+            </p:cNvPr>
+            <p:cNvPicPr>
+              <a:picLocks noChangeAspect="1"/>
+            </p:cNvPicPr>
+            <p:nvPr/>
+          </p:nvPicPr>
+          <p:blipFill>
+            <a:blip r:embed="rId2">
+              <a:extLst>
+                <a:ext uri="{28A0092B-C50C-407E-A947-70E740481C1C}">
+                  <a14:useLocalDpi xmlns:a14="http://schemas.microsoft.com/office/drawing/2010/main" val="0"/>
+                </a:ext>
+              </a:extLst>
+            </a:blip>
+            <a:stretch>
+              <a:fillRect/>
+            </a:stretch>
+          </p:blipFill>
+          <p:spPr>
+            <a:xfrm>
+              <a:off x="1319754" y="647495"/>
+              <a:ext cx="2045616" cy="2689594"/>
+            </a:xfrm>
+            <a:prstGeom prst="rect">
+              <a:avLst/>
+            </a:prstGeom>
+          </p:spPr>
+        </p:pic>
+        <p:pic>
+          <p:nvPicPr>
+            <p:cNvPr id="5" name="图片 4">
+              <a:extLst>
+                <a:ext uri="{FF2B5EF4-FFF2-40B4-BE49-F238E27FC236}">
+                  <a16:creationId xmlns:a16="http://schemas.microsoft.com/office/drawing/2014/main" id="{E1638C3E-127F-4104-8A4D-C0546DBDBB0C}"/>
+                </a:ext>
+              </a:extLst>
+            </p:cNvPr>
+            <p:cNvPicPr>
+              <a:picLocks noChangeAspect="1"/>
+            </p:cNvPicPr>
+            <p:nvPr/>
+          </p:nvPicPr>
+          <p:blipFill>
+            <a:blip r:embed="rId3">
+              <a:extLst>
+                <a:ext uri="{28A0092B-C50C-407E-A947-70E740481C1C}">
+                  <a14:useLocalDpi xmlns:a14="http://schemas.microsoft.com/office/drawing/2010/main" val="0"/>
+                </a:ext>
+              </a:extLst>
+            </a:blip>
+            <a:stretch>
+              <a:fillRect/>
+            </a:stretch>
+          </p:blipFill>
+          <p:spPr>
+            <a:xfrm>
+              <a:off x="7795967" y="647495"/>
+              <a:ext cx="2073897" cy="2689594"/>
+            </a:xfrm>
+            <a:prstGeom prst="rect">
+              <a:avLst/>
+            </a:prstGeom>
+          </p:spPr>
+        </p:pic>
+        <p:pic>
+          <p:nvPicPr>
+            <p:cNvPr id="12" name="图片 11">
+              <a:extLst>
+                <a:ext uri="{FF2B5EF4-FFF2-40B4-BE49-F238E27FC236}">
+                  <a16:creationId xmlns:a16="http://schemas.microsoft.com/office/drawing/2014/main" id="{B914824F-23A9-4160-BDC4-C533144C6652}"/>
+                </a:ext>
+              </a:extLst>
+            </p:cNvPr>
+            <p:cNvPicPr>
+              <a:picLocks noChangeAspect="1"/>
+            </p:cNvPicPr>
+            <p:nvPr/>
+          </p:nvPicPr>
+          <p:blipFill>
+            <a:blip r:embed="rId4">
+              <a:extLst>
+                <a:ext uri="{28A0092B-C50C-407E-A947-70E740481C1C}">
+                  <a14:useLocalDpi xmlns:a14="http://schemas.microsoft.com/office/drawing/2010/main" val="0"/>
+                </a:ext>
+              </a:extLst>
+            </a:blip>
+            <a:stretch>
+              <a:fillRect/>
+            </a:stretch>
+          </p:blipFill>
+          <p:spPr>
+            <a:xfrm>
+              <a:off x="4553149" y="647496"/>
+              <a:ext cx="2045616" cy="2686940"/>
+            </a:xfrm>
+            <a:prstGeom prst="rect">
+              <a:avLst/>
+            </a:prstGeom>
+          </p:spPr>
+        </p:pic>
+      </p:grpSp>
     </p:spTree>
     <p:extLst>
       <p:ext uri="{BB962C8B-B14F-4D97-AF65-F5344CB8AC3E}">
-        <p14:creationId xmlns:p14="http://schemas.microsoft.com/office/powerpoint/2010/main" val="3013523280"/>
+        <p14:creationId xmlns:p14="http://schemas.microsoft.com/office/powerpoint/2010/main" val="3443021282"/>
       </p:ext>
     </p:extLst>
   </p:cSld>
@@ -3840,57 +5872,126 @@
       </p:grpSpPr>
       <p:sp>
         <p:nvSpPr>
-          <p:cNvPr id="5" name="矩形 4">
-            <a:extLst>
-              <a:ext uri="{FF2B5EF4-FFF2-40B4-BE49-F238E27FC236}">
-                <a16:creationId xmlns:a16="http://schemas.microsoft.com/office/drawing/2014/main" id="{8609DA43-CCBE-49C7-BC7D-614AAD30CB3A}"/>
-              </a:ext>
-            </a:extLst>
-          </p:cNvPr>
-          <p:cNvSpPr/>
+          <p:cNvPr id="4" name="文本框 3">
+            <a:extLst>
+              <a:ext uri="{FF2B5EF4-FFF2-40B4-BE49-F238E27FC236}">
+                <a16:creationId xmlns:a16="http://schemas.microsoft.com/office/drawing/2014/main" id="{855D0E63-25ED-48DD-B5EE-75BDB849D051}"/>
+              </a:ext>
+            </a:extLst>
+          </p:cNvPr>
+          <p:cNvSpPr txBox="1"/>
           <p:nvPr/>
         </p:nvSpPr>
         <p:spPr>
           <a:xfrm>
-            <a:off x="0" y="0"/>
-            <a:ext cx="12192000" cy="1534160"/>
+            <a:off x="1097280" y="924560"/>
+            <a:ext cx="2824480" cy="2308324"/>
           </a:xfrm>
           <a:prstGeom prst="rect">
             <a:avLst/>
           </a:prstGeom>
           <a:noFill/>
         </p:spPr>
-        <p:style>
-          <a:lnRef idx="2">
-            <a:schemeClr val="accent1">
-              <a:shade val="50000"/>
-            </a:schemeClr>
-          </a:lnRef>
-          <a:fillRef idx="1">
-            <a:schemeClr val="accent1"/>
-          </a:fillRef>
-          <a:effectRef idx="0">
-            <a:schemeClr val="accent1"/>
-          </a:effectRef>
-          <a:fontRef idx="minor">
-            <a:schemeClr val="lt1"/>
-          </a:fontRef>
-        </p:style>
-        <p:txBody>
-          <a:bodyPr rtlCol="0" anchor="ctr"/>
-          <a:lstStyle/>
-          <a:p>
-            <a:pPr algn="ctr"/>
-            <a:endParaRPr lang="zh-CN" altLang="en-US"/>
-          </a:p>
-        </p:txBody>
-      </p:sp>
-      <p:sp>
-        <p:nvSpPr>
-          <p:cNvPr id="6" name="文本框 5">
-            <a:extLst>
-              <a:ext uri="{FF2B5EF4-FFF2-40B4-BE49-F238E27FC236}">
-                <a16:creationId xmlns:a16="http://schemas.microsoft.com/office/drawing/2014/main" id="{C7CF14B8-BF54-4F81-BC6E-B8EC087692DE}"/>
+        <p:txBody>
+          <a:bodyPr wrap="square" rtlCol="0">
+            <a:spAutoFit/>
+          </a:bodyPr>
+          <a:lstStyle/>
+          <a:p>
+            <a:r>
+              <a:rPr lang="en-US" altLang="zh-CN" dirty="0"/>
+              <a:t>1.</a:t>
+            </a:r>
+            <a:r>
+              <a:rPr lang="zh-CN" altLang="en-US" dirty="0"/>
+              <a:t>动漫原创剧本</a:t>
+            </a:r>
+            <a:endParaRPr lang="en-US" altLang="zh-CN" dirty="0"/>
+          </a:p>
+          <a:p>
+            <a:r>
+              <a:rPr lang="en-US" altLang="zh-CN" dirty="0"/>
+              <a:t>2. </a:t>
+            </a:r>
+            <a:r>
+              <a:rPr lang="zh-CN" altLang="en-US" dirty="0"/>
+              <a:t>漫画</a:t>
+            </a:r>
+            <a:endParaRPr lang="en-US" altLang="zh-CN" dirty="0"/>
+          </a:p>
+          <a:p>
+            <a:r>
+              <a:rPr lang="en-US" altLang="zh-CN" dirty="0"/>
+              <a:t>3.</a:t>
+            </a:r>
+            <a:r>
+              <a:rPr lang="zh-CN" altLang="en-US" dirty="0"/>
+              <a:t>个人制作</a:t>
+            </a:r>
+            <a:endParaRPr lang="en-US" altLang="zh-CN" dirty="0"/>
+          </a:p>
+          <a:p>
+            <a:r>
+              <a:rPr lang="en-US" altLang="zh-CN" dirty="0"/>
+              <a:t>4. </a:t>
+            </a:r>
+            <a:r>
+              <a:rPr lang="zh-CN" altLang="en-US" dirty="0"/>
+              <a:t>同人创作（歌曲）</a:t>
+            </a:r>
+            <a:endParaRPr lang="en-US" altLang="zh-CN" dirty="0"/>
+          </a:p>
+          <a:p>
+            <a:r>
+              <a:rPr lang="en-US" altLang="zh-CN" dirty="0"/>
+              <a:t>5.</a:t>
+            </a:r>
+            <a:r>
+              <a:rPr lang="zh-CN" altLang="en-US" dirty="0"/>
+              <a:t> 传统文化作品征集</a:t>
+            </a:r>
+            <a:endParaRPr lang="en-US" altLang="zh-CN" dirty="0"/>
+          </a:p>
+          <a:p>
+            <a:r>
+              <a:rPr lang="en-US" altLang="zh-CN" dirty="0"/>
+              <a:t>6. IP</a:t>
+            </a:r>
+            <a:r>
+              <a:rPr lang="zh-CN" altLang="en-US" dirty="0"/>
+              <a:t>开发</a:t>
+            </a:r>
+            <a:endParaRPr lang="en-US" altLang="zh-CN" dirty="0"/>
+          </a:p>
+          <a:p>
+            <a:r>
+              <a:rPr lang="en-US" altLang="zh-CN" dirty="0"/>
+              <a:t>7. </a:t>
+            </a:r>
+            <a:r>
+              <a:rPr lang="zh-CN" altLang="en-US" dirty="0"/>
+              <a:t>手办周边</a:t>
+            </a:r>
+            <a:endParaRPr lang="en-US" altLang="zh-CN" dirty="0"/>
+          </a:p>
+          <a:p>
+            <a:r>
+              <a:rPr lang="en-US" altLang="zh-CN" dirty="0"/>
+              <a:t>8. </a:t>
+            </a:r>
+            <a:r>
+              <a:rPr lang="zh-CN" altLang="en-US" dirty="0"/>
+              <a:t>作者小屋（线上论坛）</a:t>
+            </a:r>
+          </a:p>
+        </p:txBody>
+      </p:sp>
+      <p:sp>
+        <p:nvSpPr>
+          <p:cNvPr id="5" name="文本框 4">
+            <a:extLst>
+              <a:ext uri="{FF2B5EF4-FFF2-40B4-BE49-F238E27FC236}">
+                <a16:creationId xmlns:a16="http://schemas.microsoft.com/office/drawing/2014/main" id="{22C3E305-9AC6-40CE-91CC-AB98DEAA2F08}"/>
               </a:ext>
             </a:extLst>
           </p:cNvPr>
@@ -3899,8 +6000,8 @@
         </p:nvSpPr>
         <p:spPr>
           <a:xfrm>
-            <a:off x="213360" y="670560"/>
-            <a:ext cx="2336800" cy="369332"/>
+            <a:off x="1259840" y="3891280"/>
+            <a:ext cx="2723823" cy="1754326"/>
           </a:xfrm>
           <a:prstGeom prst="rect">
             <a:avLst/>
@@ -3908,25 +6009,74 @@
           <a:noFill/>
         </p:spPr>
         <p:txBody>
-          <a:bodyPr wrap="square" rtlCol="0">
+          <a:bodyPr wrap="none" rtlCol="0">
             <a:spAutoFit/>
           </a:bodyPr>
           <a:lstStyle/>
           <a:p>
             <a:r>
-              <a:rPr lang="en-US" altLang="zh-CN" dirty="0"/>
-              <a:t>LOGO</a:t>
-            </a:r>
-            <a:endParaRPr lang="zh-CN" altLang="en-US" dirty="0"/>
-          </a:p>
-        </p:txBody>
-      </p:sp>
-      <p:sp>
-        <p:nvSpPr>
-          <p:cNvPr id="2" name="文本框 1">
-            <a:extLst>
-              <a:ext uri="{FF2B5EF4-FFF2-40B4-BE49-F238E27FC236}">
-                <a16:creationId xmlns:a16="http://schemas.microsoft.com/office/drawing/2014/main" id="{F59BE33C-D3FD-4A91-AD35-D6C893FA58D4}"/>
+              <a:rPr lang="zh-CN" altLang="en-US" dirty="0"/>
+              <a:t>目前开放的动漫类型有：</a:t>
+            </a:r>
+            <a:endParaRPr lang="en-US" altLang="zh-CN" dirty="0"/>
+          </a:p>
+          <a:p>
+            <a:pPr marL="342900" indent="-342900">
+              <a:buAutoNum type="arabicPeriod"/>
+            </a:pPr>
+            <a:r>
+              <a:rPr lang="zh-CN" altLang="en-US" dirty="0"/>
+              <a:t>奇幻</a:t>
+            </a:r>
+            <a:endParaRPr lang="en-US" altLang="zh-CN" dirty="0"/>
+          </a:p>
+          <a:p>
+            <a:pPr marL="342900" indent="-342900">
+              <a:buAutoNum type="arabicPeriod"/>
+            </a:pPr>
+            <a:r>
+              <a:rPr lang="zh-CN" altLang="en-US" dirty="0"/>
+              <a:t>悬疑</a:t>
+            </a:r>
+            <a:endParaRPr lang="en-US" altLang="zh-CN" dirty="0"/>
+          </a:p>
+          <a:p>
+            <a:pPr marL="342900" indent="-342900">
+              <a:buAutoNum type="arabicPeriod"/>
+            </a:pPr>
+            <a:r>
+              <a:rPr lang="zh-CN" altLang="en-US" dirty="0"/>
+              <a:t>热血</a:t>
+            </a:r>
+            <a:endParaRPr lang="en-US" altLang="zh-CN" dirty="0"/>
+          </a:p>
+          <a:p>
+            <a:pPr marL="342900" indent="-342900">
+              <a:buAutoNum type="arabicPeriod"/>
+            </a:pPr>
+            <a:r>
+              <a:rPr lang="zh-CN" altLang="en-US" dirty="0"/>
+              <a:t>日常</a:t>
+            </a:r>
+            <a:endParaRPr lang="en-US" altLang="zh-CN" dirty="0"/>
+          </a:p>
+          <a:p>
+            <a:pPr marL="342900" indent="-342900">
+              <a:buAutoNum type="arabicPeriod"/>
+            </a:pPr>
+            <a:r>
+              <a:rPr lang="zh-CN" altLang="en-US" dirty="0"/>
+              <a:t>搞笑</a:t>
+            </a:r>
+          </a:p>
+        </p:txBody>
+      </p:sp>
+      <p:sp>
+        <p:nvSpPr>
+          <p:cNvPr id="6" name="文本框 5">
+            <a:extLst>
+              <a:ext uri="{FF2B5EF4-FFF2-40B4-BE49-F238E27FC236}">
+                <a16:creationId xmlns:a16="http://schemas.microsoft.com/office/drawing/2014/main" id="{9B1906ED-0D06-43BE-983D-5A8FFA532E2B}"/>
               </a:ext>
             </a:extLst>
           </p:cNvPr>
@@ -3935,8 +6085,8 @@
         </p:nvSpPr>
         <p:spPr>
           <a:xfrm>
-            <a:off x="1178560" y="670560"/>
-            <a:ext cx="9042400" cy="369332"/>
+            <a:off x="6329680" y="843280"/>
+            <a:ext cx="4206240" cy="923330"/>
           </a:xfrm>
           <a:prstGeom prst="rect">
             <a:avLst/>
@@ -3951,37 +6101,17 @@
           <a:p>
             <a:r>
               <a:rPr lang="zh-CN" altLang="en-US" dirty="0"/>
-              <a:t>     </a:t>
-            </a:r>
-            <a:r>
-              <a:rPr lang="zh-CN" altLang="en-US" dirty="0">
-                <a:solidFill>
-                  <a:srgbClr val="FF0000"/>
-                </a:solidFill>
-              </a:rPr>
-              <a:t>首页</a:t>
-            </a:r>
-            <a:r>
-              <a:rPr lang="zh-CN" altLang="en-US" dirty="0"/>
-              <a:t>    动漫剧本     漫画     个人动漫     同人创作     </a:t>
-            </a:r>
-            <a:r>
-              <a:rPr lang="en-US" altLang="zh-CN" dirty="0"/>
-              <a:t>IP</a:t>
-            </a:r>
-            <a:r>
-              <a:rPr lang="zh-CN" altLang="en-US" dirty="0"/>
-              <a:t>开发     手办周边     作者小屋</a:t>
-            </a:r>
-          </a:p>
-        </p:txBody>
-      </p:sp>
-      <p:sp>
-        <p:nvSpPr>
-          <p:cNvPr id="3" name="文本框 2">
-            <a:extLst>
-              <a:ext uri="{FF2B5EF4-FFF2-40B4-BE49-F238E27FC236}">
-                <a16:creationId xmlns:a16="http://schemas.microsoft.com/office/drawing/2014/main" id="{A72EEFD8-11DC-4138-ACD8-3013840208EF}"/>
+              <a:t>二次元就作好二次元的事情就好，不做三次元，也不做游戏授权，梦想让每一部作品都是一部作品</a:t>
+            </a:r>
+          </a:p>
+        </p:txBody>
+      </p:sp>
+      <p:sp>
+        <p:nvSpPr>
+          <p:cNvPr id="2" name="文本框 1">
+            <a:extLst>
+              <a:ext uri="{FF2B5EF4-FFF2-40B4-BE49-F238E27FC236}">
+                <a16:creationId xmlns:a16="http://schemas.microsoft.com/office/drawing/2014/main" id="{3F5C2F39-A23C-43F1-9ABA-2CE06652A1E0}"/>
               </a:ext>
             </a:extLst>
           </p:cNvPr>
@@ -3990,8 +6120,8 @@
         </p:nvSpPr>
         <p:spPr>
           <a:xfrm>
-            <a:off x="10444480" y="684292"/>
-            <a:ext cx="1666240" cy="369332"/>
+            <a:off x="6451600" y="2458720"/>
+            <a:ext cx="4399280" cy="923330"/>
           </a:xfrm>
           <a:prstGeom prst="rect">
             <a:avLst/>
@@ -4006,304 +6136,31 @@
           <a:p>
             <a:r>
               <a:rPr lang="zh-CN" altLang="en-US" dirty="0"/>
-              <a:t>登录  </a:t>
+              <a:t>拒绝融梗等一系列抄袭事件</a:t>
+            </a:r>
+            <a:endParaRPr lang="en-US" altLang="zh-CN" dirty="0"/>
+          </a:p>
+          <a:p>
+            <a:r>
+              <a:rPr lang="zh-CN" altLang="en-US" dirty="0"/>
+              <a:t>创意主题周：个人设计的</a:t>
             </a:r>
             <a:r>
               <a:rPr lang="en-US" altLang="zh-CN" dirty="0"/>
-              <a:t>|  </a:t>
-            </a:r>
-            <a:r>
-              <a:rPr lang="zh-CN" altLang="en-US" dirty="0"/>
-              <a:t>注册</a:t>
-            </a:r>
-          </a:p>
-        </p:txBody>
-      </p:sp>
-      <p:sp>
-        <p:nvSpPr>
-          <p:cNvPr id="4" name="矩形 3">
-            <a:extLst>
-              <a:ext uri="{FF2B5EF4-FFF2-40B4-BE49-F238E27FC236}">
-                <a16:creationId xmlns:a16="http://schemas.microsoft.com/office/drawing/2014/main" id="{FC512DBC-4383-48F4-B90D-076ED137A4FC}"/>
-              </a:ext>
-            </a:extLst>
-          </p:cNvPr>
-          <p:cNvSpPr/>
-          <p:nvPr/>
-        </p:nvSpPr>
-        <p:spPr>
-          <a:xfrm>
-            <a:off x="0" y="1534160"/>
-            <a:ext cx="12192000" cy="5323840"/>
-          </a:xfrm>
-          <a:prstGeom prst="rect">
-            <a:avLst/>
-          </a:prstGeom>
-          <a:noFill/>
-        </p:spPr>
-        <p:style>
-          <a:lnRef idx="2">
-            <a:schemeClr val="accent1">
-              <a:shade val="50000"/>
-            </a:schemeClr>
-          </a:lnRef>
-          <a:fillRef idx="1">
-            <a:schemeClr val="accent1"/>
-          </a:fillRef>
-          <a:effectRef idx="0">
-            <a:schemeClr val="accent1"/>
-          </a:effectRef>
-          <a:fontRef idx="minor">
-            <a:schemeClr val="lt1"/>
-          </a:fontRef>
-        </p:style>
-        <p:txBody>
-          <a:bodyPr rtlCol="0" anchor="ctr"/>
-          <a:lstStyle/>
-          <a:p>
-            <a:pPr algn="ctr"/>
-            <a:endParaRPr lang="zh-CN" altLang="en-US"/>
-          </a:p>
-        </p:txBody>
-      </p:sp>
-      <p:sp>
-        <p:nvSpPr>
-          <p:cNvPr id="7" name="矩形 6">
-            <a:extLst>
-              <a:ext uri="{FF2B5EF4-FFF2-40B4-BE49-F238E27FC236}">
-                <a16:creationId xmlns:a16="http://schemas.microsoft.com/office/drawing/2014/main" id="{5981B907-1088-45B6-B46F-21D2A890330A}"/>
-              </a:ext>
-            </a:extLst>
-          </p:cNvPr>
-          <p:cNvSpPr/>
-          <p:nvPr/>
-        </p:nvSpPr>
-        <p:spPr>
-          <a:xfrm>
-            <a:off x="0" y="1520428"/>
-            <a:ext cx="1828800" cy="5323840"/>
-          </a:xfrm>
-          <a:prstGeom prst="rect">
-            <a:avLst/>
-          </a:prstGeom>
-        </p:spPr>
-        <p:style>
-          <a:lnRef idx="2">
-            <a:schemeClr val="accent1">
-              <a:shade val="50000"/>
-            </a:schemeClr>
-          </a:lnRef>
-          <a:fillRef idx="1">
-            <a:schemeClr val="accent1"/>
-          </a:fillRef>
-          <a:effectRef idx="0">
-            <a:schemeClr val="accent1"/>
-          </a:effectRef>
-          <a:fontRef idx="minor">
-            <a:schemeClr val="lt1"/>
-          </a:fontRef>
-        </p:style>
-        <p:txBody>
-          <a:bodyPr rtlCol="0" anchor="ctr"/>
-          <a:lstStyle/>
-          <a:p>
-            <a:pPr marL="342900" indent="-342900">
-              <a:buAutoNum type="arabicPeriod"/>
-            </a:pPr>
-            <a:r>
-              <a:rPr lang="zh-CN" altLang="en-US" dirty="0"/>
-              <a:t>喜欢的作者</a:t>
-            </a:r>
-            <a:endParaRPr lang="en-US" altLang="zh-CN" dirty="0"/>
-          </a:p>
-          <a:p>
-            <a:pPr marL="342900" indent="-342900">
-              <a:buAutoNum type="arabicPeriod"/>
-            </a:pPr>
-            <a:r>
-              <a:rPr lang="zh-CN" altLang="en-US" dirty="0"/>
-              <a:t>最新动态</a:t>
-            </a:r>
-            <a:endParaRPr lang="en-US" altLang="zh-CN" dirty="0"/>
-          </a:p>
-          <a:p>
-            <a:pPr marL="342900" indent="-342900">
-              <a:buAutoNum type="arabicPeriod"/>
-            </a:pPr>
-            <a:r>
-              <a:rPr lang="zh-CN" altLang="en-US" dirty="0"/>
-              <a:t>同人创作</a:t>
-            </a:r>
-            <a:endParaRPr lang="en-US" altLang="zh-CN" dirty="0"/>
-          </a:p>
-          <a:p>
-            <a:pPr marL="342900" indent="-342900">
-              <a:buAutoNum type="arabicPeriod"/>
-            </a:pPr>
-            <a:r>
-              <a:rPr lang="zh-CN" altLang="en-US" dirty="0"/>
-              <a:t>成为小叮当</a:t>
-            </a:r>
-            <a:endParaRPr lang="en-US" altLang="zh-CN" dirty="0"/>
-          </a:p>
-          <a:p>
-            <a:pPr marL="342900" indent="-342900">
-              <a:buAutoNum type="arabicPeriod"/>
-            </a:pPr>
-            <a:r>
-              <a:rPr lang="zh-CN" altLang="en-US" dirty="0"/>
-              <a:t>叮当币</a:t>
-            </a:r>
-          </a:p>
-          <a:p>
-            <a:pPr algn="ctr"/>
+              <a:t>UI</a:t>
+            </a:r>
+            <a:r>
+              <a:rPr lang="zh-CN" altLang="en-US"/>
+              <a:t>作品会入选为主站的版面</a:t>
+            </a:r>
             <a:endParaRPr lang="zh-CN" altLang="en-US" dirty="0"/>
-          </a:p>
-        </p:txBody>
-      </p:sp>
-      <p:sp>
-        <p:nvSpPr>
-          <p:cNvPr id="8" name="矩形 7">
-            <a:extLst>
-              <a:ext uri="{FF2B5EF4-FFF2-40B4-BE49-F238E27FC236}">
-                <a16:creationId xmlns:a16="http://schemas.microsoft.com/office/drawing/2014/main" id="{C5DC0543-FE18-497D-A436-162E5287E078}"/>
-              </a:ext>
-            </a:extLst>
-          </p:cNvPr>
-          <p:cNvSpPr/>
-          <p:nvPr/>
-        </p:nvSpPr>
-        <p:spPr>
-          <a:xfrm>
-            <a:off x="10363200" y="1527294"/>
-            <a:ext cx="1828800" cy="5323840"/>
-          </a:xfrm>
-          <a:prstGeom prst="rect">
-            <a:avLst/>
-          </a:prstGeom>
-        </p:spPr>
-        <p:style>
-          <a:lnRef idx="2">
-            <a:schemeClr val="accent1">
-              <a:shade val="50000"/>
-            </a:schemeClr>
-          </a:lnRef>
-          <a:fillRef idx="1">
-            <a:schemeClr val="accent1"/>
-          </a:fillRef>
-          <a:effectRef idx="0">
-            <a:schemeClr val="accent1"/>
-          </a:effectRef>
-          <a:fontRef idx="minor">
-            <a:schemeClr val="lt1"/>
-          </a:fontRef>
-        </p:style>
-        <p:txBody>
-          <a:bodyPr rtlCol="0" anchor="ctr"/>
-          <a:lstStyle/>
-          <a:p>
-            <a:pPr algn="ctr"/>
-            <a:endParaRPr lang="zh-CN" altLang="en-US"/>
-          </a:p>
-        </p:txBody>
-      </p:sp>
-      <p:sp>
-        <p:nvSpPr>
-          <p:cNvPr id="9" name="矩形 8">
-            <a:extLst>
-              <a:ext uri="{FF2B5EF4-FFF2-40B4-BE49-F238E27FC236}">
-                <a16:creationId xmlns:a16="http://schemas.microsoft.com/office/drawing/2014/main" id="{23BBCC0E-DF8F-4918-94FC-8FD9866AB6E7}"/>
-              </a:ext>
-            </a:extLst>
-          </p:cNvPr>
-          <p:cNvSpPr/>
-          <p:nvPr/>
-        </p:nvSpPr>
-        <p:spPr>
-          <a:xfrm>
-            <a:off x="1828800" y="1520428"/>
-            <a:ext cx="8534400" cy="5323840"/>
-          </a:xfrm>
-          <a:prstGeom prst="rect">
-            <a:avLst/>
-          </a:prstGeom>
-          <a:solidFill>
-            <a:schemeClr val="accent2">
-              <a:lumMod val="60000"/>
-              <a:lumOff val="40000"/>
-            </a:schemeClr>
-          </a:solidFill>
-        </p:spPr>
-        <p:style>
-          <a:lnRef idx="2">
-            <a:schemeClr val="accent1">
-              <a:shade val="50000"/>
-            </a:schemeClr>
-          </a:lnRef>
-          <a:fillRef idx="1">
-            <a:schemeClr val="accent1"/>
-          </a:fillRef>
-          <a:effectRef idx="0">
-            <a:schemeClr val="accent1"/>
-          </a:effectRef>
-          <a:fontRef idx="minor">
-            <a:schemeClr val="lt1"/>
-          </a:fontRef>
-        </p:style>
-        <p:txBody>
-          <a:bodyPr rtlCol="0" anchor="ctr"/>
-          <a:lstStyle/>
-          <a:p>
-            <a:pPr algn="ctr"/>
-            <a:endParaRPr lang="zh-CN" altLang="en-US"/>
-          </a:p>
-        </p:txBody>
-      </p:sp>
-      <p:sp>
-        <p:nvSpPr>
-          <p:cNvPr id="10" name="文本框 9">
-            <a:extLst>
-              <a:ext uri="{FF2B5EF4-FFF2-40B4-BE49-F238E27FC236}">
-                <a16:creationId xmlns:a16="http://schemas.microsoft.com/office/drawing/2014/main" id="{7F6CB065-0E65-4CE3-95EA-A6FF26EE1B8E}"/>
-              </a:ext>
-            </a:extLst>
-          </p:cNvPr>
-          <p:cNvSpPr txBox="1"/>
-          <p:nvPr/>
-        </p:nvSpPr>
-        <p:spPr>
-          <a:xfrm>
-            <a:off x="5212080" y="3708400"/>
-            <a:ext cx="1595120" cy="646331"/>
-          </a:xfrm>
-          <a:prstGeom prst="rect">
-            <a:avLst/>
-          </a:prstGeom>
-          <a:noFill/>
-        </p:spPr>
-        <p:txBody>
-          <a:bodyPr wrap="square" rtlCol="0">
-            <a:spAutoFit/>
-          </a:bodyPr>
-          <a:lstStyle/>
-          <a:p>
-            <a:r>
-              <a:rPr lang="zh-CN" altLang="en-US" sz="3600" dirty="0">
-                <a:solidFill>
-                  <a:schemeClr val="accent2">
-                    <a:lumMod val="75000"/>
-                  </a:schemeClr>
-                </a:solidFill>
-              </a:rPr>
-              <a:t>轮播图</a:t>
-            </a:r>
           </a:p>
         </p:txBody>
       </p:sp>
     </p:spTree>
     <p:extLst>
       <p:ext uri="{BB962C8B-B14F-4D97-AF65-F5344CB8AC3E}">
-        <p14:creationId xmlns:p14="http://schemas.microsoft.com/office/powerpoint/2010/main" val="715890650"/>
+        <p14:creationId xmlns:p14="http://schemas.microsoft.com/office/powerpoint/2010/main" val="1836701395"/>
       </p:ext>
     </p:extLst>
   </p:cSld>
@@ -4332,178 +6189,42 @@
       </p:grpSpPr>
       <p:sp>
         <p:nvSpPr>
-          <p:cNvPr id="13" name="矩形 12">
-            <a:extLst>
-              <a:ext uri="{FF2B5EF4-FFF2-40B4-BE49-F238E27FC236}">
-                <a16:creationId xmlns:a16="http://schemas.microsoft.com/office/drawing/2014/main" id="{323FE8D6-93A6-4929-869B-10BAA8DF2C95}"/>
-              </a:ext>
-            </a:extLst>
-          </p:cNvPr>
-          <p:cNvSpPr/>
+          <p:cNvPr id="2" name="文本框 1">
+            <a:extLst>
+              <a:ext uri="{FF2B5EF4-FFF2-40B4-BE49-F238E27FC236}">
+                <a16:creationId xmlns:a16="http://schemas.microsoft.com/office/drawing/2014/main" id="{35A972FE-31A7-47EA-826F-E2C3D681997C}"/>
+              </a:ext>
+            </a:extLst>
+          </p:cNvPr>
+          <p:cNvSpPr txBox="1"/>
           <p:nvPr/>
         </p:nvSpPr>
         <p:spPr>
           <a:xfrm>
-            <a:off x="0" y="0"/>
-            <a:ext cx="12192000" cy="6858000"/>
+            <a:off x="914400" y="934720"/>
+            <a:ext cx="9648795" cy="646331"/>
           </a:xfrm>
           <a:prstGeom prst="rect">
             <a:avLst/>
           </a:prstGeom>
           <a:noFill/>
         </p:spPr>
-        <p:style>
-          <a:lnRef idx="2">
-            <a:schemeClr val="accent1">
-              <a:shade val="50000"/>
-            </a:schemeClr>
-          </a:lnRef>
-          <a:fillRef idx="1">
-            <a:schemeClr val="accent1"/>
-          </a:fillRef>
-          <a:effectRef idx="0">
-            <a:schemeClr val="accent1"/>
-          </a:effectRef>
-          <a:fontRef idx="minor">
-            <a:schemeClr val="lt1"/>
-          </a:fontRef>
-        </p:style>
-        <p:txBody>
-          <a:bodyPr rtlCol="0" anchor="ctr"/>
-          <a:lstStyle/>
-          <a:p>
-            <a:pPr algn="ctr"/>
-            <a:endParaRPr lang="zh-CN" altLang="en-US"/>
-          </a:p>
-        </p:txBody>
-      </p:sp>
-      <p:sp>
-        <p:nvSpPr>
-          <p:cNvPr id="2" name="文本框 1">
-            <a:extLst>
-              <a:ext uri="{FF2B5EF4-FFF2-40B4-BE49-F238E27FC236}">
-                <a16:creationId xmlns:a16="http://schemas.microsoft.com/office/drawing/2014/main" id="{6AF928D9-F73B-4B32-BD1E-8CB0BF63B270}"/>
-              </a:ext>
-            </a:extLst>
-          </p:cNvPr>
-          <p:cNvSpPr txBox="1"/>
-          <p:nvPr/>
-        </p:nvSpPr>
-        <p:spPr>
-          <a:xfrm>
-            <a:off x="629920" y="762000"/>
-            <a:ext cx="3916457" cy="1754326"/>
-          </a:xfrm>
-          <a:prstGeom prst="rect">
-            <a:avLst/>
-          </a:prstGeom>
-          <a:noFill/>
-        </p:spPr>
         <p:txBody>
           <a:bodyPr wrap="none" rtlCol="0">
             <a:spAutoFit/>
           </a:bodyPr>
           <a:lstStyle/>
           <a:p>
-            <a:pPr marL="342900" indent="-342900">
-              <a:buAutoNum type="arabicPeriod"/>
-            </a:pPr>
             <a:r>
               <a:rPr lang="zh-CN" altLang="en-US" dirty="0"/>
-              <a:t>动漫剧本</a:t>
+              <a:t>动漫原创剧本：可以做不同形式的转换，例如漫画制作，动漫制作，广播剧制作，有声小说等</a:t>
             </a:r>
             <a:endParaRPr lang="en-US" altLang="zh-CN" dirty="0"/>
           </a:p>
           <a:p>
-            <a:pPr marL="342900" indent="-342900">
-              <a:buAutoNum type="arabicPeriod"/>
-            </a:pPr>
             <a:r>
               <a:rPr lang="zh-CN" altLang="en-US" dirty="0"/>
-              <a:t>漫画</a:t>
-            </a:r>
-            <a:endParaRPr lang="en-US" altLang="zh-CN" dirty="0"/>
-          </a:p>
-          <a:p>
-            <a:pPr marL="342900" indent="-342900">
-              <a:buAutoNum type="arabicPeriod"/>
-            </a:pPr>
-            <a:r>
-              <a:rPr lang="zh-CN" altLang="en-US" dirty="0"/>
-              <a:t>协同制作（个人制作</a:t>
-            </a:r>
-            <a:r>
-              <a:rPr lang="en-US" altLang="zh-CN" dirty="0"/>
-              <a:t>+</a:t>
-            </a:r>
-            <a:r>
-              <a:rPr lang="zh-CN" altLang="en-US" dirty="0"/>
-              <a:t>同人创作）</a:t>
-            </a:r>
-            <a:endParaRPr lang="en-US" altLang="zh-CN" dirty="0"/>
-          </a:p>
-          <a:p>
-            <a:pPr marL="342900" indent="-342900">
-              <a:buAutoNum type="arabicPeriod"/>
-            </a:pPr>
-            <a:r>
-              <a:rPr lang="zh-CN" altLang="en-US" dirty="0"/>
-              <a:t>最佳改编</a:t>
-            </a:r>
-            <a:endParaRPr lang="en-US" altLang="zh-CN" dirty="0"/>
-          </a:p>
-          <a:p>
-            <a:pPr marL="342900" indent="-342900">
-              <a:buAutoNum type="arabicPeriod"/>
-            </a:pPr>
-            <a:r>
-              <a:rPr lang="zh-CN" altLang="en-US" dirty="0"/>
-              <a:t>同人歌曲</a:t>
-            </a:r>
-            <a:endParaRPr lang="en-US" altLang="zh-CN" dirty="0"/>
-          </a:p>
-          <a:p>
-            <a:pPr marL="342900" indent="-342900">
-              <a:buAutoNum type="arabicPeriod"/>
-            </a:pPr>
-            <a:r>
-              <a:rPr lang="zh-CN" altLang="en-US" dirty="0"/>
-              <a:t>卡片个性制作</a:t>
-            </a:r>
-          </a:p>
-        </p:txBody>
-      </p:sp>
-      <p:sp>
-        <p:nvSpPr>
-          <p:cNvPr id="3" name="文本框 2">
-            <a:extLst>
-              <a:ext uri="{FF2B5EF4-FFF2-40B4-BE49-F238E27FC236}">
-                <a16:creationId xmlns:a16="http://schemas.microsoft.com/office/drawing/2014/main" id="{CA4522FA-F16F-4A8B-95CD-8ABB59E6E326}"/>
-              </a:ext>
-            </a:extLst>
-          </p:cNvPr>
-          <p:cNvSpPr txBox="1"/>
-          <p:nvPr/>
-        </p:nvSpPr>
-        <p:spPr>
-          <a:xfrm>
-            <a:off x="934720" y="274320"/>
-            <a:ext cx="646331" cy="369332"/>
-          </a:xfrm>
-          <a:prstGeom prst="rect">
-            <a:avLst/>
-          </a:prstGeom>
-          <a:noFill/>
-        </p:spPr>
-        <p:txBody>
-          <a:bodyPr wrap="none" rtlCol="0">
-            <a:spAutoFit/>
-          </a:bodyPr>
-          <a:lstStyle/>
-          <a:p>
-            <a:r>
-              <a:rPr lang="zh-CN" altLang="en-US" dirty="0"/>
-              <a:t>首页</a:t>
+              <a:t>漫画：与动漫和剧本进行转换，</a:t>
             </a:r>
           </a:p>
         </p:txBody>
@@ -4511,7 +6232,7 @@
     </p:spTree>
     <p:extLst>
       <p:ext uri="{BB962C8B-B14F-4D97-AF65-F5344CB8AC3E}">
-        <p14:creationId xmlns:p14="http://schemas.microsoft.com/office/powerpoint/2010/main" val="1158829063"/>
+        <p14:creationId xmlns:p14="http://schemas.microsoft.com/office/powerpoint/2010/main" val="486204378"/>
       </p:ext>
     </p:extLst>
   </p:cSld>
@@ -4540,759 +6261,179 @@
       </p:grpSpPr>
       <p:sp>
         <p:nvSpPr>
-          <p:cNvPr id="13" name="矩形 12">
-            <a:extLst>
-              <a:ext uri="{FF2B5EF4-FFF2-40B4-BE49-F238E27FC236}">
-                <a16:creationId xmlns:a16="http://schemas.microsoft.com/office/drawing/2014/main" id="{323FE8D6-93A6-4929-869B-10BAA8DF2C95}"/>
-              </a:ext>
-            </a:extLst>
-          </p:cNvPr>
-          <p:cNvSpPr/>
+          <p:cNvPr id="4" name="文本框 3">
+            <a:extLst>
+              <a:ext uri="{FF2B5EF4-FFF2-40B4-BE49-F238E27FC236}">
+                <a16:creationId xmlns:a16="http://schemas.microsoft.com/office/drawing/2014/main" id="{EF39D725-C774-450F-92F5-D90F331E53F5}"/>
+              </a:ext>
+            </a:extLst>
+          </p:cNvPr>
+          <p:cNvSpPr txBox="1"/>
           <p:nvPr/>
         </p:nvSpPr>
         <p:spPr>
           <a:xfrm>
-            <a:off x="0" y="0"/>
-            <a:ext cx="12192000" cy="6858000"/>
+            <a:off x="568960" y="731520"/>
+            <a:ext cx="11043920" cy="1754326"/>
           </a:xfrm>
           <a:prstGeom prst="rect">
             <a:avLst/>
           </a:prstGeom>
           <a:noFill/>
         </p:spPr>
-        <p:style>
-          <a:lnRef idx="2">
-            <a:schemeClr val="accent1">
-              <a:shade val="50000"/>
-            </a:schemeClr>
-          </a:lnRef>
-          <a:fillRef idx="1">
-            <a:schemeClr val="accent1"/>
-          </a:fillRef>
-          <a:effectRef idx="0">
-            <a:schemeClr val="accent1"/>
-          </a:effectRef>
-          <a:fontRef idx="minor">
-            <a:schemeClr val="lt1"/>
-          </a:fontRef>
-        </p:style>
-        <p:txBody>
-          <a:bodyPr rtlCol="0" anchor="ctr"/>
-          <a:lstStyle/>
-          <a:p>
-            <a:pPr algn="ctr"/>
-            <a:endParaRPr lang="zh-CN" altLang="en-US"/>
-          </a:p>
-        </p:txBody>
-      </p:sp>
-      <p:sp>
-        <p:nvSpPr>
-          <p:cNvPr id="5" name="矩形 4">
-            <a:extLst>
-              <a:ext uri="{FF2B5EF4-FFF2-40B4-BE49-F238E27FC236}">
-                <a16:creationId xmlns:a16="http://schemas.microsoft.com/office/drawing/2014/main" id="{62DD8129-3496-4D2D-ABFB-49A68F24A45A}"/>
-              </a:ext>
-            </a:extLst>
-          </p:cNvPr>
-          <p:cNvSpPr/>
+        <p:txBody>
+          <a:bodyPr wrap="square" rtlCol="0">
+            <a:spAutoFit/>
+          </a:bodyPr>
+          <a:lstStyle/>
+          <a:p>
+            <a:pPr marL="342900" indent="-342900">
+              <a:buAutoNum type="arabicPeriod"/>
+            </a:pPr>
+            <a:r>
+              <a:rPr lang="zh-CN" altLang="en-US" dirty="0"/>
+              <a:t>喜欢的作者</a:t>
+            </a:r>
+            <a:endParaRPr lang="en-US" altLang="zh-CN" dirty="0"/>
+          </a:p>
+          <a:p>
+            <a:pPr marL="342900" indent="-342900">
+              <a:buAutoNum type="arabicPeriod"/>
+            </a:pPr>
+            <a:r>
+              <a:rPr lang="zh-CN" altLang="en-US" dirty="0"/>
+              <a:t>最新动态</a:t>
+            </a:r>
+            <a:endParaRPr lang="en-US" altLang="zh-CN" dirty="0"/>
+          </a:p>
+          <a:p>
+            <a:pPr marL="342900" indent="-342900">
+              <a:buAutoNum type="arabicPeriod"/>
+            </a:pPr>
+            <a:r>
+              <a:rPr lang="zh-CN" altLang="en-US" dirty="0"/>
+              <a:t>同人创作</a:t>
+            </a:r>
+            <a:endParaRPr lang="en-US" altLang="zh-CN" dirty="0"/>
+          </a:p>
+          <a:p>
+            <a:pPr marL="342900" indent="-342900">
+              <a:buAutoNum type="arabicPeriod"/>
+            </a:pPr>
+            <a:r>
+              <a:rPr lang="zh-CN" altLang="en-US" dirty="0"/>
+              <a:t>成为小叮当</a:t>
+            </a:r>
+            <a:endParaRPr lang="en-US" altLang="zh-CN" dirty="0"/>
+          </a:p>
+          <a:p>
+            <a:pPr marL="342900" indent="-342900">
+              <a:buAutoNum type="arabicPeriod"/>
+            </a:pPr>
+            <a:r>
+              <a:rPr lang="zh-CN" altLang="en-US" dirty="0"/>
+              <a:t>叮当币（分为不同的颜色，不同的颜色代表不同的面值）</a:t>
+            </a:r>
+            <a:endParaRPr lang="en-US" altLang="zh-CN" dirty="0"/>
+          </a:p>
+          <a:p>
+            <a:pPr marL="342900" indent="-342900">
+              <a:buAutoNum type="arabicPeriod"/>
+            </a:pPr>
+            <a:r>
+              <a:rPr lang="zh-CN" altLang="en-US" dirty="0"/>
+              <a:t>最新作品</a:t>
+            </a:r>
+          </a:p>
+        </p:txBody>
+      </p:sp>
+      <p:sp>
+        <p:nvSpPr>
+          <p:cNvPr id="2" name="文本框 1">
+            <a:extLst>
+              <a:ext uri="{FF2B5EF4-FFF2-40B4-BE49-F238E27FC236}">
+                <a16:creationId xmlns:a16="http://schemas.microsoft.com/office/drawing/2014/main" id="{CCCC574B-1C1D-40C8-BC89-DBD952EC6E8D}"/>
+              </a:ext>
+            </a:extLst>
+          </p:cNvPr>
+          <p:cNvSpPr txBox="1"/>
           <p:nvPr/>
         </p:nvSpPr>
         <p:spPr>
           <a:xfrm>
-            <a:off x="0" y="0"/>
-            <a:ext cx="12192000" cy="2489200"/>
+            <a:off x="589280" y="3007360"/>
+            <a:ext cx="11054080" cy="1754326"/>
           </a:xfrm>
           <a:prstGeom prst="rect">
             <a:avLst/>
           </a:prstGeom>
           <a:noFill/>
         </p:spPr>
-        <p:style>
-          <a:lnRef idx="2">
-            <a:schemeClr val="accent1">
-              <a:shade val="50000"/>
-            </a:schemeClr>
-          </a:lnRef>
-          <a:fillRef idx="1">
-            <a:schemeClr val="accent1"/>
-          </a:fillRef>
-          <a:effectRef idx="0">
-            <a:schemeClr val="accent1"/>
-          </a:effectRef>
-          <a:fontRef idx="minor">
-            <a:schemeClr val="lt1"/>
-          </a:fontRef>
-        </p:style>
-        <p:txBody>
-          <a:bodyPr rtlCol="0" anchor="ctr"/>
-          <a:lstStyle/>
-          <a:p>
-            <a:pPr algn="ctr"/>
-            <a:endParaRPr lang="zh-CN" altLang="en-US"/>
-          </a:p>
-        </p:txBody>
-      </p:sp>
-      <p:sp>
-        <p:nvSpPr>
-          <p:cNvPr id="6" name="矩形 5">
-            <a:extLst>
-              <a:ext uri="{FF2B5EF4-FFF2-40B4-BE49-F238E27FC236}">
-                <a16:creationId xmlns:a16="http://schemas.microsoft.com/office/drawing/2014/main" id="{02AC5E13-F484-422B-A390-6F3216241322}"/>
-              </a:ext>
-            </a:extLst>
-          </p:cNvPr>
-          <p:cNvSpPr/>
-          <p:nvPr/>
-        </p:nvSpPr>
-        <p:spPr>
-          <a:xfrm>
-            <a:off x="121920" y="0"/>
-            <a:ext cx="2895600" cy="2489200"/>
-          </a:xfrm>
-          <a:prstGeom prst="rect">
-            <a:avLst/>
-          </a:prstGeom>
-          <a:noFill/>
-        </p:spPr>
-        <p:style>
-          <a:lnRef idx="2">
-            <a:schemeClr val="accent1">
-              <a:shade val="50000"/>
-            </a:schemeClr>
-          </a:lnRef>
-          <a:fillRef idx="1">
-            <a:schemeClr val="accent1"/>
-          </a:fillRef>
-          <a:effectRef idx="0">
-            <a:schemeClr val="accent1"/>
-          </a:effectRef>
-          <a:fontRef idx="minor">
-            <a:schemeClr val="lt1"/>
-          </a:fontRef>
-        </p:style>
-        <p:txBody>
-          <a:bodyPr rtlCol="0" anchor="ctr"/>
-          <a:lstStyle/>
-          <a:p>
-            <a:pPr algn="ctr"/>
-            <a:endParaRPr lang="zh-CN" altLang="en-US" dirty="0"/>
-          </a:p>
-        </p:txBody>
-      </p:sp>
-      <p:sp>
-        <p:nvSpPr>
-          <p:cNvPr id="11" name="矩形 10">
-            <a:extLst>
-              <a:ext uri="{FF2B5EF4-FFF2-40B4-BE49-F238E27FC236}">
-                <a16:creationId xmlns:a16="http://schemas.microsoft.com/office/drawing/2014/main" id="{71198114-9BC0-42C9-8FF1-1E10418088DD}"/>
-              </a:ext>
-            </a:extLst>
-          </p:cNvPr>
-          <p:cNvSpPr/>
-          <p:nvPr/>
-        </p:nvSpPr>
-        <p:spPr>
-          <a:xfrm>
-            <a:off x="3139440" y="0"/>
-            <a:ext cx="2895600" cy="2489200"/>
-          </a:xfrm>
-          <a:prstGeom prst="rect">
-            <a:avLst/>
-          </a:prstGeom>
-          <a:noFill/>
-        </p:spPr>
-        <p:style>
-          <a:lnRef idx="2">
-            <a:schemeClr val="accent1">
-              <a:shade val="50000"/>
-            </a:schemeClr>
-          </a:lnRef>
-          <a:fillRef idx="1">
-            <a:schemeClr val="accent1"/>
-          </a:fillRef>
-          <a:effectRef idx="0">
-            <a:schemeClr val="accent1"/>
-          </a:effectRef>
-          <a:fontRef idx="minor">
-            <a:schemeClr val="lt1"/>
-          </a:fontRef>
-        </p:style>
-        <p:txBody>
-          <a:bodyPr rtlCol="0" anchor="ctr"/>
-          <a:lstStyle/>
-          <a:p>
-            <a:pPr algn="ctr"/>
-            <a:endParaRPr lang="zh-CN" altLang="en-US"/>
-          </a:p>
-        </p:txBody>
-      </p:sp>
-      <p:sp>
-        <p:nvSpPr>
-          <p:cNvPr id="12" name="矩形 11">
-            <a:extLst>
-              <a:ext uri="{FF2B5EF4-FFF2-40B4-BE49-F238E27FC236}">
-                <a16:creationId xmlns:a16="http://schemas.microsoft.com/office/drawing/2014/main" id="{6CF6B84D-3071-41A0-B80E-10B98F594A7D}"/>
-              </a:ext>
-            </a:extLst>
-          </p:cNvPr>
-          <p:cNvSpPr/>
-          <p:nvPr/>
-        </p:nvSpPr>
-        <p:spPr>
-          <a:xfrm>
-            <a:off x="6156960" y="0"/>
-            <a:ext cx="2895600" cy="2489200"/>
-          </a:xfrm>
-          <a:prstGeom prst="rect">
-            <a:avLst/>
-          </a:prstGeom>
-          <a:noFill/>
-        </p:spPr>
-        <p:style>
-          <a:lnRef idx="2">
-            <a:schemeClr val="accent1">
-              <a:shade val="50000"/>
-            </a:schemeClr>
-          </a:lnRef>
-          <a:fillRef idx="1">
-            <a:schemeClr val="accent1"/>
-          </a:fillRef>
-          <a:effectRef idx="0">
-            <a:schemeClr val="accent1"/>
-          </a:effectRef>
-          <a:fontRef idx="minor">
-            <a:schemeClr val="lt1"/>
-          </a:fontRef>
-        </p:style>
-        <p:txBody>
-          <a:bodyPr rtlCol="0" anchor="ctr"/>
-          <a:lstStyle/>
-          <a:p>
-            <a:pPr algn="ctr"/>
-            <a:endParaRPr lang="zh-CN" altLang="en-US"/>
-          </a:p>
-        </p:txBody>
-      </p:sp>
-      <p:sp>
-        <p:nvSpPr>
-          <p:cNvPr id="14" name="矩形 13">
-            <a:extLst>
-              <a:ext uri="{FF2B5EF4-FFF2-40B4-BE49-F238E27FC236}">
-                <a16:creationId xmlns:a16="http://schemas.microsoft.com/office/drawing/2014/main" id="{F1678488-6BD4-4149-A9B3-28959AE79B64}"/>
-              </a:ext>
-            </a:extLst>
-          </p:cNvPr>
-          <p:cNvSpPr/>
-          <p:nvPr/>
-        </p:nvSpPr>
-        <p:spPr>
-          <a:xfrm>
-            <a:off x="9174480" y="0"/>
-            <a:ext cx="2895600" cy="2489200"/>
-          </a:xfrm>
-          <a:prstGeom prst="rect">
-            <a:avLst/>
-          </a:prstGeom>
-          <a:noFill/>
-        </p:spPr>
-        <p:style>
-          <a:lnRef idx="2">
-            <a:schemeClr val="accent1">
-              <a:shade val="50000"/>
-            </a:schemeClr>
-          </a:lnRef>
-          <a:fillRef idx="1">
-            <a:schemeClr val="accent1"/>
-          </a:fillRef>
-          <a:effectRef idx="0">
-            <a:schemeClr val="accent1"/>
-          </a:effectRef>
-          <a:fontRef idx="minor">
-            <a:schemeClr val="lt1"/>
-          </a:fontRef>
-        </p:style>
-        <p:txBody>
-          <a:bodyPr rtlCol="0" anchor="ctr"/>
-          <a:lstStyle/>
-          <a:p>
-            <a:pPr algn="ctr"/>
-            <a:endParaRPr lang="zh-CN" altLang="en-US"/>
-          </a:p>
-        </p:txBody>
-      </p:sp>
-      <p:pic>
-        <p:nvPicPr>
-          <p:cNvPr id="23" name="图片 22">
-            <a:extLst>
-              <a:ext uri="{FF2B5EF4-FFF2-40B4-BE49-F238E27FC236}">
-                <a16:creationId xmlns:a16="http://schemas.microsoft.com/office/drawing/2014/main" id="{753F7081-A498-4861-B7C9-61805C3EFA7A}"/>
-              </a:ext>
-            </a:extLst>
-          </p:cNvPr>
-          <p:cNvPicPr>
-            <a:picLocks noChangeAspect="1"/>
-          </p:cNvPicPr>
-          <p:nvPr/>
-        </p:nvPicPr>
-        <p:blipFill>
-          <a:blip r:embed="rId2">
-            <a:extLst>
-              <a:ext uri="{28A0092B-C50C-407E-A947-70E740481C1C}">
-                <a14:useLocalDpi xmlns:a14="http://schemas.microsoft.com/office/drawing/2010/main" val="0"/>
-              </a:ext>
-            </a:extLst>
-          </a:blip>
-          <a:stretch>
-            <a:fillRect/>
-          </a:stretch>
-        </p:blipFill>
-        <p:spPr>
-          <a:xfrm>
-            <a:off x="121920" y="0"/>
-            <a:ext cx="2895599" cy="2489200"/>
-          </a:xfrm>
-          <a:prstGeom prst="rect">
-            <a:avLst/>
-          </a:prstGeom>
-        </p:spPr>
-      </p:pic>
-      <p:pic>
-        <p:nvPicPr>
-          <p:cNvPr id="25" name="图片 24">
-            <a:extLst>
-              <a:ext uri="{FF2B5EF4-FFF2-40B4-BE49-F238E27FC236}">
-                <a16:creationId xmlns:a16="http://schemas.microsoft.com/office/drawing/2014/main" id="{15812DC8-8A6F-4633-95AD-C9CBD3E915B2}"/>
-              </a:ext>
-            </a:extLst>
-          </p:cNvPr>
-          <p:cNvPicPr>
-            <a:picLocks noChangeAspect="1"/>
-          </p:cNvPicPr>
-          <p:nvPr/>
-        </p:nvPicPr>
-        <p:blipFill>
-          <a:blip r:embed="rId3">
-            <a:extLst>
-              <a:ext uri="{28A0092B-C50C-407E-A947-70E740481C1C}">
-                <a14:useLocalDpi xmlns:a14="http://schemas.microsoft.com/office/drawing/2010/main" val="0"/>
-              </a:ext>
-            </a:extLst>
-          </a:blip>
-          <a:stretch>
-            <a:fillRect/>
-          </a:stretch>
-        </p:blipFill>
-        <p:spPr>
-          <a:xfrm>
-            <a:off x="3139440" y="0"/>
-            <a:ext cx="2895600" cy="2489200"/>
-          </a:xfrm>
-          <a:prstGeom prst="rect">
-            <a:avLst/>
-          </a:prstGeom>
-        </p:spPr>
-      </p:pic>
-      <p:pic>
-        <p:nvPicPr>
-          <p:cNvPr id="27" name="图片 26">
-            <a:extLst>
-              <a:ext uri="{FF2B5EF4-FFF2-40B4-BE49-F238E27FC236}">
-                <a16:creationId xmlns:a16="http://schemas.microsoft.com/office/drawing/2014/main" id="{62B51F2F-37CC-4C7B-9C78-C093265DE6A9}"/>
-              </a:ext>
-            </a:extLst>
-          </p:cNvPr>
-          <p:cNvPicPr>
-            <a:picLocks noChangeAspect="1"/>
-          </p:cNvPicPr>
-          <p:nvPr/>
-        </p:nvPicPr>
-        <p:blipFill>
-          <a:blip r:embed="rId4">
-            <a:extLst>
-              <a:ext uri="{28A0092B-C50C-407E-A947-70E740481C1C}">
-                <a14:useLocalDpi xmlns:a14="http://schemas.microsoft.com/office/drawing/2010/main" val="0"/>
-              </a:ext>
-            </a:extLst>
-          </a:blip>
-          <a:stretch>
-            <a:fillRect/>
-          </a:stretch>
-        </p:blipFill>
-        <p:spPr>
-          <a:xfrm>
-            <a:off x="6156960" y="0"/>
-            <a:ext cx="2895600" cy="2489200"/>
-          </a:xfrm>
-          <a:prstGeom prst="rect">
-            <a:avLst/>
-          </a:prstGeom>
-        </p:spPr>
-      </p:pic>
-      <p:pic>
-        <p:nvPicPr>
-          <p:cNvPr id="29" name="图片 28">
-            <a:extLst>
-              <a:ext uri="{FF2B5EF4-FFF2-40B4-BE49-F238E27FC236}">
-                <a16:creationId xmlns:a16="http://schemas.microsoft.com/office/drawing/2014/main" id="{5AB7314C-3773-4489-829E-1CEAFA6BAE17}"/>
-              </a:ext>
-            </a:extLst>
-          </p:cNvPr>
-          <p:cNvPicPr>
-            <a:picLocks noChangeAspect="1"/>
-          </p:cNvPicPr>
-          <p:nvPr/>
-        </p:nvPicPr>
-        <p:blipFill>
-          <a:blip r:embed="rId5">
-            <a:extLst>
-              <a:ext uri="{28A0092B-C50C-407E-A947-70E740481C1C}">
-                <a14:useLocalDpi xmlns:a14="http://schemas.microsoft.com/office/drawing/2010/main" val="0"/>
-              </a:ext>
-            </a:extLst>
-          </a:blip>
-          <a:stretch>
-            <a:fillRect/>
-          </a:stretch>
-        </p:blipFill>
-        <p:spPr>
-          <a:xfrm>
-            <a:off x="9144000" y="0"/>
-            <a:ext cx="2926080" cy="2489200"/>
-          </a:xfrm>
-          <a:prstGeom prst="rect">
-            <a:avLst/>
-          </a:prstGeom>
-        </p:spPr>
-      </p:pic>
-      <p:sp>
-        <p:nvSpPr>
-          <p:cNvPr id="30" name="文本框 29">
-            <a:extLst>
-              <a:ext uri="{FF2B5EF4-FFF2-40B4-BE49-F238E27FC236}">
-                <a16:creationId xmlns:a16="http://schemas.microsoft.com/office/drawing/2014/main" id="{8731B961-D00D-4AB7-B537-F83EA09A752D}"/>
-              </a:ext>
-            </a:extLst>
-          </p:cNvPr>
-          <p:cNvSpPr txBox="1"/>
-          <p:nvPr/>
-        </p:nvSpPr>
-        <p:spPr>
-          <a:xfrm>
-            <a:off x="335279" y="355600"/>
-            <a:ext cx="2468880" cy="369332"/>
-          </a:xfrm>
-          <a:prstGeom prst="rect">
-            <a:avLst/>
-          </a:prstGeom>
-          <a:noFill/>
-        </p:spPr>
         <p:txBody>
           <a:bodyPr wrap="square" rtlCol="0">
             <a:spAutoFit/>
           </a:bodyPr>
           <a:lstStyle/>
           <a:p>
-            <a:r>
-              <a:rPr lang="zh-CN" altLang="en-US" dirty="0">
-                <a:solidFill>
-                  <a:schemeClr val="bg1"/>
-                </a:solidFill>
-              </a:rPr>
-              <a:t>悬疑系列动漫正式上线</a:t>
-            </a:r>
-          </a:p>
-        </p:txBody>
-      </p:sp>
-      <p:sp>
-        <p:nvSpPr>
-          <p:cNvPr id="31" name="文本框 30">
-            <a:extLst>
-              <a:ext uri="{FF2B5EF4-FFF2-40B4-BE49-F238E27FC236}">
-                <a16:creationId xmlns:a16="http://schemas.microsoft.com/office/drawing/2014/main" id="{D795E87B-ABB9-4EA7-9B3F-040A0723137B}"/>
-              </a:ext>
-            </a:extLst>
-          </p:cNvPr>
-          <p:cNvSpPr txBox="1"/>
-          <p:nvPr/>
-        </p:nvSpPr>
-        <p:spPr>
-          <a:xfrm>
-            <a:off x="472438" y="960734"/>
-            <a:ext cx="2540000" cy="646331"/>
-          </a:xfrm>
-          <a:prstGeom prst="rect">
-            <a:avLst/>
-          </a:prstGeom>
-          <a:noFill/>
-        </p:spPr>
-        <p:txBody>
-          <a:bodyPr wrap="square" rtlCol="0">
-            <a:spAutoFit/>
-          </a:bodyPr>
-          <a:lstStyle/>
-          <a:p>
-            <a:r>
-              <a:rPr lang="zh-CN" altLang="en-US" dirty="0">
-                <a:solidFill>
-                  <a:schemeClr val="bg1"/>
-                </a:solidFill>
-              </a:rPr>
-              <a:t>在阳光下生长的人们，在黑夜里</a:t>
-            </a:r>
-            <a:r>
-              <a:rPr lang="zh-CN" altLang="en-US">
-                <a:solidFill>
-                  <a:schemeClr val="bg1"/>
-                </a:solidFill>
-              </a:rPr>
-              <a:t>继续远行着</a:t>
-            </a:r>
-            <a:endParaRPr lang="zh-CN" altLang="en-US" dirty="0">
-              <a:solidFill>
-                <a:schemeClr val="bg1"/>
-              </a:solidFill>
-            </a:endParaRPr>
-          </a:p>
-        </p:txBody>
-      </p:sp>
-      <p:sp>
-        <p:nvSpPr>
-          <p:cNvPr id="32" name="文本框 31">
-            <a:extLst>
-              <a:ext uri="{FF2B5EF4-FFF2-40B4-BE49-F238E27FC236}">
-                <a16:creationId xmlns:a16="http://schemas.microsoft.com/office/drawing/2014/main" id="{EB064810-AF01-48AE-A5C8-6B572CE47300}"/>
-              </a:ext>
-            </a:extLst>
-          </p:cNvPr>
-          <p:cNvSpPr txBox="1"/>
-          <p:nvPr/>
-        </p:nvSpPr>
-        <p:spPr>
-          <a:xfrm>
-            <a:off x="3335022" y="355600"/>
-            <a:ext cx="2468880" cy="369332"/>
-          </a:xfrm>
-          <a:prstGeom prst="rect">
-            <a:avLst/>
-          </a:prstGeom>
-          <a:noFill/>
-        </p:spPr>
-        <p:txBody>
-          <a:bodyPr wrap="square" rtlCol="0">
-            <a:spAutoFit/>
-          </a:bodyPr>
-          <a:lstStyle/>
-          <a:p>
-            <a:r>
-              <a:rPr lang="zh-CN" altLang="en-US" dirty="0">
-                <a:solidFill>
-                  <a:schemeClr val="bg1"/>
-                </a:solidFill>
-              </a:rPr>
-              <a:t>悬疑系列动漫正式上线</a:t>
-            </a:r>
-          </a:p>
-        </p:txBody>
-      </p:sp>
-      <p:sp>
-        <p:nvSpPr>
-          <p:cNvPr id="33" name="文本框 32">
-            <a:extLst>
-              <a:ext uri="{FF2B5EF4-FFF2-40B4-BE49-F238E27FC236}">
-                <a16:creationId xmlns:a16="http://schemas.microsoft.com/office/drawing/2014/main" id="{30DE725B-87C3-403F-BF8D-4F7459D359A8}"/>
-              </a:ext>
-            </a:extLst>
-          </p:cNvPr>
-          <p:cNvSpPr txBox="1"/>
-          <p:nvPr/>
-        </p:nvSpPr>
-        <p:spPr>
-          <a:xfrm>
-            <a:off x="3472181" y="960734"/>
-            <a:ext cx="2540000" cy="923330"/>
-          </a:xfrm>
-          <a:prstGeom prst="rect">
-            <a:avLst/>
-          </a:prstGeom>
-          <a:noFill/>
-        </p:spPr>
-        <p:txBody>
-          <a:bodyPr wrap="square" rtlCol="0">
-            <a:spAutoFit/>
-          </a:bodyPr>
-          <a:lstStyle/>
-          <a:p>
-            <a:r>
-              <a:rPr lang="zh-CN" altLang="en-US" dirty="0">
-                <a:solidFill>
-                  <a:schemeClr val="bg1"/>
-                </a:solidFill>
-              </a:rPr>
-              <a:t>我们渴望着在不为人知的岁月里，有着惊世骇俗的经历</a:t>
-            </a:r>
-          </a:p>
-        </p:txBody>
-      </p:sp>
-      <p:sp>
-        <p:nvSpPr>
-          <p:cNvPr id="34" name="文本框 33">
-            <a:extLst>
-              <a:ext uri="{FF2B5EF4-FFF2-40B4-BE49-F238E27FC236}">
-                <a16:creationId xmlns:a16="http://schemas.microsoft.com/office/drawing/2014/main" id="{ADEB14C0-AA94-456E-AD49-2C3097924FC5}"/>
-              </a:ext>
-            </a:extLst>
-          </p:cNvPr>
-          <p:cNvSpPr txBox="1"/>
-          <p:nvPr/>
-        </p:nvSpPr>
-        <p:spPr>
-          <a:xfrm>
-            <a:off x="6375401" y="355600"/>
-            <a:ext cx="2468880" cy="369332"/>
-          </a:xfrm>
-          <a:prstGeom prst="rect">
-            <a:avLst/>
-          </a:prstGeom>
-          <a:noFill/>
-        </p:spPr>
-        <p:txBody>
-          <a:bodyPr wrap="square" rtlCol="0">
-            <a:spAutoFit/>
-          </a:bodyPr>
-          <a:lstStyle/>
-          <a:p>
-            <a:r>
-              <a:rPr lang="zh-CN" altLang="en-US" dirty="0">
-                <a:solidFill>
-                  <a:schemeClr val="bg1"/>
-                </a:solidFill>
-              </a:rPr>
-              <a:t>悬疑系列动漫正式上线</a:t>
-            </a:r>
-          </a:p>
-        </p:txBody>
-      </p:sp>
-      <p:sp>
-        <p:nvSpPr>
-          <p:cNvPr id="35" name="文本框 34">
-            <a:extLst>
-              <a:ext uri="{FF2B5EF4-FFF2-40B4-BE49-F238E27FC236}">
-                <a16:creationId xmlns:a16="http://schemas.microsoft.com/office/drawing/2014/main" id="{268FD7DC-FFE2-4816-ADA4-6F910E9E1372}"/>
-              </a:ext>
-            </a:extLst>
-          </p:cNvPr>
-          <p:cNvSpPr txBox="1"/>
-          <p:nvPr/>
-        </p:nvSpPr>
-        <p:spPr>
-          <a:xfrm>
-            <a:off x="6512560" y="960734"/>
-            <a:ext cx="2540000" cy="646331"/>
-          </a:xfrm>
-          <a:prstGeom prst="rect">
-            <a:avLst/>
-          </a:prstGeom>
-          <a:noFill/>
-        </p:spPr>
-        <p:txBody>
-          <a:bodyPr wrap="square" rtlCol="0">
-            <a:spAutoFit/>
-          </a:bodyPr>
-          <a:lstStyle/>
-          <a:p>
-            <a:r>
-              <a:rPr lang="zh-CN" altLang="en-US" dirty="0">
-                <a:solidFill>
-                  <a:schemeClr val="bg1"/>
-                </a:solidFill>
-              </a:rPr>
-              <a:t>生如夏花，愿世界如你我一般，这般寂静</a:t>
-            </a:r>
-          </a:p>
-        </p:txBody>
-      </p:sp>
-      <p:sp>
-        <p:nvSpPr>
-          <p:cNvPr id="36" name="文本框 35">
-            <a:extLst>
-              <a:ext uri="{FF2B5EF4-FFF2-40B4-BE49-F238E27FC236}">
-                <a16:creationId xmlns:a16="http://schemas.microsoft.com/office/drawing/2014/main" id="{0528E74D-7429-482E-B7D2-92D2BBE1155A}"/>
-              </a:ext>
-            </a:extLst>
-          </p:cNvPr>
-          <p:cNvSpPr txBox="1"/>
-          <p:nvPr/>
-        </p:nvSpPr>
-        <p:spPr>
-          <a:xfrm>
-            <a:off x="9385302" y="355600"/>
-            <a:ext cx="2468880" cy="369332"/>
-          </a:xfrm>
-          <a:prstGeom prst="rect">
-            <a:avLst/>
-          </a:prstGeom>
-          <a:noFill/>
-        </p:spPr>
-        <p:txBody>
-          <a:bodyPr wrap="square" rtlCol="0">
-            <a:spAutoFit/>
-          </a:bodyPr>
-          <a:lstStyle/>
-          <a:p>
-            <a:r>
-              <a:rPr lang="zh-CN" altLang="en-US" dirty="0">
-                <a:solidFill>
-                  <a:schemeClr val="bg1"/>
-                </a:solidFill>
-              </a:rPr>
-              <a:t>悬疑系列动漫正式上线</a:t>
-            </a:r>
-          </a:p>
-        </p:txBody>
-      </p:sp>
-      <p:sp>
-        <p:nvSpPr>
-          <p:cNvPr id="37" name="文本框 36">
-            <a:extLst>
-              <a:ext uri="{FF2B5EF4-FFF2-40B4-BE49-F238E27FC236}">
-                <a16:creationId xmlns:a16="http://schemas.microsoft.com/office/drawing/2014/main" id="{181FBEB3-F6ED-494E-A82E-2B169DF2437D}"/>
-              </a:ext>
-            </a:extLst>
-          </p:cNvPr>
-          <p:cNvSpPr txBox="1"/>
-          <p:nvPr/>
-        </p:nvSpPr>
-        <p:spPr>
-          <a:xfrm>
-            <a:off x="9522461" y="960734"/>
-            <a:ext cx="2540000" cy="646331"/>
-          </a:xfrm>
-          <a:prstGeom prst="rect">
-            <a:avLst/>
-          </a:prstGeom>
-          <a:noFill/>
-        </p:spPr>
-        <p:txBody>
-          <a:bodyPr wrap="square" rtlCol="0">
-            <a:spAutoFit/>
-          </a:bodyPr>
-          <a:lstStyle/>
-          <a:p>
-            <a:r>
-              <a:rPr lang="zh-CN" altLang="en-US" dirty="0">
-                <a:solidFill>
-                  <a:schemeClr val="bg1"/>
-                </a:solidFill>
-              </a:rPr>
-              <a:t>夜晚升起的时候，每一个星光都会洒满大地</a:t>
-            </a:r>
+            <a:pPr marL="342900" indent="-342900">
+              <a:buAutoNum type="arabicPeriod"/>
+            </a:pPr>
+            <a:r>
+              <a:rPr lang="zh-CN" altLang="en-US" dirty="0"/>
+              <a:t>征集作品</a:t>
+            </a:r>
+            <a:endParaRPr lang="en-US" altLang="zh-CN" dirty="0"/>
+          </a:p>
+          <a:p>
+            <a:pPr marL="342900" indent="-342900">
+              <a:buAutoNum type="arabicPeriod"/>
+            </a:pPr>
+            <a:r>
+              <a:rPr lang="zh-CN" altLang="en-US" dirty="0"/>
+              <a:t>小作文</a:t>
+            </a:r>
+            <a:endParaRPr lang="en-US" altLang="zh-CN" dirty="0"/>
+          </a:p>
+          <a:p>
+            <a:pPr marL="342900" indent="-342900">
+              <a:buAutoNum type="arabicPeriod"/>
+            </a:pPr>
+            <a:r>
+              <a:rPr lang="zh-CN" altLang="en-US" dirty="0"/>
+              <a:t>最感兴趣</a:t>
+            </a:r>
+            <a:r>
+              <a:rPr lang="en-US" altLang="zh-CN" dirty="0"/>
+              <a:t>IP</a:t>
+            </a:r>
+            <a:r>
+              <a:rPr lang="zh-CN" altLang="en-US" dirty="0"/>
+              <a:t>改编（在叮当币中有一种币值可以为喜欢的作品打投，这种币是免费的，为的是让作品有极大的改编权）</a:t>
+            </a:r>
+            <a:endParaRPr lang="en-US" altLang="zh-CN" dirty="0"/>
+          </a:p>
+          <a:p>
+            <a:pPr marL="342900" indent="-342900">
+              <a:buAutoNum type="arabicPeriod"/>
+            </a:pPr>
+            <a:r>
+              <a:rPr lang="zh-CN" altLang="en-US"/>
+              <a:t>热门小叮当（展示热门作品）</a:t>
+            </a:r>
+            <a:endParaRPr lang="en-US" altLang="zh-CN" dirty="0"/>
+          </a:p>
+          <a:p>
+            <a:pPr marL="342900" indent="-342900">
+              <a:buAutoNum type="arabicPeriod"/>
+            </a:pPr>
+            <a:endParaRPr lang="zh-CN" altLang="en-US" dirty="0"/>
           </a:p>
         </p:txBody>
       </p:sp>
     </p:spTree>
     <p:extLst>
       <p:ext uri="{BB962C8B-B14F-4D97-AF65-F5344CB8AC3E}">
-        <p14:creationId xmlns:p14="http://schemas.microsoft.com/office/powerpoint/2010/main" val="1370722201"/>
+        <p14:creationId xmlns:p14="http://schemas.microsoft.com/office/powerpoint/2010/main" val="3013523280"/>
       </p:ext>
     </p:extLst>
   </p:cSld>
@@ -5321,10 +6462,10 @@
       </p:grpSpPr>
       <p:sp>
         <p:nvSpPr>
-          <p:cNvPr id="13" name="矩形 12">
-            <a:extLst>
-              <a:ext uri="{FF2B5EF4-FFF2-40B4-BE49-F238E27FC236}">
-                <a16:creationId xmlns:a16="http://schemas.microsoft.com/office/drawing/2014/main" id="{323FE8D6-93A6-4929-869B-10BAA8DF2C95}"/>
+          <p:cNvPr id="5" name="矩形 4">
+            <a:extLst>
+              <a:ext uri="{FF2B5EF4-FFF2-40B4-BE49-F238E27FC236}">
+                <a16:creationId xmlns:a16="http://schemas.microsoft.com/office/drawing/2014/main" id="{8609DA43-CCBE-49C7-BC7D-614AAD30CB3A}"/>
               </a:ext>
             </a:extLst>
           </p:cNvPr>
@@ -5334,7 +6475,7 @@
         <p:spPr>
           <a:xfrm>
             <a:off x="0" y="0"/>
-            <a:ext cx="12192000" cy="6858000"/>
+            <a:ext cx="12192000" cy="1534160"/>
           </a:xfrm>
           <a:prstGeom prst="rect">
             <a:avLst/>
@@ -5366,32 +6507,273 @@
           </a:p>
         </p:txBody>
       </p:sp>
-      <p:sp>
-        <p:nvSpPr>
-          <p:cNvPr id="2" name="文本框 1">
-            <a:extLst>
-              <a:ext uri="{FF2B5EF4-FFF2-40B4-BE49-F238E27FC236}">
-                <a16:creationId xmlns:a16="http://schemas.microsoft.com/office/drawing/2014/main" id="{6AF928D9-F73B-4B32-BD1E-8CB0BF63B270}"/>
-              </a:ext>
-            </a:extLst>
-          </p:cNvPr>
-          <p:cNvSpPr txBox="1"/>
+      <p:grpSp>
+        <p:nvGrpSpPr>
+          <p:cNvPr id="11" name="组合 10">
+            <a:extLst>
+              <a:ext uri="{FF2B5EF4-FFF2-40B4-BE49-F238E27FC236}">
+                <a16:creationId xmlns:a16="http://schemas.microsoft.com/office/drawing/2014/main" id="{81D4383A-09AC-4D6A-B55D-D07FA9F9620F}"/>
+              </a:ext>
+            </a:extLst>
+          </p:cNvPr>
+          <p:cNvGrpSpPr/>
           <p:nvPr/>
-        </p:nvSpPr>
-        <p:spPr>
-          <a:xfrm>
-            <a:off x="629920" y="762000"/>
-            <a:ext cx="1454244" cy="1200329"/>
+        </p:nvGrpSpPr>
+        <p:grpSpPr>
+          <a:xfrm>
+            <a:off x="213360" y="670560"/>
+            <a:ext cx="11673840" cy="369332"/>
+            <a:chOff x="213360" y="670560"/>
+            <a:chExt cx="11673840" cy="369332"/>
+          </a:xfrm>
+          <a:solidFill>
+            <a:srgbClr val="096DD9"/>
+          </a:solidFill>
+        </p:grpSpPr>
+        <p:sp>
+          <p:nvSpPr>
+            <p:cNvPr id="6" name="文本框 5">
+              <a:extLst>
+                <a:ext uri="{FF2B5EF4-FFF2-40B4-BE49-F238E27FC236}">
+                  <a16:creationId xmlns:a16="http://schemas.microsoft.com/office/drawing/2014/main" id="{C7CF14B8-BF54-4F81-BC6E-B8EC087692DE}"/>
+                </a:ext>
+              </a:extLst>
+            </p:cNvPr>
+            <p:cNvSpPr txBox="1"/>
+            <p:nvPr/>
+          </p:nvSpPr>
+          <p:spPr>
+            <a:xfrm>
+              <a:off x="213360" y="670560"/>
+              <a:ext cx="2336800" cy="369332"/>
+            </a:xfrm>
+            <a:prstGeom prst="rect">
+              <a:avLst/>
+            </a:prstGeom>
+            <a:grpFill/>
+          </p:spPr>
+          <p:txBody>
+            <a:bodyPr wrap="square" rtlCol="0">
+              <a:spAutoFit/>
+            </a:bodyPr>
+            <a:lstStyle/>
+            <a:p>
+              <a:r>
+                <a:rPr lang="en-US" altLang="zh-CN" dirty="0">
+                  <a:solidFill>
+                    <a:schemeClr val="bg1"/>
+                  </a:solidFill>
+                </a:rPr>
+                <a:t>LOGO</a:t>
+              </a:r>
+              <a:endParaRPr lang="zh-CN" altLang="en-US" dirty="0">
+                <a:solidFill>
+                  <a:schemeClr val="bg1"/>
+                </a:solidFill>
+              </a:endParaRPr>
+            </a:p>
+          </p:txBody>
+        </p:sp>
+        <p:sp>
+          <p:nvSpPr>
+            <p:cNvPr id="2" name="文本框 1">
+              <a:extLst>
+                <a:ext uri="{FF2B5EF4-FFF2-40B4-BE49-F238E27FC236}">
+                  <a16:creationId xmlns:a16="http://schemas.microsoft.com/office/drawing/2014/main" id="{F59BE33C-D3FD-4A91-AD35-D6C893FA58D4}"/>
+                </a:ext>
+              </a:extLst>
+            </p:cNvPr>
+            <p:cNvSpPr txBox="1"/>
+            <p:nvPr/>
+          </p:nvSpPr>
+          <p:spPr>
+            <a:xfrm>
+              <a:off x="1178560" y="670560"/>
+              <a:ext cx="9042400" cy="369332"/>
+            </a:xfrm>
+            <a:prstGeom prst="rect">
+              <a:avLst/>
+            </a:prstGeom>
+            <a:grpFill/>
+          </p:spPr>
+          <p:txBody>
+            <a:bodyPr wrap="square" rtlCol="0">
+              <a:spAutoFit/>
+            </a:bodyPr>
+            <a:lstStyle/>
+            <a:p>
+              <a:r>
+                <a:rPr lang="zh-CN" altLang="en-US" dirty="0">
+                  <a:solidFill>
+                    <a:schemeClr val="bg1"/>
+                  </a:solidFill>
+                </a:rPr>
+                <a:t>     首页    动漫剧本     漫画     个人动漫     同人创作     </a:t>
+              </a:r>
+              <a:r>
+                <a:rPr lang="en-US" altLang="zh-CN" dirty="0">
+                  <a:solidFill>
+                    <a:schemeClr val="bg1"/>
+                  </a:solidFill>
+                </a:rPr>
+                <a:t>IP</a:t>
+              </a:r>
+              <a:r>
+                <a:rPr lang="zh-CN" altLang="en-US" dirty="0">
+                  <a:solidFill>
+                    <a:schemeClr val="bg1"/>
+                  </a:solidFill>
+                </a:rPr>
+                <a:t>开发     手办周边     作者小屋</a:t>
+              </a:r>
+            </a:p>
+          </p:txBody>
+        </p:sp>
+        <p:sp>
+          <p:nvSpPr>
+            <p:cNvPr id="3" name="文本框 2">
+              <a:extLst>
+                <a:ext uri="{FF2B5EF4-FFF2-40B4-BE49-F238E27FC236}">
+                  <a16:creationId xmlns:a16="http://schemas.microsoft.com/office/drawing/2014/main" id="{A72EEFD8-11DC-4138-ACD8-3013840208EF}"/>
+                </a:ext>
+              </a:extLst>
+            </p:cNvPr>
+            <p:cNvSpPr txBox="1"/>
+            <p:nvPr/>
+          </p:nvSpPr>
+          <p:spPr>
+            <a:xfrm>
+              <a:off x="10220960" y="670560"/>
+              <a:ext cx="1666240" cy="369332"/>
+            </a:xfrm>
+            <a:prstGeom prst="rect">
+              <a:avLst/>
+            </a:prstGeom>
+            <a:grpFill/>
+          </p:spPr>
+          <p:txBody>
+            <a:bodyPr wrap="square" rtlCol="0">
+              <a:spAutoFit/>
+            </a:bodyPr>
+            <a:lstStyle/>
+            <a:p>
+              <a:r>
+                <a:rPr lang="zh-CN" altLang="en-US" dirty="0">
+                  <a:solidFill>
+                    <a:schemeClr val="bg1"/>
+                  </a:solidFill>
+                </a:rPr>
+                <a:t>登录  </a:t>
+              </a:r>
+              <a:r>
+                <a:rPr lang="en-US" altLang="zh-CN" dirty="0">
+                  <a:solidFill>
+                    <a:schemeClr val="bg1"/>
+                  </a:solidFill>
+                </a:rPr>
+                <a:t>|  </a:t>
+              </a:r>
+              <a:r>
+                <a:rPr lang="zh-CN" altLang="en-US" dirty="0">
+                  <a:solidFill>
+                    <a:schemeClr val="bg1"/>
+                  </a:solidFill>
+                </a:rPr>
+                <a:t>注册</a:t>
+              </a:r>
+            </a:p>
+          </p:txBody>
+        </p:sp>
+      </p:grpSp>
+      <p:sp>
+        <p:nvSpPr>
+          <p:cNvPr id="4" name="矩形 3">
+            <a:extLst>
+              <a:ext uri="{FF2B5EF4-FFF2-40B4-BE49-F238E27FC236}">
+                <a16:creationId xmlns:a16="http://schemas.microsoft.com/office/drawing/2014/main" id="{FC512DBC-4383-48F4-B90D-076ED137A4FC}"/>
+              </a:ext>
+            </a:extLst>
+          </p:cNvPr>
+          <p:cNvSpPr/>
+          <p:nvPr/>
+        </p:nvSpPr>
+        <p:spPr>
+          <a:xfrm>
+            <a:off x="0" y="1534160"/>
+            <a:ext cx="12192000" cy="5323840"/>
           </a:xfrm>
           <a:prstGeom prst="rect">
             <a:avLst/>
           </a:prstGeom>
           <a:noFill/>
         </p:spPr>
-        <p:txBody>
-          <a:bodyPr wrap="none" rtlCol="0">
-            <a:spAutoFit/>
-          </a:bodyPr>
+        <p:style>
+          <a:lnRef idx="2">
+            <a:schemeClr val="accent1">
+              <a:shade val="50000"/>
+            </a:schemeClr>
+          </a:lnRef>
+          <a:fillRef idx="1">
+            <a:schemeClr val="accent1"/>
+          </a:fillRef>
+          <a:effectRef idx="0">
+            <a:schemeClr val="accent1"/>
+          </a:effectRef>
+          <a:fontRef idx="minor">
+            <a:schemeClr val="lt1"/>
+          </a:fontRef>
+        </p:style>
+        <p:txBody>
+          <a:bodyPr rtlCol="0" anchor="ctr"/>
+          <a:lstStyle/>
+          <a:p>
+            <a:pPr algn="ctr"/>
+            <a:endParaRPr lang="zh-CN" altLang="en-US"/>
+          </a:p>
+        </p:txBody>
+      </p:sp>
+      <p:sp>
+        <p:nvSpPr>
+          <p:cNvPr id="7" name="矩形 6">
+            <a:extLst>
+              <a:ext uri="{FF2B5EF4-FFF2-40B4-BE49-F238E27FC236}">
+                <a16:creationId xmlns:a16="http://schemas.microsoft.com/office/drawing/2014/main" id="{5981B907-1088-45B6-B46F-21D2A890330A}"/>
+              </a:ext>
+            </a:extLst>
+          </p:cNvPr>
+          <p:cNvSpPr/>
+          <p:nvPr/>
+        </p:nvSpPr>
+        <p:spPr>
+          <a:xfrm>
+            <a:off x="0" y="1520428"/>
+            <a:ext cx="1828800" cy="5323840"/>
+          </a:xfrm>
+          <a:prstGeom prst="rect">
+            <a:avLst/>
+          </a:prstGeom>
+          <a:solidFill>
+            <a:srgbClr val="096DD9"/>
+          </a:solidFill>
+        </p:spPr>
+        <p:style>
+          <a:lnRef idx="2">
+            <a:schemeClr val="accent1">
+              <a:shade val="50000"/>
+            </a:schemeClr>
+          </a:lnRef>
+          <a:fillRef idx="1">
+            <a:schemeClr val="accent1"/>
+          </a:fillRef>
+          <a:effectRef idx="0">
+            <a:schemeClr val="accent1"/>
+          </a:effectRef>
+          <a:fontRef idx="minor">
+            <a:schemeClr val="lt1"/>
+          </a:fontRef>
+        </p:style>
+        <p:txBody>
+          <a:bodyPr rtlCol="0" anchor="ctr"/>
           <a:lstStyle/>
           <a:p>
             <a:pPr marL="342900" indent="-342900">
@@ -5399,7 +6781,7 @@
             </a:pPr>
             <a:r>
               <a:rPr lang="zh-CN" altLang="en-US" dirty="0"/>
-              <a:t>动漫作者</a:t>
+              <a:t>喜欢的作者</a:t>
             </a:r>
             <a:endParaRPr lang="en-US" altLang="zh-CN" dirty="0"/>
           </a:p>
@@ -5409,7 +6791,7 @@
             </a:pPr>
             <a:r>
               <a:rPr lang="zh-CN" altLang="en-US" dirty="0"/>
-              <a:t>最新推出</a:t>
+              <a:t>最新动态</a:t>
             </a:r>
             <a:endParaRPr lang="en-US" altLang="zh-CN" dirty="0"/>
           </a:p>
@@ -5419,7 +6801,7 @@
             </a:pPr>
             <a:r>
               <a:rPr lang="zh-CN" altLang="en-US" dirty="0"/>
-              <a:t>热门精选</a:t>
+              <a:t>同人创作</a:t>
             </a:r>
             <a:endParaRPr lang="en-US" altLang="zh-CN" dirty="0"/>
           </a:p>
@@ -5429,17 +6811,132 @@
             </a:pPr>
             <a:r>
               <a:rPr lang="zh-CN" altLang="en-US" dirty="0"/>
-              <a:t>热门改编</a:t>
-            </a:r>
-          </a:p>
-        </p:txBody>
-      </p:sp>
-      <p:sp>
-        <p:nvSpPr>
-          <p:cNvPr id="3" name="文本框 2">
-            <a:extLst>
-              <a:ext uri="{FF2B5EF4-FFF2-40B4-BE49-F238E27FC236}">
-                <a16:creationId xmlns:a16="http://schemas.microsoft.com/office/drawing/2014/main" id="{CA4522FA-F16F-4A8B-95CD-8ABB59E6E326}"/>
+              <a:t>成为小叮当</a:t>
+            </a:r>
+            <a:endParaRPr lang="en-US" altLang="zh-CN" dirty="0"/>
+          </a:p>
+          <a:p>
+            <a:pPr marL="342900" indent="-342900">
+              <a:buAutoNum type="arabicPeriod"/>
+            </a:pPr>
+            <a:r>
+              <a:rPr lang="zh-CN" altLang="en-US" dirty="0"/>
+              <a:t>叮当币</a:t>
+            </a:r>
+          </a:p>
+          <a:p>
+            <a:pPr algn="ctr"/>
+            <a:endParaRPr lang="zh-CN" altLang="en-US" dirty="0"/>
+          </a:p>
+        </p:txBody>
+      </p:sp>
+      <p:sp>
+        <p:nvSpPr>
+          <p:cNvPr id="8" name="矩形 7">
+            <a:extLst>
+              <a:ext uri="{FF2B5EF4-FFF2-40B4-BE49-F238E27FC236}">
+                <a16:creationId xmlns:a16="http://schemas.microsoft.com/office/drawing/2014/main" id="{C5DC0543-FE18-497D-A436-162E5287E078}"/>
+              </a:ext>
+            </a:extLst>
+          </p:cNvPr>
+          <p:cNvSpPr/>
+          <p:nvPr/>
+        </p:nvSpPr>
+        <p:spPr>
+          <a:xfrm>
+            <a:off x="10363200" y="1527294"/>
+            <a:ext cx="1828800" cy="5323840"/>
+          </a:xfrm>
+          <a:prstGeom prst="rect">
+            <a:avLst/>
+          </a:prstGeom>
+          <a:solidFill>
+            <a:srgbClr val="096DD9"/>
+          </a:solidFill>
+        </p:spPr>
+        <p:style>
+          <a:lnRef idx="2">
+            <a:schemeClr val="accent1">
+              <a:shade val="50000"/>
+            </a:schemeClr>
+          </a:lnRef>
+          <a:fillRef idx="1">
+            <a:schemeClr val="accent1"/>
+          </a:fillRef>
+          <a:effectRef idx="0">
+            <a:schemeClr val="accent1"/>
+          </a:effectRef>
+          <a:fontRef idx="minor">
+            <a:schemeClr val="lt1"/>
+          </a:fontRef>
+        </p:style>
+        <p:txBody>
+          <a:bodyPr rtlCol="0" anchor="ctr"/>
+          <a:lstStyle/>
+          <a:p>
+            <a:pPr algn="ctr"/>
+            <a:endParaRPr lang="zh-CN" altLang="en-US"/>
+          </a:p>
+        </p:txBody>
+      </p:sp>
+      <p:sp>
+        <p:nvSpPr>
+          <p:cNvPr id="9" name="矩形 8">
+            <a:extLst>
+              <a:ext uri="{FF2B5EF4-FFF2-40B4-BE49-F238E27FC236}">
+                <a16:creationId xmlns:a16="http://schemas.microsoft.com/office/drawing/2014/main" id="{23BBCC0E-DF8F-4918-94FC-8FD9866AB6E7}"/>
+              </a:ext>
+            </a:extLst>
+          </p:cNvPr>
+          <p:cNvSpPr/>
+          <p:nvPr/>
+        </p:nvSpPr>
+        <p:spPr>
+          <a:xfrm>
+            <a:off x="1828800" y="1520428"/>
+            <a:ext cx="8534400" cy="5323840"/>
+          </a:xfrm>
+          <a:prstGeom prst="rect">
+            <a:avLst/>
+          </a:prstGeom>
+          <a:solidFill>
+            <a:schemeClr val="accent2">
+              <a:lumMod val="60000"/>
+              <a:lumOff val="40000"/>
+            </a:schemeClr>
+          </a:solidFill>
+        </p:spPr>
+        <p:style>
+          <a:lnRef idx="2">
+            <a:schemeClr val="accent1">
+              <a:shade val="50000"/>
+            </a:schemeClr>
+          </a:lnRef>
+          <a:fillRef idx="1">
+            <a:schemeClr val="accent1"/>
+          </a:fillRef>
+          <a:effectRef idx="0">
+            <a:schemeClr val="accent1"/>
+          </a:effectRef>
+          <a:fontRef idx="minor">
+            <a:schemeClr val="lt1"/>
+          </a:fontRef>
+        </p:style>
+        <p:txBody>
+          <a:bodyPr rtlCol="0" anchor="ctr"/>
+          <a:lstStyle/>
+          <a:p>
+            <a:pPr algn="ctr"/>
+            <a:endParaRPr lang="zh-CN" altLang="en-US"/>
+          </a:p>
+        </p:txBody>
+      </p:sp>
+      <p:sp>
+        <p:nvSpPr>
+          <p:cNvPr id="10" name="文本框 9">
+            <a:extLst>
+              <a:ext uri="{FF2B5EF4-FFF2-40B4-BE49-F238E27FC236}">
+                <a16:creationId xmlns:a16="http://schemas.microsoft.com/office/drawing/2014/main" id="{7F6CB065-0E65-4CE3-95EA-A6FF26EE1B8E}"/>
               </a:ext>
             </a:extLst>
           </p:cNvPr>
@@ -5448,8 +6945,8 @@
         </p:nvSpPr>
         <p:spPr>
           <a:xfrm>
-            <a:off x="934720" y="274320"/>
-            <a:ext cx="1497526" cy="369332"/>
+            <a:off x="5212080" y="3708400"/>
+            <a:ext cx="1595120" cy="646331"/>
           </a:xfrm>
           <a:prstGeom prst="rect">
             <a:avLst/>
@@ -5457,88 +6954,20 @@
           <a:noFill/>
         </p:spPr>
         <p:txBody>
-          <a:bodyPr wrap="none" rtlCol="0">
-            <a:spAutoFit/>
-          </a:bodyPr>
-          <a:lstStyle/>
-          <a:p>
-            <a:r>
-              <a:rPr lang="en-US" altLang="zh-CN" dirty="0"/>
-              <a:t>/cartoon</a:t>
-            </a:r>
-            <a:r>
-              <a:rPr lang="zh-CN" altLang="en-US" dirty="0"/>
-              <a:t>页面</a:t>
-            </a:r>
-          </a:p>
-        </p:txBody>
-      </p:sp>
-      <p:sp>
-        <p:nvSpPr>
-          <p:cNvPr id="4" name="文本框 3">
-            <a:extLst>
-              <a:ext uri="{FF2B5EF4-FFF2-40B4-BE49-F238E27FC236}">
-                <a16:creationId xmlns:a16="http://schemas.microsoft.com/office/drawing/2014/main" id="{0F1FAC05-2AB7-44C2-AF9E-CD763C99EFF0}"/>
-              </a:ext>
-            </a:extLst>
-          </p:cNvPr>
-          <p:cNvSpPr txBox="1"/>
-          <p:nvPr/>
-        </p:nvSpPr>
-        <p:spPr>
-          <a:xfrm>
-            <a:off x="518160" y="2580640"/>
-            <a:ext cx="6380480" cy="646331"/>
-          </a:xfrm>
-          <a:prstGeom prst="rect">
-            <a:avLst/>
-          </a:prstGeom>
-          <a:noFill/>
-        </p:spPr>
-        <p:txBody>
           <a:bodyPr wrap="square" rtlCol="0">
             <a:spAutoFit/>
           </a:bodyPr>
           <a:lstStyle/>
           <a:p>
             <a:r>
-              <a:rPr lang="zh-CN" altLang="en-US"/>
-              <a:t>动漫作者：随机展示动漫作者，每个作者会选择自己喜欢的马卡龙色，作者的头像就是对应的马卡龙色。</a:t>
-            </a:r>
-          </a:p>
-        </p:txBody>
-      </p:sp>
-      <p:sp>
-        <p:nvSpPr>
-          <p:cNvPr id="5" name="文本框 4">
-            <a:extLst>
-              <a:ext uri="{FF2B5EF4-FFF2-40B4-BE49-F238E27FC236}">
-                <a16:creationId xmlns:a16="http://schemas.microsoft.com/office/drawing/2014/main" id="{7B7AA174-CC27-450F-9486-D33CCA0C8DA7}"/>
-              </a:ext>
-            </a:extLst>
-          </p:cNvPr>
-          <p:cNvSpPr txBox="1"/>
-          <p:nvPr/>
-        </p:nvSpPr>
-        <p:spPr>
-          <a:xfrm>
-            <a:off x="843280" y="4064000"/>
-            <a:ext cx="5710218" cy="369332"/>
-          </a:xfrm>
-          <a:prstGeom prst="rect">
-            <a:avLst/>
-          </a:prstGeom>
-          <a:noFill/>
-        </p:spPr>
-        <p:txBody>
-          <a:bodyPr wrap="none" rtlCol="0">
-            <a:spAutoFit/>
-          </a:bodyPr>
-          <a:lstStyle/>
-          <a:p>
-            <a:r>
-              <a:rPr lang="zh-CN" altLang="en-US"/>
-              <a:t>选出最具有创新性的作品，作为网站的首屏背景图片</a:t>
+              <a:rPr lang="zh-CN" altLang="en-US" sz="3600" dirty="0">
+                <a:solidFill>
+                  <a:schemeClr val="accent2">
+                    <a:lumMod val="75000"/>
+                  </a:schemeClr>
+                </a:solidFill>
+              </a:rPr>
+              <a:t>轮播图</a:t>
             </a:r>
           </a:p>
         </p:txBody>
@@ -5546,7 +6975,7 @@
     </p:spTree>
     <p:extLst>
       <p:ext uri="{BB962C8B-B14F-4D97-AF65-F5344CB8AC3E}">
-        <p14:creationId xmlns:p14="http://schemas.microsoft.com/office/powerpoint/2010/main" val="480200788"/>
+        <p14:creationId xmlns:p14="http://schemas.microsoft.com/office/powerpoint/2010/main" val="715890650"/>
       </p:ext>
     </p:extLst>
   </p:cSld>
@@ -5622,10 +7051,171 @@
       </p:sp>
       <p:sp>
         <p:nvSpPr>
-          <p:cNvPr id="16" name="矩形 15">
-            <a:extLst>
-              <a:ext uri="{FF2B5EF4-FFF2-40B4-BE49-F238E27FC236}">
-                <a16:creationId xmlns:a16="http://schemas.microsoft.com/office/drawing/2014/main" id="{84325ACE-9D6D-4957-9E42-3BE24E31FA01}"/>
+          <p:cNvPr id="2" name="文本框 1">
+            <a:extLst>
+              <a:ext uri="{FF2B5EF4-FFF2-40B4-BE49-F238E27FC236}">
+                <a16:creationId xmlns:a16="http://schemas.microsoft.com/office/drawing/2014/main" id="{6AF928D9-F73B-4B32-BD1E-8CB0BF63B270}"/>
+              </a:ext>
+            </a:extLst>
+          </p:cNvPr>
+          <p:cNvSpPr txBox="1"/>
+          <p:nvPr/>
+        </p:nvSpPr>
+        <p:spPr>
+          <a:xfrm>
+            <a:off x="629920" y="762000"/>
+            <a:ext cx="3916457" cy="1754326"/>
+          </a:xfrm>
+          <a:prstGeom prst="rect">
+            <a:avLst/>
+          </a:prstGeom>
+          <a:noFill/>
+        </p:spPr>
+        <p:txBody>
+          <a:bodyPr wrap="none" rtlCol="0">
+            <a:spAutoFit/>
+          </a:bodyPr>
+          <a:lstStyle/>
+          <a:p>
+            <a:pPr marL="342900" indent="-342900">
+              <a:buAutoNum type="arabicPeriod"/>
+            </a:pPr>
+            <a:r>
+              <a:rPr lang="zh-CN" altLang="en-US" dirty="0"/>
+              <a:t>动漫剧本</a:t>
+            </a:r>
+            <a:endParaRPr lang="en-US" altLang="zh-CN" dirty="0"/>
+          </a:p>
+          <a:p>
+            <a:pPr marL="342900" indent="-342900">
+              <a:buAutoNum type="arabicPeriod"/>
+            </a:pPr>
+            <a:r>
+              <a:rPr lang="zh-CN" altLang="en-US" dirty="0"/>
+              <a:t>漫画</a:t>
+            </a:r>
+            <a:endParaRPr lang="en-US" altLang="zh-CN" dirty="0"/>
+          </a:p>
+          <a:p>
+            <a:pPr marL="342900" indent="-342900">
+              <a:buAutoNum type="arabicPeriod"/>
+            </a:pPr>
+            <a:r>
+              <a:rPr lang="zh-CN" altLang="en-US" dirty="0"/>
+              <a:t>协同制作（个人制作</a:t>
+            </a:r>
+            <a:r>
+              <a:rPr lang="en-US" altLang="zh-CN" dirty="0"/>
+              <a:t>+</a:t>
+            </a:r>
+            <a:r>
+              <a:rPr lang="zh-CN" altLang="en-US" dirty="0"/>
+              <a:t>同人创作）</a:t>
+            </a:r>
+            <a:endParaRPr lang="en-US" altLang="zh-CN" dirty="0"/>
+          </a:p>
+          <a:p>
+            <a:pPr marL="342900" indent="-342900">
+              <a:buAutoNum type="arabicPeriod"/>
+            </a:pPr>
+            <a:r>
+              <a:rPr lang="zh-CN" altLang="en-US" dirty="0"/>
+              <a:t>最佳改编</a:t>
+            </a:r>
+            <a:endParaRPr lang="en-US" altLang="zh-CN" dirty="0"/>
+          </a:p>
+          <a:p>
+            <a:pPr marL="342900" indent="-342900">
+              <a:buAutoNum type="arabicPeriod"/>
+            </a:pPr>
+            <a:r>
+              <a:rPr lang="zh-CN" altLang="en-US" dirty="0"/>
+              <a:t>同人歌曲</a:t>
+            </a:r>
+            <a:endParaRPr lang="en-US" altLang="zh-CN" dirty="0"/>
+          </a:p>
+          <a:p>
+            <a:pPr marL="342900" indent="-342900">
+              <a:buAutoNum type="arabicPeriod"/>
+            </a:pPr>
+            <a:r>
+              <a:rPr lang="zh-CN" altLang="en-US" dirty="0"/>
+              <a:t>卡片个性制作</a:t>
+            </a:r>
+          </a:p>
+        </p:txBody>
+      </p:sp>
+      <p:sp>
+        <p:nvSpPr>
+          <p:cNvPr id="3" name="文本框 2">
+            <a:extLst>
+              <a:ext uri="{FF2B5EF4-FFF2-40B4-BE49-F238E27FC236}">
+                <a16:creationId xmlns:a16="http://schemas.microsoft.com/office/drawing/2014/main" id="{CA4522FA-F16F-4A8B-95CD-8ABB59E6E326}"/>
+              </a:ext>
+            </a:extLst>
+          </p:cNvPr>
+          <p:cNvSpPr txBox="1"/>
+          <p:nvPr/>
+        </p:nvSpPr>
+        <p:spPr>
+          <a:xfrm>
+            <a:off x="934720" y="274320"/>
+            <a:ext cx="646331" cy="369332"/>
+          </a:xfrm>
+          <a:prstGeom prst="rect">
+            <a:avLst/>
+          </a:prstGeom>
+          <a:noFill/>
+        </p:spPr>
+        <p:txBody>
+          <a:bodyPr wrap="none" rtlCol="0">
+            <a:spAutoFit/>
+          </a:bodyPr>
+          <a:lstStyle/>
+          <a:p>
+            <a:r>
+              <a:rPr lang="zh-CN" altLang="en-US" dirty="0"/>
+              <a:t>首页</a:t>
+            </a:r>
+          </a:p>
+        </p:txBody>
+      </p:sp>
+    </p:spTree>
+    <p:extLst>
+      <p:ext uri="{BB962C8B-B14F-4D97-AF65-F5344CB8AC3E}">
+        <p14:creationId xmlns:p14="http://schemas.microsoft.com/office/powerpoint/2010/main" val="1158829063"/>
+      </p:ext>
+    </p:extLst>
+  </p:cSld>
+  <p:clrMapOvr>
+    <a:masterClrMapping/>
+  </p:clrMapOvr>
+</p:sld>
+</file>
+
+<file path=ppt/slides/slide8.xml><?xml version="1.0" encoding="utf-8"?>
+<p:sld xmlns:a="http://schemas.openxmlformats.org/drawingml/2006/main" xmlns:r="http://schemas.openxmlformats.org/officeDocument/2006/relationships" xmlns:p="http://schemas.openxmlformats.org/presentationml/2006/main">
+  <p:cSld>
+    <p:spTree>
+      <p:nvGrpSpPr>
+        <p:cNvPr id="1" name=""/>
+        <p:cNvGrpSpPr/>
+        <p:nvPr/>
+      </p:nvGrpSpPr>
+      <p:grpSpPr>
+        <a:xfrm>
+          <a:off x="0" y="0"/>
+          <a:ext cx="0" cy="0"/>
+          <a:chOff x="0" y="0"/>
+          <a:chExt cx="0" cy="0"/>
+        </a:xfrm>
+      </p:grpSpPr>
+      <p:sp>
+        <p:nvSpPr>
+          <p:cNvPr id="13" name="矩形 12">
+            <a:extLst>
+              <a:ext uri="{FF2B5EF4-FFF2-40B4-BE49-F238E27FC236}">
+                <a16:creationId xmlns:a16="http://schemas.microsoft.com/office/drawing/2014/main" id="{323FE8D6-93A6-4929-869B-10BAA8DF2C95}"/>
               </a:ext>
             </a:extLst>
           </p:cNvPr>
@@ -5635,7 +7225,7 @@
         <p:spPr>
           <a:xfrm>
             <a:off x="0" y="0"/>
-            <a:ext cx="12192000" cy="4074160"/>
+            <a:ext cx="12192000" cy="6858000"/>
           </a:xfrm>
           <a:prstGeom prst="rect">
             <a:avLst/>
@@ -5669,10 +7259,10 @@
       </p:sp>
       <p:sp>
         <p:nvSpPr>
-          <p:cNvPr id="18" name="矩形 17">
-            <a:extLst>
-              <a:ext uri="{FF2B5EF4-FFF2-40B4-BE49-F238E27FC236}">
-                <a16:creationId xmlns:a16="http://schemas.microsoft.com/office/drawing/2014/main" id="{BBA57083-50E8-43DE-AF1D-244758BAA749}"/>
+          <p:cNvPr id="5" name="矩形 4">
+            <a:extLst>
+              <a:ext uri="{FF2B5EF4-FFF2-40B4-BE49-F238E27FC236}">
+                <a16:creationId xmlns:a16="http://schemas.microsoft.com/office/drawing/2014/main" id="{62DD8129-3496-4D2D-ABFB-49A68F24A45A}"/>
               </a:ext>
             </a:extLst>
           </p:cNvPr>
@@ -5682,14 +7272,12 @@
         <p:spPr>
           <a:xfrm>
             <a:off x="0" y="0"/>
-            <a:ext cx="12192000" cy="7051040"/>
+            <a:ext cx="12192000" cy="2489200"/>
           </a:xfrm>
           <a:prstGeom prst="rect">
             <a:avLst/>
           </a:prstGeom>
-          <a:solidFill>
-            <a:srgbClr val="971CB4"/>
-          </a:solidFill>
+          <a:noFill/>
         </p:spPr>
         <p:style>
           <a:lnRef idx="2">
@@ -5712,16 +7300,16 @@
           <a:lstStyle/>
           <a:p>
             <a:pPr algn="ctr"/>
-            <a:endParaRPr lang="zh-CN" altLang="en-US" dirty="0"/>
-          </a:p>
-        </p:txBody>
-      </p:sp>
-      <p:sp>
-        <p:nvSpPr>
-          <p:cNvPr id="19" name="矩形 18">
-            <a:extLst>
-              <a:ext uri="{FF2B5EF4-FFF2-40B4-BE49-F238E27FC236}">
-                <a16:creationId xmlns:a16="http://schemas.microsoft.com/office/drawing/2014/main" id="{A02B8B37-59FA-4E5A-B321-389F84C972C1}"/>
+            <a:endParaRPr lang="zh-CN" altLang="en-US"/>
+          </a:p>
+        </p:txBody>
+      </p:sp>
+      <p:sp>
+        <p:nvSpPr>
+          <p:cNvPr id="6" name="矩形 5">
+            <a:extLst>
+              <a:ext uri="{FF2B5EF4-FFF2-40B4-BE49-F238E27FC236}">
+                <a16:creationId xmlns:a16="http://schemas.microsoft.com/office/drawing/2014/main" id="{02AC5E13-F484-422B-A390-6F3216241322}"/>
               </a:ext>
             </a:extLst>
           </p:cNvPr>
@@ -5730,12 +7318,13 @@
         </p:nvSpPr>
         <p:spPr>
           <a:xfrm>
-            <a:off x="0" y="0"/>
-            <a:ext cx="3403600" cy="660400"/>
+            <a:off x="121920" y="0"/>
+            <a:ext cx="2895600" cy="2489200"/>
           </a:xfrm>
           <a:prstGeom prst="rect">
             <a:avLst/>
           </a:prstGeom>
+          <a:noFill/>
         </p:spPr>
         <p:style>
           <a:lnRef idx="2">
@@ -5758,19 +7347,16 @@
           <a:lstStyle/>
           <a:p>
             <a:pPr algn="ctr"/>
-            <a:r>
-              <a:rPr lang="zh-CN" altLang="en-US" dirty="0"/>
-              <a:t>征集作品</a:t>
-            </a:r>
-          </a:p>
-        </p:txBody>
-      </p:sp>
-      <p:sp>
-        <p:nvSpPr>
-          <p:cNvPr id="20" name="矩形 19">
-            <a:extLst>
-              <a:ext uri="{FF2B5EF4-FFF2-40B4-BE49-F238E27FC236}">
-                <a16:creationId xmlns:a16="http://schemas.microsoft.com/office/drawing/2014/main" id="{B0C6F842-C02A-4A4C-9B9F-852E06FEA1B8}"/>
+            <a:endParaRPr lang="zh-CN" altLang="en-US" dirty="0"/>
+          </a:p>
+        </p:txBody>
+      </p:sp>
+      <p:sp>
+        <p:nvSpPr>
+          <p:cNvPr id="11" name="矩形 10">
+            <a:extLst>
+              <a:ext uri="{FF2B5EF4-FFF2-40B4-BE49-F238E27FC236}">
+                <a16:creationId xmlns:a16="http://schemas.microsoft.com/office/drawing/2014/main" id="{71198114-9BC0-42C9-8FF1-1E10418088DD}"/>
               </a:ext>
             </a:extLst>
           </p:cNvPr>
@@ -5779,12 +7365,13 @@
         </p:nvSpPr>
         <p:spPr>
           <a:xfrm>
-            <a:off x="0" y="660400"/>
-            <a:ext cx="2804160" cy="3413760"/>
+            <a:off x="3139440" y="0"/>
+            <a:ext cx="2895600" cy="2489200"/>
           </a:xfrm>
           <a:prstGeom prst="rect">
             <a:avLst/>
           </a:prstGeom>
+          <a:noFill/>
         </p:spPr>
         <p:style>
           <a:lnRef idx="2">
@@ -5807,16 +7394,16 @@
           <a:lstStyle/>
           <a:p>
             <a:pPr algn="ctr"/>
-            <a:endParaRPr lang="zh-CN" altLang="en-US" dirty="0"/>
-          </a:p>
-        </p:txBody>
-      </p:sp>
-      <p:sp>
-        <p:nvSpPr>
-          <p:cNvPr id="24" name="矩形 23">
-            <a:extLst>
-              <a:ext uri="{FF2B5EF4-FFF2-40B4-BE49-F238E27FC236}">
-                <a16:creationId xmlns:a16="http://schemas.microsoft.com/office/drawing/2014/main" id="{7BC5F5CD-59FA-4C21-BFBF-9929FB0F7A49}"/>
+            <a:endParaRPr lang="zh-CN" altLang="en-US"/>
+          </a:p>
+        </p:txBody>
+      </p:sp>
+      <p:sp>
+        <p:nvSpPr>
+          <p:cNvPr id="12" name="矩形 11">
+            <a:extLst>
+              <a:ext uri="{FF2B5EF4-FFF2-40B4-BE49-F238E27FC236}">
+                <a16:creationId xmlns:a16="http://schemas.microsoft.com/office/drawing/2014/main" id="{6CF6B84D-3071-41A0-B80E-10B98F594A7D}"/>
               </a:ext>
             </a:extLst>
           </p:cNvPr>
@@ -5825,12 +7412,13 @@
         </p:nvSpPr>
         <p:spPr>
           <a:xfrm>
-            <a:off x="2788920" y="660400"/>
-            <a:ext cx="2804160" cy="3413760"/>
+            <a:off x="6156960" y="0"/>
+            <a:ext cx="2895600" cy="2489200"/>
           </a:xfrm>
           <a:prstGeom prst="rect">
             <a:avLst/>
           </a:prstGeom>
+          <a:noFill/>
         </p:spPr>
         <p:style>
           <a:lnRef idx="2">
@@ -5859,10 +7447,10 @@
       </p:sp>
       <p:sp>
         <p:nvSpPr>
-          <p:cNvPr id="25" name="矩形 24">
-            <a:extLst>
-              <a:ext uri="{FF2B5EF4-FFF2-40B4-BE49-F238E27FC236}">
-                <a16:creationId xmlns:a16="http://schemas.microsoft.com/office/drawing/2014/main" id="{3426B1A4-BCCF-49C8-978B-F622AD0E3E53}"/>
+          <p:cNvPr id="14" name="矩形 13">
+            <a:extLst>
+              <a:ext uri="{FF2B5EF4-FFF2-40B4-BE49-F238E27FC236}">
+                <a16:creationId xmlns:a16="http://schemas.microsoft.com/office/drawing/2014/main" id="{F1678488-6BD4-4149-A9B3-28959AE79B64}"/>
               </a:ext>
             </a:extLst>
           </p:cNvPr>
@@ -5871,12 +7459,13 @@
         </p:nvSpPr>
         <p:spPr>
           <a:xfrm>
-            <a:off x="5593080" y="660400"/>
-            <a:ext cx="2804160" cy="3413760"/>
+            <a:off x="9174480" y="0"/>
+            <a:ext cx="2895600" cy="2489200"/>
           </a:xfrm>
           <a:prstGeom prst="rect">
             <a:avLst/>
           </a:prstGeom>
+          <a:noFill/>
         </p:spPr>
         <p:style>
           <a:lnRef idx="2">
@@ -5903,26 +7492,526 @@
           </a:p>
         </p:txBody>
       </p:sp>
-      <p:sp>
-        <p:nvSpPr>
-          <p:cNvPr id="26" name="矩形 25">
-            <a:extLst>
-              <a:ext uri="{FF2B5EF4-FFF2-40B4-BE49-F238E27FC236}">
-                <a16:creationId xmlns:a16="http://schemas.microsoft.com/office/drawing/2014/main" id="{D611DCF8-4E3C-4E2C-8445-29221F446E34}"/>
-              </a:ext>
-            </a:extLst>
-          </p:cNvPr>
-          <p:cNvSpPr/>
+      <p:pic>
+        <p:nvPicPr>
+          <p:cNvPr id="23" name="图片 22">
+            <a:extLst>
+              <a:ext uri="{FF2B5EF4-FFF2-40B4-BE49-F238E27FC236}">
+                <a16:creationId xmlns:a16="http://schemas.microsoft.com/office/drawing/2014/main" id="{753F7081-A498-4861-B7C9-61805C3EFA7A}"/>
+              </a:ext>
+            </a:extLst>
+          </p:cNvPr>
+          <p:cNvPicPr>
+            <a:picLocks noChangeAspect="1"/>
+          </p:cNvPicPr>
           <p:nvPr/>
-        </p:nvSpPr>
-        <p:spPr>
-          <a:xfrm>
-            <a:off x="8382000" y="660400"/>
-            <a:ext cx="2804160" cy="3413760"/>
+        </p:nvPicPr>
+        <p:blipFill>
+          <a:blip r:embed="rId2">
+            <a:extLst>
+              <a:ext uri="{28A0092B-C50C-407E-A947-70E740481C1C}">
+                <a14:useLocalDpi xmlns:a14="http://schemas.microsoft.com/office/drawing/2010/main" val="0"/>
+              </a:ext>
+            </a:extLst>
+          </a:blip>
+          <a:stretch>
+            <a:fillRect/>
+          </a:stretch>
+        </p:blipFill>
+        <p:spPr>
+          <a:xfrm>
+            <a:off x="121920" y="0"/>
+            <a:ext cx="2895599" cy="2489200"/>
           </a:xfrm>
           <a:prstGeom prst="rect">
             <a:avLst/>
           </a:prstGeom>
+        </p:spPr>
+      </p:pic>
+      <p:pic>
+        <p:nvPicPr>
+          <p:cNvPr id="25" name="图片 24">
+            <a:extLst>
+              <a:ext uri="{FF2B5EF4-FFF2-40B4-BE49-F238E27FC236}">
+                <a16:creationId xmlns:a16="http://schemas.microsoft.com/office/drawing/2014/main" id="{15812DC8-8A6F-4633-95AD-C9CBD3E915B2}"/>
+              </a:ext>
+            </a:extLst>
+          </p:cNvPr>
+          <p:cNvPicPr>
+            <a:picLocks noChangeAspect="1"/>
+          </p:cNvPicPr>
+          <p:nvPr/>
+        </p:nvPicPr>
+        <p:blipFill>
+          <a:blip r:embed="rId3">
+            <a:extLst>
+              <a:ext uri="{28A0092B-C50C-407E-A947-70E740481C1C}">
+                <a14:useLocalDpi xmlns:a14="http://schemas.microsoft.com/office/drawing/2010/main" val="0"/>
+              </a:ext>
+            </a:extLst>
+          </a:blip>
+          <a:stretch>
+            <a:fillRect/>
+          </a:stretch>
+        </p:blipFill>
+        <p:spPr>
+          <a:xfrm>
+            <a:off x="3139440" y="0"/>
+            <a:ext cx="2895600" cy="2489200"/>
+          </a:xfrm>
+          <a:prstGeom prst="rect">
+            <a:avLst/>
+          </a:prstGeom>
+        </p:spPr>
+      </p:pic>
+      <p:pic>
+        <p:nvPicPr>
+          <p:cNvPr id="27" name="图片 26">
+            <a:extLst>
+              <a:ext uri="{FF2B5EF4-FFF2-40B4-BE49-F238E27FC236}">
+                <a16:creationId xmlns:a16="http://schemas.microsoft.com/office/drawing/2014/main" id="{62B51F2F-37CC-4C7B-9C78-C093265DE6A9}"/>
+              </a:ext>
+            </a:extLst>
+          </p:cNvPr>
+          <p:cNvPicPr>
+            <a:picLocks noChangeAspect="1"/>
+          </p:cNvPicPr>
+          <p:nvPr/>
+        </p:nvPicPr>
+        <p:blipFill>
+          <a:blip r:embed="rId4">
+            <a:extLst>
+              <a:ext uri="{28A0092B-C50C-407E-A947-70E740481C1C}">
+                <a14:useLocalDpi xmlns:a14="http://schemas.microsoft.com/office/drawing/2010/main" val="0"/>
+              </a:ext>
+            </a:extLst>
+          </a:blip>
+          <a:stretch>
+            <a:fillRect/>
+          </a:stretch>
+        </p:blipFill>
+        <p:spPr>
+          <a:xfrm>
+            <a:off x="6156960" y="0"/>
+            <a:ext cx="2895600" cy="2489200"/>
+          </a:xfrm>
+          <a:prstGeom prst="rect">
+            <a:avLst/>
+          </a:prstGeom>
+        </p:spPr>
+      </p:pic>
+      <p:pic>
+        <p:nvPicPr>
+          <p:cNvPr id="29" name="图片 28">
+            <a:extLst>
+              <a:ext uri="{FF2B5EF4-FFF2-40B4-BE49-F238E27FC236}">
+                <a16:creationId xmlns:a16="http://schemas.microsoft.com/office/drawing/2014/main" id="{5AB7314C-3773-4489-829E-1CEAFA6BAE17}"/>
+              </a:ext>
+            </a:extLst>
+          </p:cNvPr>
+          <p:cNvPicPr>
+            <a:picLocks noChangeAspect="1"/>
+          </p:cNvPicPr>
+          <p:nvPr/>
+        </p:nvPicPr>
+        <p:blipFill>
+          <a:blip r:embed="rId5">
+            <a:extLst>
+              <a:ext uri="{28A0092B-C50C-407E-A947-70E740481C1C}">
+                <a14:useLocalDpi xmlns:a14="http://schemas.microsoft.com/office/drawing/2010/main" val="0"/>
+              </a:ext>
+            </a:extLst>
+          </a:blip>
+          <a:stretch>
+            <a:fillRect/>
+          </a:stretch>
+        </p:blipFill>
+        <p:spPr>
+          <a:xfrm>
+            <a:off x="9144000" y="0"/>
+            <a:ext cx="2926080" cy="2489200"/>
+          </a:xfrm>
+          <a:prstGeom prst="rect">
+            <a:avLst/>
+          </a:prstGeom>
+        </p:spPr>
+      </p:pic>
+      <p:sp>
+        <p:nvSpPr>
+          <p:cNvPr id="30" name="文本框 29">
+            <a:extLst>
+              <a:ext uri="{FF2B5EF4-FFF2-40B4-BE49-F238E27FC236}">
+                <a16:creationId xmlns:a16="http://schemas.microsoft.com/office/drawing/2014/main" id="{8731B961-D00D-4AB7-B537-F83EA09A752D}"/>
+              </a:ext>
+            </a:extLst>
+          </p:cNvPr>
+          <p:cNvSpPr txBox="1"/>
+          <p:nvPr/>
+        </p:nvSpPr>
+        <p:spPr>
+          <a:xfrm>
+            <a:off x="335279" y="355600"/>
+            <a:ext cx="2468880" cy="369332"/>
+          </a:xfrm>
+          <a:prstGeom prst="rect">
+            <a:avLst/>
+          </a:prstGeom>
+          <a:noFill/>
+        </p:spPr>
+        <p:txBody>
+          <a:bodyPr wrap="square" rtlCol="0">
+            <a:spAutoFit/>
+          </a:bodyPr>
+          <a:lstStyle/>
+          <a:p>
+            <a:r>
+              <a:rPr lang="zh-CN" altLang="en-US" dirty="0">
+                <a:solidFill>
+                  <a:schemeClr val="bg1"/>
+                </a:solidFill>
+              </a:rPr>
+              <a:t>悬疑系列动漫正式上线</a:t>
+            </a:r>
+          </a:p>
+        </p:txBody>
+      </p:sp>
+      <p:sp>
+        <p:nvSpPr>
+          <p:cNvPr id="31" name="文本框 30">
+            <a:extLst>
+              <a:ext uri="{FF2B5EF4-FFF2-40B4-BE49-F238E27FC236}">
+                <a16:creationId xmlns:a16="http://schemas.microsoft.com/office/drawing/2014/main" id="{D795E87B-ABB9-4EA7-9B3F-040A0723137B}"/>
+              </a:ext>
+            </a:extLst>
+          </p:cNvPr>
+          <p:cNvSpPr txBox="1"/>
+          <p:nvPr/>
+        </p:nvSpPr>
+        <p:spPr>
+          <a:xfrm>
+            <a:off x="472438" y="960734"/>
+            <a:ext cx="2540000" cy="646331"/>
+          </a:xfrm>
+          <a:prstGeom prst="rect">
+            <a:avLst/>
+          </a:prstGeom>
+          <a:noFill/>
+        </p:spPr>
+        <p:txBody>
+          <a:bodyPr wrap="square" rtlCol="0">
+            <a:spAutoFit/>
+          </a:bodyPr>
+          <a:lstStyle/>
+          <a:p>
+            <a:r>
+              <a:rPr lang="zh-CN" altLang="en-US" dirty="0">
+                <a:solidFill>
+                  <a:schemeClr val="bg1"/>
+                </a:solidFill>
+              </a:rPr>
+              <a:t>在阳光下生长的人们，在黑夜里</a:t>
+            </a:r>
+            <a:r>
+              <a:rPr lang="zh-CN" altLang="en-US">
+                <a:solidFill>
+                  <a:schemeClr val="bg1"/>
+                </a:solidFill>
+              </a:rPr>
+              <a:t>继续远行着</a:t>
+            </a:r>
+            <a:endParaRPr lang="zh-CN" altLang="en-US" dirty="0">
+              <a:solidFill>
+                <a:schemeClr val="bg1"/>
+              </a:solidFill>
+            </a:endParaRPr>
+          </a:p>
+        </p:txBody>
+      </p:sp>
+      <p:sp>
+        <p:nvSpPr>
+          <p:cNvPr id="32" name="文本框 31">
+            <a:extLst>
+              <a:ext uri="{FF2B5EF4-FFF2-40B4-BE49-F238E27FC236}">
+                <a16:creationId xmlns:a16="http://schemas.microsoft.com/office/drawing/2014/main" id="{EB064810-AF01-48AE-A5C8-6B572CE47300}"/>
+              </a:ext>
+            </a:extLst>
+          </p:cNvPr>
+          <p:cNvSpPr txBox="1"/>
+          <p:nvPr/>
+        </p:nvSpPr>
+        <p:spPr>
+          <a:xfrm>
+            <a:off x="3335022" y="355600"/>
+            <a:ext cx="2468880" cy="369332"/>
+          </a:xfrm>
+          <a:prstGeom prst="rect">
+            <a:avLst/>
+          </a:prstGeom>
+          <a:noFill/>
+        </p:spPr>
+        <p:txBody>
+          <a:bodyPr wrap="square" rtlCol="0">
+            <a:spAutoFit/>
+          </a:bodyPr>
+          <a:lstStyle/>
+          <a:p>
+            <a:r>
+              <a:rPr lang="zh-CN" altLang="en-US" dirty="0">
+                <a:solidFill>
+                  <a:schemeClr val="bg1"/>
+                </a:solidFill>
+              </a:rPr>
+              <a:t>悬疑系列动漫正式上线</a:t>
+            </a:r>
+          </a:p>
+        </p:txBody>
+      </p:sp>
+      <p:sp>
+        <p:nvSpPr>
+          <p:cNvPr id="33" name="文本框 32">
+            <a:extLst>
+              <a:ext uri="{FF2B5EF4-FFF2-40B4-BE49-F238E27FC236}">
+                <a16:creationId xmlns:a16="http://schemas.microsoft.com/office/drawing/2014/main" id="{30DE725B-87C3-403F-BF8D-4F7459D359A8}"/>
+              </a:ext>
+            </a:extLst>
+          </p:cNvPr>
+          <p:cNvSpPr txBox="1"/>
+          <p:nvPr/>
+        </p:nvSpPr>
+        <p:spPr>
+          <a:xfrm>
+            <a:off x="3472181" y="960734"/>
+            <a:ext cx="2540000" cy="923330"/>
+          </a:xfrm>
+          <a:prstGeom prst="rect">
+            <a:avLst/>
+          </a:prstGeom>
+          <a:noFill/>
+        </p:spPr>
+        <p:txBody>
+          <a:bodyPr wrap="square" rtlCol="0">
+            <a:spAutoFit/>
+          </a:bodyPr>
+          <a:lstStyle/>
+          <a:p>
+            <a:r>
+              <a:rPr lang="zh-CN" altLang="en-US" dirty="0">
+                <a:solidFill>
+                  <a:schemeClr val="bg1"/>
+                </a:solidFill>
+              </a:rPr>
+              <a:t>我们渴望着在不为人知的岁月里，有着惊世骇俗的经历</a:t>
+            </a:r>
+          </a:p>
+        </p:txBody>
+      </p:sp>
+      <p:sp>
+        <p:nvSpPr>
+          <p:cNvPr id="34" name="文本框 33">
+            <a:extLst>
+              <a:ext uri="{FF2B5EF4-FFF2-40B4-BE49-F238E27FC236}">
+                <a16:creationId xmlns:a16="http://schemas.microsoft.com/office/drawing/2014/main" id="{ADEB14C0-AA94-456E-AD49-2C3097924FC5}"/>
+              </a:ext>
+            </a:extLst>
+          </p:cNvPr>
+          <p:cNvSpPr txBox="1"/>
+          <p:nvPr/>
+        </p:nvSpPr>
+        <p:spPr>
+          <a:xfrm>
+            <a:off x="6375401" y="355600"/>
+            <a:ext cx="2468880" cy="369332"/>
+          </a:xfrm>
+          <a:prstGeom prst="rect">
+            <a:avLst/>
+          </a:prstGeom>
+          <a:noFill/>
+        </p:spPr>
+        <p:txBody>
+          <a:bodyPr wrap="square" rtlCol="0">
+            <a:spAutoFit/>
+          </a:bodyPr>
+          <a:lstStyle/>
+          <a:p>
+            <a:r>
+              <a:rPr lang="zh-CN" altLang="en-US" dirty="0">
+                <a:solidFill>
+                  <a:schemeClr val="bg1"/>
+                </a:solidFill>
+              </a:rPr>
+              <a:t>悬疑系列动漫正式上线</a:t>
+            </a:r>
+          </a:p>
+        </p:txBody>
+      </p:sp>
+      <p:sp>
+        <p:nvSpPr>
+          <p:cNvPr id="35" name="文本框 34">
+            <a:extLst>
+              <a:ext uri="{FF2B5EF4-FFF2-40B4-BE49-F238E27FC236}">
+                <a16:creationId xmlns:a16="http://schemas.microsoft.com/office/drawing/2014/main" id="{268FD7DC-FFE2-4816-ADA4-6F910E9E1372}"/>
+              </a:ext>
+            </a:extLst>
+          </p:cNvPr>
+          <p:cNvSpPr txBox="1"/>
+          <p:nvPr/>
+        </p:nvSpPr>
+        <p:spPr>
+          <a:xfrm>
+            <a:off x="6512560" y="960734"/>
+            <a:ext cx="2540000" cy="646331"/>
+          </a:xfrm>
+          <a:prstGeom prst="rect">
+            <a:avLst/>
+          </a:prstGeom>
+          <a:noFill/>
+        </p:spPr>
+        <p:txBody>
+          <a:bodyPr wrap="square" rtlCol="0">
+            <a:spAutoFit/>
+          </a:bodyPr>
+          <a:lstStyle/>
+          <a:p>
+            <a:r>
+              <a:rPr lang="zh-CN" altLang="en-US" dirty="0">
+                <a:solidFill>
+                  <a:schemeClr val="bg1"/>
+                </a:solidFill>
+              </a:rPr>
+              <a:t>生如夏花，愿世界如你我一般，这般寂静</a:t>
+            </a:r>
+          </a:p>
+        </p:txBody>
+      </p:sp>
+      <p:sp>
+        <p:nvSpPr>
+          <p:cNvPr id="36" name="文本框 35">
+            <a:extLst>
+              <a:ext uri="{FF2B5EF4-FFF2-40B4-BE49-F238E27FC236}">
+                <a16:creationId xmlns:a16="http://schemas.microsoft.com/office/drawing/2014/main" id="{0528E74D-7429-482E-B7D2-92D2BBE1155A}"/>
+              </a:ext>
+            </a:extLst>
+          </p:cNvPr>
+          <p:cNvSpPr txBox="1"/>
+          <p:nvPr/>
+        </p:nvSpPr>
+        <p:spPr>
+          <a:xfrm>
+            <a:off x="9385302" y="355600"/>
+            <a:ext cx="2468880" cy="369332"/>
+          </a:xfrm>
+          <a:prstGeom prst="rect">
+            <a:avLst/>
+          </a:prstGeom>
+          <a:noFill/>
+        </p:spPr>
+        <p:txBody>
+          <a:bodyPr wrap="square" rtlCol="0">
+            <a:spAutoFit/>
+          </a:bodyPr>
+          <a:lstStyle/>
+          <a:p>
+            <a:r>
+              <a:rPr lang="zh-CN" altLang="en-US" dirty="0">
+                <a:solidFill>
+                  <a:schemeClr val="bg1"/>
+                </a:solidFill>
+              </a:rPr>
+              <a:t>悬疑系列动漫正式上线</a:t>
+            </a:r>
+          </a:p>
+        </p:txBody>
+      </p:sp>
+      <p:sp>
+        <p:nvSpPr>
+          <p:cNvPr id="37" name="文本框 36">
+            <a:extLst>
+              <a:ext uri="{FF2B5EF4-FFF2-40B4-BE49-F238E27FC236}">
+                <a16:creationId xmlns:a16="http://schemas.microsoft.com/office/drawing/2014/main" id="{181FBEB3-F6ED-494E-A82E-2B169DF2437D}"/>
+              </a:ext>
+            </a:extLst>
+          </p:cNvPr>
+          <p:cNvSpPr txBox="1"/>
+          <p:nvPr/>
+        </p:nvSpPr>
+        <p:spPr>
+          <a:xfrm>
+            <a:off x="9522461" y="960734"/>
+            <a:ext cx="2540000" cy="646331"/>
+          </a:xfrm>
+          <a:prstGeom prst="rect">
+            <a:avLst/>
+          </a:prstGeom>
+          <a:noFill/>
+        </p:spPr>
+        <p:txBody>
+          <a:bodyPr wrap="square" rtlCol="0">
+            <a:spAutoFit/>
+          </a:bodyPr>
+          <a:lstStyle/>
+          <a:p>
+            <a:r>
+              <a:rPr lang="zh-CN" altLang="en-US" dirty="0">
+                <a:solidFill>
+                  <a:schemeClr val="bg1"/>
+                </a:solidFill>
+              </a:rPr>
+              <a:t>夜晚升起的时候，每一个星光都会洒满大地</a:t>
+            </a:r>
+          </a:p>
+        </p:txBody>
+      </p:sp>
+    </p:spTree>
+    <p:extLst>
+      <p:ext uri="{BB962C8B-B14F-4D97-AF65-F5344CB8AC3E}">
+        <p14:creationId xmlns:p14="http://schemas.microsoft.com/office/powerpoint/2010/main" val="1370722201"/>
+      </p:ext>
+    </p:extLst>
+  </p:cSld>
+  <p:clrMapOvr>
+    <a:masterClrMapping/>
+  </p:clrMapOvr>
+</p:sld>
+</file>
+
+<file path=ppt/slides/slide9.xml><?xml version="1.0" encoding="utf-8"?>
+<p:sld xmlns:a="http://schemas.openxmlformats.org/drawingml/2006/main" xmlns:r="http://schemas.openxmlformats.org/officeDocument/2006/relationships" xmlns:p="http://schemas.openxmlformats.org/presentationml/2006/main">
+  <p:cSld>
+    <p:spTree>
+      <p:nvGrpSpPr>
+        <p:cNvPr id="1" name=""/>
+        <p:cNvGrpSpPr/>
+        <p:nvPr/>
+      </p:nvGrpSpPr>
+      <p:grpSpPr>
+        <a:xfrm>
+          <a:off x="0" y="0"/>
+          <a:ext cx="0" cy="0"/>
+          <a:chOff x="0" y="0"/>
+          <a:chExt cx="0" cy="0"/>
+        </a:xfrm>
+      </p:grpSpPr>
+      <p:sp>
+        <p:nvSpPr>
+          <p:cNvPr id="13" name="矩形 12">
+            <a:extLst>
+              <a:ext uri="{FF2B5EF4-FFF2-40B4-BE49-F238E27FC236}">
+                <a16:creationId xmlns:a16="http://schemas.microsoft.com/office/drawing/2014/main" id="{323FE8D6-93A6-4929-869B-10BAA8DF2C95}"/>
+              </a:ext>
+            </a:extLst>
+          </p:cNvPr>
+          <p:cNvSpPr/>
+          <p:nvPr/>
+        </p:nvSpPr>
+        <p:spPr>
+          <a:xfrm>
+            <a:off x="0" y="0"/>
+            <a:ext cx="12192000" cy="6858000"/>
+          </a:xfrm>
+          <a:prstGeom prst="rect">
+            <a:avLst/>
+          </a:prstGeom>
+          <a:noFill/>
         </p:spPr>
         <p:style>
           <a:lnRef idx="2">
@@ -5951,192 +8040,185 @@
       </p:sp>
       <p:sp>
         <p:nvSpPr>
-          <p:cNvPr id="27" name="矩形 26">
-            <a:extLst>
-              <a:ext uri="{FF2B5EF4-FFF2-40B4-BE49-F238E27FC236}">
-                <a16:creationId xmlns:a16="http://schemas.microsoft.com/office/drawing/2014/main" id="{09859992-036A-45DD-8A14-C35D409FCB0A}"/>
-              </a:ext>
-            </a:extLst>
-          </p:cNvPr>
-          <p:cNvSpPr/>
+          <p:cNvPr id="2" name="文本框 1">
+            <a:extLst>
+              <a:ext uri="{FF2B5EF4-FFF2-40B4-BE49-F238E27FC236}">
+                <a16:creationId xmlns:a16="http://schemas.microsoft.com/office/drawing/2014/main" id="{6AF928D9-F73B-4B32-BD1E-8CB0BF63B270}"/>
+              </a:ext>
+            </a:extLst>
+          </p:cNvPr>
+          <p:cNvSpPr txBox="1"/>
           <p:nvPr/>
         </p:nvSpPr>
         <p:spPr>
           <a:xfrm>
-            <a:off x="0" y="4074160"/>
-            <a:ext cx="2788920" cy="2976880"/>
+            <a:off x="629920" y="762000"/>
+            <a:ext cx="1454244" cy="1200329"/>
           </a:xfrm>
           <a:prstGeom prst="rect">
             <a:avLst/>
           </a:prstGeom>
-        </p:spPr>
-        <p:style>
-          <a:lnRef idx="2">
-            <a:schemeClr val="accent1">
-              <a:shade val="50000"/>
-            </a:schemeClr>
-          </a:lnRef>
-          <a:fillRef idx="1">
-            <a:schemeClr val="accent1"/>
-          </a:fillRef>
-          <a:effectRef idx="0">
-            <a:schemeClr val="accent1"/>
-          </a:effectRef>
-          <a:fontRef idx="minor">
-            <a:schemeClr val="lt1"/>
-          </a:fontRef>
-        </p:style>
-        <p:txBody>
-          <a:bodyPr rtlCol="0" anchor="ctr"/>
-          <a:lstStyle/>
-          <a:p>
-            <a:pPr algn="ctr"/>
-            <a:endParaRPr lang="zh-CN" altLang="en-US"/>
-          </a:p>
-        </p:txBody>
-      </p:sp>
-      <p:sp>
-        <p:nvSpPr>
-          <p:cNvPr id="28" name="矩形 27">
-            <a:extLst>
-              <a:ext uri="{FF2B5EF4-FFF2-40B4-BE49-F238E27FC236}">
-                <a16:creationId xmlns:a16="http://schemas.microsoft.com/office/drawing/2014/main" id="{C075B601-FA7F-4314-86F7-1BC143F0EC78}"/>
-              </a:ext>
-            </a:extLst>
-          </p:cNvPr>
-          <p:cNvSpPr/>
+          <a:noFill/>
+        </p:spPr>
+        <p:txBody>
+          <a:bodyPr wrap="none" rtlCol="0">
+            <a:spAutoFit/>
+          </a:bodyPr>
+          <a:lstStyle/>
+          <a:p>
+            <a:pPr marL="342900" indent="-342900">
+              <a:buAutoNum type="arabicPeriod"/>
+            </a:pPr>
+            <a:r>
+              <a:rPr lang="zh-CN" altLang="en-US" dirty="0"/>
+              <a:t>动漫作者</a:t>
+            </a:r>
+            <a:endParaRPr lang="en-US" altLang="zh-CN" dirty="0"/>
+          </a:p>
+          <a:p>
+            <a:pPr marL="342900" indent="-342900">
+              <a:buAutoNum type="arabicPeriod"/>
+            </a:pPr>
+            <a:r>
+              <a:rPr lang="zh-CN" altLang="en-US" dirty="0"/>
+              <a:t>最新推出</a:t>
+            </a:r>
+            <a:endParaRPr lang="en-US" altLang="zh-CN" dirty="0"/>
+          </a:p>
+          <a:p>
+            <a:pPr marL="342900" indent="-342900">
+              <a:buAutoNum type="arabicPeriod"/>
+            </a:pPr>
+            <a:r>
+              <a:rPr lang="zh-CN" altLang="en-US" dirty="0"/>
+              <a:t>热门精选</a:t>
+            </a:r>
+            <a:endParaRPr lang="en-US" altLang="zh-CN" dirty="0"/>
+          </a:p>
+          <a:p>
+            <a:pPr marL="342900" indent="-342900">
+              <a:buAutoNum type="arabicPeriod"/>
+            </a:pPr>
+            <a:r>
+              <a:rPr lang="zh-CN" altLang="en-US" dirty="0"/>
+              <a:t>热门改编</a:t>
+            </a:r>
+          </a:p>
+        </p:txBody>
+      </p:sp>
+      <p:sp>
+        <p:nvSpPr>
+          <p:cNvPr id="3" name="文本框 2">
+            <a:extLst>
+              <a:ext uri="{FF2B5EF4-FFF2-40B4-BE49-F238E27FC236}">
+                <a16:creationId xmlns:a16="http://schemas.microsoft.com/office/drawing/2014/main" id="{CA4522FA-F16F-4A8B-95CD-8ABB59E6E326}"/>
+              </a:ext>
+            </a:extLst>
+          </p:cNvPr>
+          <p:cNvSpPr txBox="1"/>
           <p:nvPr/>
         </p:nvSpPr>
         <p:spPr>
           <a:xfrm>
-            <a:off x="2792730" y="4074160"/>
-            <a:ext cx="2788920" cy="2976880"/>
+            <a:off x="934720" y="274320"/>
+            <a:ext cx="1497526" cy="369332"/>
           </a:xfrm>
           <a:prstGeom prst="rect">
             <a:avLst/>
           </a:prstGeom>
-        </p:spPr>
-        <p:style>
-          <a:lnRef idx="2">
-            <a:schemeClr val="accent1">
-              <a:shade val="50000"/>
-            </a:schemeClr>
-          </a:lnRef>
-          <a:fillRef idx="1">
-            <a:schemeClr val="accent1"/>
-          </a:fillRef>
-          <a:effectRef idx="0">
-            <a:schemeClr val="accent1"/>
-          </a:effectRef>
-          <a:fontRef idx="minor">
-            <a:schemeClr val="lt1"/>
-          </a:fontRef>
-        </p:style>
-        <p:txBody>
-          <a:bodyPr rtlCol="0" anchor="ctr"/>
-          <a:lstStyle/>
-          <a:p>
-            <a:pPr algn="ctr"/>
-            <a:endParaRPr lang="zh-CN" altLang="en-US"/>
-          </a:p>
-        </p:txBody>
-      </p:sp>
-      <p:sp>
-        <p:nvSpPr>
-          <p:cNvPr id="29" name="矩形 28">
-            <a:extLst>
-              <a:ext uri="{FF2B5EF4-FFF2-40B4-BE49-F238E27FC236}">
-                <a16:creationId xmlns:a16="http://schemas.microsoft.com/office/drawing/2014/main" id="{776D2868-D87F-4884-9DCE-0E2B68990DF0}"/>
-              </a:ext>
-            </a:extLst>
-          </p:cNvPr>
-          <p:cNvSpPr/>
+          <a:noFill/>
+        </p:spPr>
+        <p:txBody>
+          <a:bodyPr wrap="none" rtlCol="0">
+            <a:spAutoFit/>
+          </a:bodyPr>
+          <a:lstStyle/>
+          <a:p>
+            <a:r>
+              <a:rPr lang="en-US" altLang="zh-CN" dirty="0"/>
+              <a:t>/cartoon</a:t>
+            </a:r>
+            <a:r>
+              <a:rPr lang="zh-CN" altLang="en-US" dirty="0"/>
+              <a:t>页面</a:t>
+            </a:r>
+          </a:p>
+        </p:txBody>
+      </p:sp>
+      <p:sp>
+        <p:nvSpPr>
+          <p:cNvPr id="4" name="文本框 3">
+            <a:extLst>
+              <a:ext uri="{FF2B5EF4-FFF2-40B4-BE49-F238E27FC236}">
+                <a16:creationId xmlns:a16="http://schemas.microsoft.com/office/drawing/2014/main" id="{0F1FAC05-2AB7-44C2-AF9E-CD763C99EFF0}"/>
+              </a:ext>
+            </a:extLst>
+          </p:cNvPr>
+          <p:cNvSpPr txBox="1"/>
           <p:nvPr/>
         </p:nvSpPr>
         <p:spPr>
           <a:xfrm>
-            <a:off x="5585460" y="4074160"/>
-            <a:ext cx="2788920" cy="2976880"/>
+            <a:off x="518160" y="2580640"/>
+            <a:ext cx="6380480" cy="646331"/>
           </a:xfrm>
           <a:prstGeom prst="rect">
             <a:avLst/>
           </a:prstGeom>
-        </p:spPr>
-        <p:style>
-          <a:lnRef idx="2">
-            <a:schemeClr val="accent1">
-              <a:shade val="50000"/>
-            </a:schemeClr>
-          </a:lnRef>
-          <a:fillRef idx="1">
-            <a:schemeClr val="accent1"/>
-          </a:fillRef>
-          <a:effectRef idx="0">
-            <a:schemeClr val="accent1"/>
-          </a:effectRef>
-          <a:fontRef idx="minor">
-            <a:schemeClr val="lt1"/>
-          </a:fontRef>
-        </p:style>
-        <p:txBody>
-          <a:bodyPr rtlCol="0" anchor="ctr"/>
-          <a:lstStyle/>
-          <a:p>
-            <a:pPr algn="ctr"/>
-            <a:endParaRPr lang="zh-CN" altLang="en-US"/>
-          </a:p>
-        </p:txBody>
-      </p:sp>
-      <p:sp>
-        <p:nvSpPr>
-          <p:cNvPr id="30" name="矩形 29">
-            <a:extLst>
-              <a:ext uri="{FF2B5EF4-FFF2-40B4-BE49-F238E27FC236}">
-                <a16:creationId xmlns:a16="http://schemas.microsoft.com/office/drawing/2014/main" id="{83F35F63-F846-44DD-BF8F-7E9AB3492B60}"/>
-              </a:ext>
-            </a:extLst>
-          </p:cNvPr>
-          <p:cNvSpPr/>
+          <a:noFill/>
+        </p:spPr>
+        <p:txBody>
+          <a:bodyPr wrap="square" rtlCol="0">
+            <a:spAutoFit/>
+          </a:bodyPr>
+          <a:lstStyle/>
+          <a:p>
+            <a:r>
+              <a:rPr lang="zh-CN" altLang="en-US"/>
+              <a:t>动漫作者：随机展示动漫作者，每个作者会选择自己喜欢的马卡龙色，作者的头像就是对应的马卡龙色。</a:t>
+            </a:r>
+          </a:p>
+        </p:txBody>
+      </p:sp>
+      <p:sp>
+        <p:nvSpPr>
+          <p:cNvPr id="5" name="文本框 4">
+            <a:extLst>
+              <a:ext uri="{FF2B5EF4-FFF2-40B4-BE49-F238E27FC236}">
+                <a16:creationId xmlns:a16="http://schemas.microsoft.com/office/drawing/2014/main" id="{7B7AA174-CC27-450F-9486-D33CCA0C8DA7}"/>
+              </a:ext>
+            </a:extLst>
+          </p:cNvPr>
+          <p:cNvSpPr txBox="1"/>
           <p:nvPr/>
         </p:nvSpPr>
         <p:spPr>
           <a:xfrm>
-            <a:off x="8382000" y="4074160"/>
-            <a:ext cx="2788920" cy="2976880"/>
+            <a:off x="843280" y="4064000"/>
+            <a:ext cx="5710218" cy="369332"/>
           </a:xfrm>
           <a:prstGeom prst="rect">
             <a:avLst/>
           </a:prstGeom>
-        </p:spPr>
-        <p:style>
-          <a:lnRef idx="2">
-            <a:schemeClr val="accent1">
-              <a:shade val="50000"/>
-            </a:schemeClr>
-          </a:lnRef>
-          <a:fillRef idx="1">
-            <a:schemeClr val="accent1"/>
-          </a:fillRef>
-          <a:effectRef idx="0">
-            <a:schemeClr val="accent1"/>
-          </a:effectRef>
-          <a:fontRef idx="minor">
-            <a:schemeClr val="lt1"/>
-          </a:fontRef>
-        </p:style>
-        <p:txBody>
-          <a:bodyPr rtlCol="0" anchor="ctr"/>
-          <a:lstStyle/>
-          <a:p>
-            <a:pPr algn="ctr"/>
-            <a:endParaRPr lang="zh-CN" altLang="en-US"/>
+          <a:noFill/>
+        </p:spPr>
+        <p:txBody>
+          <a:bodyPr wrap="none" rtlCol="0">
+            <a:spAutoFit/>
+          </a:bodyPr>
+          <a:lstStyle/>
+          <a:p>
+            <a:r>
+              <a:rPr lang="zh-CN" altLang="en-US"/>
+              <a:t>选出最具有创新性的作品，作为网站的首屏背景图片</a:t>
+            </a:r>
           </a:p>
         </p:txBody>
       </p:sp>
     </p:spTree>
     <p:extLst>
       <p:ext uri="{BB962C8B-B14F-4D97-AF65-F5344CB8AC3E}">
-        <p14:creationId xmlns:p14="http://schemas.microsoft.com/office/powerpoint/2010/main" val="1644475996"/>
+        <p14:creationId xmlns:p14="http://schemas.microsoft.com/office/powerpoint/2010/main" val="480200788"/>
       </p:ext>
     </p:extLst>
   </p:cSld>
